--- a/Школа_DA_Презентация_проекта.pptx
+++ b/Школа_DA_Презентация_проекта.pptx
@@ -8,15 +8,17 @@
     <p:sldId id="257" r:id="rId2"/>
     <p:sldId id="258" r:id="rId3"/>
     <p:sldId id="259" r:id="rId4"/>
-    <p:sldId id="261" r:id="rId5"/>
-    <p:sldId id="265" r:id="rId6"/>
-    <p:sldId id="266" r:id="rId7"/>
-    <p:sldId id="269" r:id="rId8"/>
-    <p:sldId id="270" r:id="rId9"/>
-    <p:sldId id="267" r:id="rId10"/>
-    <p:sldId id="271" r:id="rId11"/>
-    <p:sldId id="260" r:id="rId12"/>
-    <p:sldId id="263" r:id="rId13"/>
+    <p:sldId id="272" r:id="rId5"/>
+    <p:sldId id="261" r:id="rId6"/>
+    <p:sldId id="265" r:id="rId7"/>
+    <p:sldId id="266" r:id="rId8"/>
+    <p:sldId id="269" r:id="rId9"/>
+    <p:sldId id="270" r:id="rId10"/>
+    <p:sldId id="267" r:id="rId11"/>
+    <p:sldId id="271" r:id="rId12"/>
+    <p:sldId id="273" r:id="rId13"/>
+    <p:sldId id="260" r:id="rId14"/>
+    <p:sldId id="263" r:id="rId15"/>
   </p:sldIdLst>
   <p:sldSz cx="12192000" cy="6858000"/>
   <p:notesSz cx="6858000" cy="9144000"/>
@@ -1008,7 +1010,7 @@
           <a:p>
             <a:fld id="{4583FB6F-ACA5-4987-9D7D-422181772236}" type="datetimeFigureOut">
               <a:rPr lang="ru-RU" smtClean="0"/>
-              <a:t>15.11.2022</a:t>
+              <a:t>16.11.2022</a:t>
             </a:fld>
             <a:endParaRPr lang="ru-RU"/>
           </a:p>
@@ -2114,7 +2116,7 @@
           <a:p>
             <a:fld id="{4583FB6F-ACA5-4987-9D7D-422181772236}" type="datetimeFigureOut">
               <a:rPr lang="ru-RU" smtClean="0"/>
-              <a:t>15.11.2022</a:t>
+              <a:t>16.11.2022</a:t>
             </a:fld>
             <a:endParaRPr lang="ru-RU"/>
           </a:p>
@@ -2325,7 +2327,7 @@
           <a:p>
             <a:fld id="{4583FB6F-ACA5-4987-9D7D-422181772236}" type="datetimeFigureOut">
               <a:rPr lang="ru-RU" smtClean="0"/>
-              <a:t>15.11.2022</a:t>
+              <a:t>16.11.2022</a:t>
             </a:fld>
             <a:endParaRPr lang="ru-RU"/>
           </a:p>
@@ -2767,21 +2769,6 @@
               </a:rPr>
               <a:t>Лапин Глеб Александрович</a:t>
             </a:r>
-            <a:endParaRPr lang="ru-RU" sz="3600" spc="300" dirty="0">
-              <a:solidFill>
-                <a:schemeClr val="bg1"/>
-              </a:solidFill>
-              <a:effectLst>
-                <a:outerShdw blurRad="38100" dist="38100" dir="2700000" algn="tl">
-                  <a:srgbClr val="000000">
-                    <a:alpha val="43137"/>
-                  </a:srgbClr>
-                </a:outerShdw>
-              </a:effectLst>
-              <a:latin typeface="+mj-lt"/>
-              <a:ea typeface="+mj-ea"/>
-              <a:cs typeface="+mj-cs"/>
-            </a:endParaRPr>
           </a:p>
         </p:txBody>
       </p:sp>
@@ -2797,13 +2784,13 @@
         </p:nvSpPr>
         <p:spPr>
           <a:xfrm>
-            <a:off x="6151418" y="382386"/>
-            <a:ext cx="5337817" cy="1862051"/>
+            <a:off x="5839160" y="517853"/>
+            <a:ext cx="5937973" cy="1862051"/>
           </a:xfrm>
         </p:spPr>
         <p:txBody>
           <a:bodyPr>
-            <a:normAutofit fontScale="90000"/>
+            <a:noAutofit/>
           </a:bodyPr>
           <a:lstStyle/>
           <a:p>
@@ -3151,1982 +3138,6 @@
           <a:chExt cx="0" cy="0"/>
         </a:xfrm>
       </p:grpSpPr>
-      <p:sp>
-        <p:nvSpPr>
-          <p:cNvPr id="2" name="Заголовок 1"/>
-          <p:cNvSpPr>
-            <a:spLocks noGrp="1"/>
-          </p:cNvSpPr>
-          <p:nvPr>
-            <p:ph type="title"/>
-          </p:nvPr>
-        </p:nvSpPr>
-        <p:spPr/>
-        <p:txBody>
-          <a:bodyPr/>
-          <a:lstStyle/>
-          <a:p>
-            <a:r>
-              <a:rPr lang="ru-RU" dirty="0"/>
-              <a:t>Бизнес-логика</a:t>
-            </a:r>
-          </a:p>
-        </p:txBody>
-      </p:sp>
-      <p:sp>
-        <p:nvSpPr>
-          <p:cNvPr id="3" name="Объект 2"/>
-          <p:cNvSpPr>
-            <a:spLocks noGrp="1"/>
-          </p:cNvSpPr>
-          <p:nvPr>
-            <p:ph idx="1"/>
-          </p:nvPr>
-        </p:nvSpPr>
-        <p:spPr/>
-        <p:txBody>
-          <a:bodyPr/>
-          <a:lstStyle/>
-          <a:p>
-            <a:endParaRPr lang="ru-RU"/>
-          </a:p>
-        </p:txBody>
-      </p:sp>
-    </p:spTree>
-    <p:extLst>
-      <p:ext uri="{BB962C8B-B14F-4D97-AF65-F5344CB8AC3E}">
-        <p14:creationId xmlns:p14="http://schemas.microsoft.com/office/powerpoint/2010/main" val="1157968169"/>
-      </p:ext>
-    </p:extLst>
-  </p:cSld>
-  <p:clrMapOvr>
-    <a:masterClrMapping/>
-  </p:clrMapOvr>
-  <p:timing>
-    <p:tnLst>
-      <p:par>
-        <p:cTn id="1" dur="indefinite" restart="never" nodeType="tmRoot"/>
-      </p:par>
-    </p:tnLst>
-  </p:timing>
-</p:sld>
-</file>
-
-<file path=ppt/slides/slide11.xml><?xml version="1.0" encoding="utf-8"?>
-<p:sld xmlns:a="http://schemas.openxmlformats.org/drawingml/2006/main" xmlns:r="http://schemas.openxmlformats.org/officeDocument/2006/relationships" xmlns:p="http://schemas.openxmlformats.org/presentationml/2006/main">
-  <p:cSld>
-    <p:spTree>
-      <p:nvGrpSpPr>
-        <p:cNvPr id="1" name=""/>
-        <p:cNvGrpSpPr/>
-        <p:nvPr/>
-      </p:nvGrpSpPr>
-      <p:grpSpPr>
-        <a:xfrm>
-          <a:off x="0" y="0"/>
-          <a:ext cx="0" cy="0"/>
-          <a:chOff x="0" y="0"/>
-          <a:chExt cx="0" cy="0"/>
-        </a:xfrm>
-      </p:grpSpPr>
-      <p:sp>
-        <p:nvSpPr>
-          <p:cNvPr id="2" name="Заголовок 1"/>
-          <p:cNvSpPr>
-            <a:spLocks noGrp="1"/>
-          </p:cNvSpPr>
-          <p:nvPr>
-            <p:ph type="title"/>
-          </p:nvPr>
-        </p:nvSpPr>
-        <p:spPr>
-          <a:xfrm>
-            <a:off x="838200" y="355889"/>
-            <a:ext cx="10515600" cy="752475"/>
-          </a:xfrm>
-        </p:spPr>
-        <p:txBody>
-          <a:bodyPr/>
-          <a:lstStyle/>
-          <a:p>
-            <a:r>
-              <a:rPr lang="ru-RU" dirty="0"/>
-              <a:t>Используемые технологии</a:t>
-            </a:r>
-          </a:p>
-        </p:txBody>
-      </p:sp>
-      <p:sp>
-        <p:nvSpPr>
-          <p:cNvPr id="3" name="Объект 2"/>
-          <p:cNvSpPr>
-            <a:spLocks noGrp="1"/>
-          </p:cNvSpPr>
-          <p:nvPr>
-            <p:ph idx="1"/>
-          </p:nvPr>
-        </p:nvSpPr>
-        <p:spPr/>
-        <p:txBody>
-          <a:bodyPr>
-            <a:normAutofit/>
-          </a:bodyPr>
-          <a:lstStyle/>
-          <a:p>
-            <a:r>
-              <a:rPr lang="ru-RU" i="1" dirty="0" smtClean="0">
-                <a:solidFill>
-                  <a:schemeClr val="tx1">
-                    <a:lumMod val="65000"/>
-                    <a:lumOff val="35000"/>
-                  </a:schemeClr>
-                </a:solidFill>
-              </a:rPr>
-              <a:t>Библиотеки </a:t>
-            </a:r>
-            <a:r>
-              <a:rPr lang="en-US" i="1" dirty="0" smtClean="0">
-                <a:solidFill>
-                  <a:schemeClr val="tx1">
-                    <a:lumMod val="65000"/>
-                    <a:lumOff val="35000"/>
-                  </a:schemeClr>
-                </a:solidFill>
-              </a:rPr>
-              <a:t>Python</a:t>
-            </a:r>
-            <a:r>
-              <a:rPr lang="ru-RU" i="1" dirty="0" smtClean="0">
-                <a:solidFill>
-                  <a:schemeClr val="tx1">
-                    <a:lumMod val="65000"/>
-                    <a:lumOff val="35000"/>
-                  </a:schemeClr>
-                </a:solidFill>
-              </a:rPr>
-              <a:t>:</a:t>
-            </a:r>
-            <a:endParaRPr lang="ru-RU" i="1" dirty="0" smtClean="0">
-              <a:solidFill>
-                <a:schemeClr val="tx1">
-                  <a:lumMod val="65000"/>
-                  <a:lumOff val="35000"/>
-                </a:schemeClr>
-              </a:solidFill>
-            </a:endParaRPr>
-          </a:p>
-          <a:p>
-            <a:pPr marL="457200" lvl="1" indent="0">
-              <a:buNone/>
-            </a:pPr>
-            <a:r>
-              <a:rPr lang="en-US" i="1" dirty="0">
-                <a:solidFill>
-                  <a:schemeClr val="tx1">
-                    <a:lumMod val="65000"/>
-                    <a:lumOff val="35000"/>
-                  </a:schemeClr>
-                </a:solidFill>
-              </a:rPr>
-              <a:t>P</a:t>
-            </a:r>
-            <a:r>
-              <a:rPr lang="en-US" i="1" dirty="0" smtClean="0">
-                <a:solidFill>
-                  <a:schemeClr val="tx1">
-                    <a:lumMod val="65000"/>
-                    <a:lumOff val="35000"/>
-                  </a:schemeClr>
-                </a:solidFill>
-              </a:rPr>
-              <a:t>andas</a:t>
-            </a:r>
-            <a:r>
-              <a:rPr lang="ru-RU" i="1" dirty="0" smtClean="0">
-                <a:solidFill>
-                  <a:schemeClr val="tx1">
-                    <a:lumMod val="65000"/>
-                    <a:lumOff val="35000"/>
-                  </a:schemeClr>
-                </a:solidFill>
-              </a:rPr>
-              <a:t> </a:t>
-            </a:r>
-            <a:endParaRPr lang="en-US" i="1" dirty="0" smtClean="0">
-              <a:solidFill>
-                <a:schemeClr val="tx1">
-                  <a:lumMod val="65000"/>
-                  <a:lumOff val="35000"/>
-                </a:schemeClr>
-              </a:solidFill>
-            </a:endParaRPr>
-          </a:p>
-          <a:p>
-            <a:pPr marL="457200" lvl="1" indent="0">
-              <a:buNone/>
-            </a:pPr>
-            <a:r>
-              <a:rPr lang="en-US" i="1" dirty="0" err="1">
-                <a:solidFill>
-                  <a:schemeClr val="tx1">
-                    <a:lumMod val="65000"/>
-                    <a:lumOff val="35000"/>
-                  </a:schemeClr>
-                </a:solidFill>
-              </a:rPr>
-              <a:t>N</a:t>
-            </a:r>
-            <a:r>
-              <a:rPr lang="en-US" i="1" dirty="0" err="1" smtClean="0">
-                <a:solidFill>
-                  <a:schemeClr val="tx1">
-                    <a:lumMod val="65000"/>
-                    <a:lumOff val="35000"/>
-                  </a:schemeClr>
-                </a:solidFill>
-              </a:rPr>
-              <a:t>umpy</a:t>
-            </a:r>
-            <a:r>
-              <a:rPr lang="ru-RU" i="1" dirty="0" smtClean="0">
-                <a:solidFill>
-                  <a:schemeClr val="tx1">
-                    <a:lumMod val="65000"/>
-                    <a:lumOff val="35000"/>
-                  </a:schemeClr>
-                </a:solidFill>
-              </a:rPr>
-              <a:t> </a:t>
-            </a:r>
-            <a:endParaRPr lang="en-US" i="1" dirty="0" smtClean="0">
-              <a:solidFill>
-                <a:schemeClr val="tx1">
-                  <a:lumMod val="65000"/>
-                  <a:lumOff val="35000"/>
-                </a:schemeClr>
-              </a:solidFill>
-            </a:endParaRPr>
-          </a:p>
-          <a:p>
-            <a:pPr marL="457200" lvl="1" indent="0">
-              <a:buNone/>
-            </a:pPr>
-            <a:r>
-              <a:rPr lang="en-US" i="1" dirty="0" err="1" smtClean="0">
-                <a:solidFill>
-                  <a:schemeClr val="tx1">
-                    <a:lumMod val="65000"/>
-                    <a:lumOff val="35000"/>
-                  </a:schemeClr>
-                </a:solidFill>
-              </a:rPr>
-              <a:t>Matplotlib</a:t>
-            </a:r>
-            <a:endParaRPr lang="en-US" i="1" dirty="0" smtClean="0">
-              <a:solidFill>
-                <a:schemeClr val="tx1">
-                  <a:lumMod val="65000"/>
-                  <a:lumOff val="35000"/>
-                </a:schemeClr>
-              </a:solidFill>
-            </a:endParaRPr>
-          </a:p>
-          <a:p>
-            <a:pPr marL="457200" lvl="1" indent="0">
-              <a:buNone/>
-            </a:pPr>
-            <a:r>
-              <a:rPr lang="en-US" i="1" dirty="0" err="1" smtClean="0">
-                <a:solidFill>
-                  <a:schemeClr val="tx1">
-                    <a:lumMod val="65000"/>
-                    <a:lumOff val="35000"/>
-                  </a:schemeClr>
-                </a:solidFill>
-              </a:rPr>
-              <a:t>Wordcloud</a:t>
-            </a:r>
-            <a:r>
-              <a:rPr lang="ru-RU" i="1" dirty="0" smtClean="0">
-                <a:solidFill>
-                  <a:schemeClr val="tx1">
-                    <a:lumMod val="65000"/>
-                    <a:lumOff val="35000"/>
-                  </a:schemeClr>
-                </a:solidFill>
-              </a:rPr>
-              <a:t> </a:t>
-            </a:r>
-            <a:endParaRPr lang="en-US" i="1" dirty="0" smtClean="0">
-              <a:solidFill>
-                <a:schemeClr val="tx1">
-                  <a:lumMod val="65000"/>
-                  <a:lumOff val="35000"/>
-                </a:schemeClr>
-              </a:solidFill>
-            </a:endParaRPr>
-          </a:p>
-          <a:p>
-            <a:pPr marL="457200" lvl="1" indent="0">
-              <a:buNone/>
-            </a:pPr>
-            <a:r>
-              <a:rPr lang="en-US" i="1" dirty="0" err="1" smtClean="0">
-                <a:solidFill>
-                  <a:schemeClr val="tx1">
-                    <a:lumMod val="65000"/>
-                    <a:lumOff val="35000"/>
-                  </a:schemeClr>
-                </a:solidFill>
-              </a:rPr>
-              <a:t>Seaborn</a:t>
-            </a:r>
-            <a:endParaRPr lang="ru-RU" i="1" dirty="0" smtClean="0">
-              <a:solidFill>
-                <a:schemeClr val="tx1">
-                  <a:lumMod val="65000"/>
-                  <a:lumOff val="35000"/>
-                </a:schemeClr>
-              </a:solidFill>
-            </a:endParaRPr>
-          </a:p>
-          <a:p>
-            <a:pPr marL="457200" lvl="1" indent="0">
-              <a:buNone/>
-            </a:pPr>
-            <a:r>
-              <a:rPr lang="en-US" i="1" dirty="0" smtClean="0">
-                <a:solidFill>
-                  <a:schemeClr val="tx1">
-                    <a:lumMod val="65000"/>
-                    <a:lumOff val="35000"/>
-                  </a:schemeClr>
-                </a:solidFill>
-              </a:rPr>
-              <a:t>Requests</a:t>
-            </a:r>
-            <a:endParaRPr lang="ru-RU" i="1" dirty="0" smtClean="0">
-              <a:solidFill>
-                <a:schemeClr val="tx1">
-                  <a:lumMod val="65000"/>
-                  <a:lumOff val="35000"/>
-                </a:schemeClr>
-              </a:solidFill>
-            </a:endParaRPr>
-          </a:p>
-          <a:p>
-            <a:pPr marL="457200" lvl="1" indent="0">
-              <a:buNone/>
-            </a:pPr>
-            <a:r>
-              <a:rPr lang="en-US" i="1" dirty="0" err="1" smtClean="0">
-                <a:solidFill>
-                  <a:schemeClr val="tx1">
-                    <a:lumMod val="65000"/>
-                    <a:lumOff val="35000"/>
-                  </a:schemeClr>
-                </a:solidFill>
-              </a:rPr>
-              <a:t>Tqdm</a:t>
-            </a:r>
-            <a:endParaRPr lang="en-US" i="1" dirty="0" smtClean="0">
-              <a:solidFill>
-                <a:schemeClr val="tx1">
-                  <a:lumMod val="65000"/>
-                  <a:lumOff val="35000"/>
-                </a:schemeClr>
-              </a:solidFill>
-            </a:endParaRPr>
-          </a:p>
-          <a:p>
-            <a:pPr marL="457200" lvl="1" indent="0">
-              <a:buNone/>
-            </a:pPr>
-            <a:r>
-              <a:rPr lang="en-US" i="1" dirty="0" err="1" smtClean="0">
-                <a:solidFill>
-                  <a:schemeClr val="tx1">
-                    <a:lumMod val="65000"/>
-                    <a:lumOff val="35000"/>
-                  </a:schemeClr>
-                </a:solidFill>
-              </a:rPr>
-              <a:t>Itertools</a:t>
-            </a:r>
-            <a:endParaRPr lang="ru-RU" i="1" dirty="0">
-              <a:solidFill>
-                <a:schemeClr val="tx1">
-                  <a:lumMod val="65000"/>
-                  <a:lumOff val="35000"/>
-                </a:schemeClr>
-              </a:solidFill>
-            </a:endParaRPr>
-          </a:p>
-        </p:txBody>
-      </p:sp>
-    </p:spTree>
-    <p:extLst>
-      <p:ext uri="{BB962C8B-B14F-4D97-AF65-F5344CB8AC3E}">
-        <p14:creationId xmlns:p14="http://schemas.microsoft.com/office/powerpoint/2010/main" val="32908407"/>
-      </p:ext>
-    </p:extLst>
-  </p:cSld>
-  <p:clrMapOvr>
-    <a:masterClrMapping/>
-  </p:clrMapOvr>
-  <p:timing>
-    <p:tnLst>
-      <p:par>
-        <p:cTn id="1" dur="indefinite" restart="never" nodeType="tmRoot"/>
-      </p:par>
-    </p:tnLst>
-  </p:timing>
-</p:sld>
-</file>
-
-<file path=ppt/slides/slide12.xml><?xml version="1.0" encoding="utf-8"?>
-<p:sld xmlns:a="http://schemas.openxmlformats.org/drawingml/2006/main" xmlns:r="http://schemas.openxmlformats.org/officeDocument/2006/relationships" xmlns:p="http://schemas.openxmlformats.org/presentationml/2006/main">
-  <p:cSld>
-    <p:spTree>
-      <p:nvGrpSpPr>
-        <p:cNvPr id="1" name=""/>
-        <p:cNvGrpSpPr/>
-        <p:nvPr/>
-      </p:nvGrpSpPr>
-      <p:grpSpPr>
-        <a:xfrm>
-          <a:off x="0" y="0"/>
-          <a:ext cx="0" cy="0"/>
-          <a:chOff x="0" y="0"/>
-          <a:chExt cx="0" cy="0"/>
-        </a:xfrm>
-      </p:grpSpPr>
-      <p:sp>
-        <p:nvSpPr>
-          <p:cNvPr id="2" name="TextBox 1"/>
-          <p:cNvSpPr txBox="1"/>
-          <p:nvPr/>
-        </p:nvSpPr>
-        <p:spPr>
-          <a:xfrm>
-            <a:off x="1500796" y="2440549"/>
-            <a:ext cx="9190008" cy="1015663"/>
-          </a:xfrm>
-          <a:prstGeom prst="rect">
-            <a:avLst/>
-          </a:prstGeom>
-          <a:noFill/>
-        </p:spPr>
-        <p:txBody>
-          <a:bodyPr wrap="square" rtlCol="0">
-            <a:spAutoFit/>
-          </a:bodyPr>
-          <a:lstStyle/>
-          <a:p>
-            <a:pPr algn="ctr"/>
-            <a:r>
-              <a:rPr lang="ru-RU" sz="6000" dirty="0">
-                <a:solidFill>
-                  <a:srgbClr val="2BA630"/>
-                </a:solidFill>
-              </a:rPr>
-              <a:t>СПАСИБО ЗА ВНИМАНИЕ!</a:t>
-            </a:r>
-          </a:p>
-        </p:txBody>
-      </p:sp>
-    </p:spTree>
-    <p:extLst>
-      <p:ext uri="{BB962C8B-B14F-4D97-AF65-F5344CB8AC3E}">
-        <p14:creationId xmlns:p14="http://schemas.microsoft.com/office/powerpoint/2010/main" val="3907949203"/>
-      </p:ext>
-    </p:extLst>
-  </p:cSld>
-  <p:clrMapOvr>
-    <a:masterClrMapping/>
-  </p:clrMapOvr>
-  <p:timing>
-    <p:tnLst>
-      <p:par>
-        <p:cTn id="1" dur="indefinite" restart="never" nodeType="tmRoot"/>
-      </p:par>
-    </p:tnLst>
-  </p:timing>
-</p:sld>
-</file>
-
-<file path=ppt/slides/slide2.xml><?xml version="1.0" encoding="utf-8"?>
-<p:sld xmlns:a="http://schemas.openxmlformats.org/drawingml/2006/main" xmlns:r="http://schemas.openxmlformats.org/officeDocument/2006/relationships" xmlns:p="http://schemas.openxmlformats.org/presentationml/2006/main">
-  <p:cSld>
-    <p:spTree>
-      <p:nvGrpSpPr>
-        <p:cNvPr id="1" name=""/>
-        <p:cNvGrpSpPr/>
-        <p:nvPr/>
-      </p:nvGrpSpPr>
-      <p:grpSpPr>
-        <a:xfrm>
-          <a:off x="0" y="0"/>
-          <a:ext cx="0" cy="0"/>
-          <a:chOff x="0" y="0"/>
-          <a:chExt cx="0" cy="0"/>
-        </a:xfrm>
-      </p:grpSpPr>
-      <p:sp>
-        <p:nvSpPr>
-          <p:cNvPr id="2" name="Заголовок 1"/>
-          <p:cNvSpPr>
-            <a:spLocks noGrp="1"/>
-          </p:cNvSpPr>
-          <p:nvPr>
-            <p:ph type="title"/>
-          </p:nvPr>
-        </p:nvSpPr>
-        <p:spPr/>
-        <p:txBody>
-          <a:bodyPr/>
-          <a:lstStyle/>
-          <a:p>
-            <a:r>
-              <a:rPr lang="ru-RU" dirty="0"/>
-              <a:t>О себе</a:t>
-            </a:r>
-          </a:p>
-        </p:txBody>
-      </p:sp>
-      <p:sp>
-        <p:nvSpPr>
-          <p:cNvPr id="3" name="Объект 2"/>
-          <p:cNvSpPr>
-            <a:spLocks noGrp="1"/>
-          </p:cNvSpPr>
-          <p:nvPr>
-            <p:ph idx="1"/>
-          </p:nvPr>
-        </p:nvSpPr>
-        <p:spPr/>
-        <p:txBody>
-          <a:bodyPr>
-            <a:normAutofit/>
-          </a:bodyPr>
-          <a:lstStyle/>
-          <a:p>
-            <a:r>
-              <a:rPr lang="ru-RU" i="1" dirty="0" smtClean="0">
-                <a:solidFill>
-                  <a:schemeClr val="tx1">
-                    <a:lumMod val="65000"/>
-                    <a:lumOff val="35000"/>
-                  </a:schemeClr>
-                </a:solidFill>
-              </a:rPr>
-              <a:t>Лапин Глеб Александрович</a:t>
-            </a:r>
-            <a:endParaRPr lang="ru-RU" i="1" dirty="0">
-              <a:solidFill>
-                <a:schemeClr val="tx1">
-                  <a:lumMod val="65000"/>
-                  <a:lumOff val="35000"/>
-                </a:schemeClr>
-              </a:solidFill>
-            </a:endParaRPr>
-          </a:p>
-          <a:p>
-            <a:r>
-              <a:rPr lang="ru-RU" i="1" dirty="0" smtClean="0">
-                <a:solidFill>
-                  <a:schemeClr val="tx1">
-                    <a:lumMod val="65000"/>
-                    <a:lumOff val="35000"/>
-                  </a:schemeClr>
-                </a:solidFill>
-              </a:rPr>
-              <a:t>Самарский Государственный Технический Университет </a:t>
-            </a:r>
-          </a:p>
-          <a:p>
-            <a:pPr marL="0" indent="0">
-              <a:buNone/>
-            </a:pPr>
-            <a:r>
-              <a:rPr lang="ru-RU" i="1" dirty="0" smtClean="0">
-                <a:solidFill>
-                  <a:schemeClr val="tx1">
-                    <a:lumMod val="65000"/>
-                    <a:lumOff val="35000"/>
-                  </a:schemeClr>
-                </a:solidFill>
-              </a:rPr>
-              <a:t>Специальность «Управление в технических системах»</a:t>
-            </a:r>
-            <a:endParaRPr lang="ru-RU" i="1" dirty="0">
-              <a:solidFill>
-                <a:schemeClr val="tx1">
-                  <a:lumMod val="65000"/>
-                  <a:lumOff val="35000"/>
-                </a:schemeClr>
-              </a:solidFill>
-            </a:endParaRPr>
-          </a:p>
-          <a:p>
-            <a:r>
-              <a:rPr lang="ru-RU" i="1" dirty="0" smtClean="0">
-                <a:solidFill>
-                  <a:schemeClr val="tx1">
-                    <a:lumMod val="65000"/>
-                    <a:lumOff val="35000"/>
-                  </a:schemeClr>
-                </a:solidFill>
-              </a:rPr>
-              <a:t>Отдел консолидации отчетности и контроля качества, Менеджер. Консолидация и автоматизация отчетности, разработка и поддержка </a:t>
-            </a:r>
-            <a:r>
-              <a:rPr lang="en-US" i="1" dirty="0" smtClean="0">
-                <a:solidFill>
-                  <a:schemeClr val="tx1">
-                    <a:lumMod val="65000"/>
-                    <a:lumOff val="35000"/>
-                  </a:schemeClr>
-                </a:solidFill>
-              </a:rPr>
-              <a:t>Web-</a:t>
-            </a:r>
-            <a:r>
-              <a:rPr lang="ru-RU" i="1" dirty="0" smtClean="0">
-                <a:solidFill>
-                  <a:schemeClr val="tx1">
-                    <a:lumMod val="65000"/>
-                    <a:lumOff val="35000"/>
-                  </a:schemeClr>
-                </a:solidFill>
-              </a:rPr>
-              <a:t>приложений.</a:t>
-            </a:r>
-          </a:p>
-          <a:p>
-            <a:r>
-              <a:rPr lang="ru-RU" i="1" dirty="0" smtClean="0">
-                <a:solidFill>
-                  <a:schemeClr val="tx1">
-                    <a:lumMod val="65000"/>
-                    <a:lumOff val="35000"/>
-                  </a:schemeClr>
-                </a:solidFill>
-              </a:rPr>
-              <a:t>Самара</a:t>
-            </a:r>
-            <a:endParaRPr lang="ru-RU" i="1" dirty="0">
-              <a:solidFill>
-                <a:schemeClr val="tx1">
-                  <a:lumMod val="65000"/>
-                  <a:lumOff val="35000"/>
-                </a:schemeClr>
-              </a:solidFill>
-            </a:endParaRPr>
-          </a:p>
-          <a:p>
-            <a:r>
-              <a:rPr lang="en-US" i="1" dirty="0" smtClean="0">
-                <a:solidFill>
-                  <a:schemeClr val="tx1">
-                    <a:lumMod val="65000"/>
-                    <a:lumOff val="35000"/>
-                  </a:schemeClr>
-                </a:solidFill>
-              </a:rPr>
-              <a:t>lapingleb950@gmail.com</a:t>
-            </a:r>
-            <a:r>
-              <a:rPr lang="ru-RU" i="1" dirty="0" smtClean="0">
-                <a:solidFill>
-                  <a:schemeClr val="tx1">
-                    <a:lumMod val="65000"/>
-                    <a:lumOff val="35000"/>
-                  </a:schemeClr>
-                </a:solidFill>
-              </a:rPr>
-              <a:t> </a:t>
-            </a:r>
-            <a:r>
-              <a:rPr lang="ru-RU" i="1" dirty="0" smtClean="0">
-                <a:solidFill>
-                  <a:schemeClr val="tx1">
-                    <a:lumMod val="65000"/>
-                    <a:lumOff val="35000"/>
-                  </a:schemeClr>
-                </a:solidFill>
-              </a:rPr>
-              <a:t>/ +</a:t>
-            </a:r>
-            <a:r>
-              <a:rPr lang="ru-RU" i="1" dirty="0" smtClean="0">
-                <a:solidFill>
-                  <a:schemeClr val="tx1">
-                    <a:lumMod val="65000"/>
-                    <a:lumOff val="35000"/>
-                  </a:schemeClr>
-                </a:solidFill>
-              </a:rPr>
-              <a:t>7(9</a:t>
-            </a:r>
-            <a:r>
-              <a:rPr lang="en-US" i="1" dirty="0" smtClean="0">
-                <a:solidFill>
-                  <a:schemeClr val="tx1">
-                    <a:lumMod val="65000"/>
-                    <a:lumOff val="35000"/>
-                  </a:schemeClr>
-                </a:solidFill>
-              </a:rPr>
-              <a:t>96</a:t>
-            </a:r>
-            <a:r>
-              <a:rPr lang="ru-RU" i="1" dirty="0" smtClean="0">
-                <a:solidFill>
-                  <a:schemeClr val="tx1">
-                    <a:lumMod val="65000"/>
-                    <a:lumOff val="35000"/>
-                  </a:schemeClr>
-                </a:solidFill>
-              </a:rPr>
-              <a:t>)</a:t>
-            </a:r>
-            <a:r>
-              <a:rPr lang="en-US" i="1" dirty="0" smtClean="0">
-                <a:solidFill>
-                  <a:schemeClr val="tx1">
-                    <a:lumMod val="65000"/>
-                    <a:lumOff val="35000"/>
-                  </a:schemeClr>
-                </a:solidFill>
-              </a:rPr>
-              <a:t>925-00-55</a:t>
-            </a:r>
-            <a:endParaRPr lang="ru-RU" dirty="0"/>
-          </a:p>
-        </p:txBody>
-      </p:sp>
-    </p:spTree>
-    <p:extLst>
-      <p:ext uri="{BB962C8B-B14F-4D97-AF65-F5344CB8AC3E}">
-        <p14:creationId xmlns:p14="http://schemas.microsoft.com/office/powerpoint/2010/main" val="2355443536"/>
-      </p:ext>
-    </p:extLst>
-  </p:cSld>
-  <p:clrMapOvr>
-    <a:masterClrMapping/>
-  </p:clrMapOvr>
-  <p:timing>
-    <p:tnLst>
-      <p:par>
-        <p:cTn id="1" dur="indefinite" restart="never" nodeType="tmRoot"/>
-      </p:par>
-    </p:tnLst>
-  </p:timing>
-</p:sld>
-</file>
-
-<file path=ppt/slides/slide3.xml><?xml version="1.0" encoding="utf-8"?>
-<p:sld xmlns:a="http://schemas.openxmlformats.org/drawingml/2006/main" xmlns:r="http://schemas.openxmlformats.org/officeDocument/2006/relationships" xmlns:p="http://schemas.openxmlformats.org/presentationml/2006/main">
-  <p:cSld>
-    <p:spTree>
-      <p:nvGrpSpPr>
-        <p:cNvPr id="1" name=""/>
-        <p:cNvGrpSpPr/>
-        <p:nvPr/>
-      </p:nvGrpSpPr>
-      <p:grpSpPr>
-        <a:xfrm>
-          <a:off x="0" y="0"/>
-          <a:ext cx="0" cy="0"/>
-          <a:chOff x="0" y="0"/>
-          <a:chExt cx="0" cy="0"/>
-        </a:xfrm>
-      </p:grpSpPr>
-      <p:sp>
-        <p:nvSpPr>
-          <p:cNvPr id="2" name="Заголовок 1"/>
-          <p:cNvSpPr>
-            <a:spLocks noGrp="1"/>
-          </p:cNvSpPr>
-          <p:nvPr>
-            <p:ph type="title"/>
-          </p:nvPr>
-        </p:nvSpPr>
-        <p:spPr/>
-        <p:txBody>
-          <a:bodyPr/>
-          <a:lstStyle/>
-          <a:p>
-            <a:r>
-              <a:rPr lang="ru-RU" dirty="0"/>
-              <a:t>Описание проекта</a:t>
-            </a:r>
-          </a:p>
-        </p:txBody>
-      </p:sp>
-      <p:sp>
-        <p:nvSpPr>
-          <p:cNvPr id="3" name="Объект 2"/>
-          <p:cNvSpPr>
-            <a:spLocks noGrp="1"/>
-          </p:cNvSpPr>
-          <p:nvPr>
-            <p:ph idx="1"/>
-          </p:nvPr>
-        </p:nvSpPr>
-        <p:spPr/>
-        <p:txBody>
-          <a:bodyPr/>
-          <a:lstStyle/>
-          <a:p>
-            <a:r>
-              <a:rPr lang="ru-RU" i="1" dirty="0" smtClean="0">
-                <a:solidFill>
-                  <a:schemeClr val="tx1">
-                    <a:lumMod val="65000"/>
-                    <a:lumOff val="35000"/>
-                  </a:schemeClr>
-                </a:solidFill>
-              </a:rPr>
-              <a:t>Использу</a:t>
-            </a:r>
-            <a:r>
-              <a:rPr lang="ru-RU" i="1" dirty="0" smtClean="0">
-                <a:solidFill>
-                  <a:schemeClr val="tx1">
-                    <a:lumMod val="65000"/>
-                    <a:lumOff val="35000"/>
-                  </a:schemeClr>
-                </a:solidFill>
-              </a:rPr>
-              <a:t>я данные с площадки </a:t>
-            </a:r>
-            <a:r>
-              <a:rPr lang="en-US" i="1" dirty="0" smtClean="0">
-                <a:solidFill>
-                  <a:schemeClr val="tx1">
-                    <a:lumMod val="65000"/>
-                    <a:lumOff val="35000"/>
-                  </a:schemeClr>
-                </a:solidFill>
-              </a:rPr>
-              <a:t>hh.ru </a:t>
-            </a:r>
-            <a:r>
-              <a:rPr lang="ru-RU" i="1" dirty="0" smtClean="0">
-                <a:solidFill>
-                  <a:schemeClr val="tx1">
-                    <a:lumMod val="65000"/>
-                    <a:lumOff val="35000"/>
-                  </a:schemeClr>
-                </a:solidFill>
-              </a:rPr>
-              <a:t>провести исследование рынка профессии </a:t>
-            </a:r>
-            <a:r>
-              <a:rPr lang="en-US" i="1" dirty="0" smtClean="0">
-                <a:solidFill>
-                  <a:schemeClr val="tx1">
-                    <a:lumMod val="65000"/>
-                    <a:lumOff val="35000"/>
-                  </a:schemeClr>
-                </a:solidFill>
-              </a:rPr>
-              <a:t>«Python </a:t>
-            </a:r>
-            <a:r>
-              <a:rPr lang="en-US" i="1" dirty="0">
-                <a:solidFill>
-                  <a:schemeClr val="tx1">
-                    <a:lumMod val="65000"/>
-                    <a:lumOff val="35000"/>
-                  </a:schemeClr>
-                </a:solidFill>
-              </a:rPr>
-              <a:t>Backend-</a:t>
-            </a:r>
-            <a:r>
-              <a:rPr lang="ru-RU" i="1" dirty="0">
-                <a:solidFill>
-                  <a:schemeClr val="tx1">
-                    <a:lumMod val="65000"/>
-                    <a:lumOff val="35000"/>
-                  </a:schemeClr>
-                </a:solidFill>
-              </a:rPr>
-              <a:t>разработчик</a:t>
-            </a:r>
-            <a:r>
-              <a:rPr lang="ru-RU" i="1" dirty="0" smtClean="0">
-                <a:solidFill>
-                  <a:schemeClr val="tx1">
-                    <a:lumMod val="65000"/>
-                    <a:lumOff val="35000"/>
-                  </a:schemeClr>
-                </a:solidFill>
-              </a:rPr>
-              <a:t>». Результаты исследования представить с помощью графиков и таблиц.</a:t>
-            </a:r>
-            <a:endParaRPr lang="ru-RU" i="1" dirty="0" smtClean="0">
-              <a:solidFill>
-                <a:schemeClr val="tx1">
-                  <a:lumMod val="65000"/>
-                  <a:lumOff val="35000"/>
-                </a:schemeClr>
-              </a:solidFill>
-            </a:endParaRPr>
-          </a:p>
-          <a:p>
-            <a:endParaRPr lang="ru-RU" i="1" dirty="0">
-              <a:solidFill>
-                <a:schemeClr val="tx1">
-                  <a:lumMod val="65000"/>
-                  <a:lumOff val="35000"/>
-                </a:schemeClr>
-              </a:solidFill>
-            </a:endParaRPr>
-          </a:p>
-          <a:p>
-            <a:endParaRPr lang="ru-RU" i="1" dirty="0">
-              <a:solidFill>
-                <a:schemeClr val="tx1">
-                  <a:lumMod val="65000"/>
-                  <a:lumOff val="35000"/>
-                </a:schemeClr>
-              </a:solidFill>
-            </a:endParaRPr>
-          </a:p>
-          <a:p>
-            <a:r>
-              <a:rPr lang="ru-RU" i="1" dirty="0" err="1" smtClean="0">
-                <a:solidFill>
-                  <a:schemeClr val="tx1">
-                    <a:lumMod val="65000"/>
-                    <a:lumOff val="35000"/>
-                  </a:schemeClr>
-                </a:solidFill>
-              </a:rPr>
-              <a:t>Репозиторий</a:t>
-            </a:r>
-            <a:r>
-              <a:rPr lang="ru-RU" i="1" dirty="0" smtClean="0">
-                <a:solidFill>
-                  <a:schemeClr val="tx1">
-                    <a:lumMod val="65000"/>
-                    <a:lumOff val="35000"/>
-                  </a:schemeClr>
-                </a:solidFill>
-              </a:rPr>
-              <a:t> </a:t>
-            </a:r>
-            <a:r>
-              <a:rPr lang="ru-RU" i="1" dirty="0">
-                <a:solidFill>
-                  <a:schemeClr val="tx1">
-                    <a:lumMod val="65000"/>
-                    <a:lumOff val="35000"/>
-                  </a:schemeClr>
-                </a:solidFill>
-              </a:rPr>
-              <a:t>с </a:t>
-            </a:r>
-            <a:r>
-              <a:rPr lang="ru-RU" i="1" dirty="0" smtClean="0">
-                <a:solidFill>
-                  <a:schemeClr val="tx1">
-                    <a:lumMod val="65000"/>
-                    <a:lumOff val="35000"/>
-                  </a:schemeClr>
-                </a:solidFill>
-              </a:rPr>
-              <a:t>кодом:</a:t>
-            </a:r>
-          </a:p>
-          <a:p>
-            <a:pPr marL="0" indent="0">
-              <a:buNone/>
-            </a:pPr>
-            <a:r>
-              <a:rPr lang="ru-RU" i="1" dirty="0" smtClean="0">
-                <a:solidFill>
-                  <a:schemeClr val="tx1">
-                    <a:lumMod val="65000"/>
-                    <a:lumOff val="35000"/>
-                  </a:schemeClr>
-                </a:solidFill>
-              </a:rPr>
-              <a:t>	</a:t>
-            </a:r>
-            <a:r>
-              <a:rPr lang="en-US" i="1" dirty="0">
-                <a:solidFill>
-                  <a:schemeClr val="tx1">
-                    <a:lumMod val="65000"/>
-                    <a:lumOff val="35000"/>
-                  </a:schemeClr>
-                </a:solidFill>
-              </a:rPr>
-              <a:t>https://github.com/LapinGleb/DA_project.git</a:t>
-            </a:r>
-            <a:endParaRPr lang="ru-RU" dirty="0"/>
-          </a:p>
-        </p:txBody>
-      </p:sp>
-    </p:spTree>
-    <p:extLst>
-      <p:ext uri="{BB962C8B-B14F-4D97-AF65-F5344CB8AC3E}">
-        <p14:creationId xmlns:p14="http://schemas.microsoft.com/office/powerpoint/2010/main" val="2020167519"/>
-      </p:ext>
-    </p:extLst>
-  </p:cSld>
-  <p:clrMapOvr>
-    <a:masterClrMapping/>
-  </p:clrMapOvr>
-  <p:timing>
-    <p:tnLst>
-      <p:par>
-        <p:cTn id="1" dur="indefinite" restart="never" nodeType="tmRoot"/>
-      </p:par>
-    </p:tnLst>
-  </p:timing>
-</p:sld>
-</file>
-
-<file path=ppt/slides/slide4.xml><?xml version="1.0" encoding="utf-8"?>
-<p:sld xmlns:a="http://schemas.openxmlformats.org/drawingml/2006/main" xmlns:r="http://schemas.openxmlformats.org/officeDocument/2006/relationships" xmlns:p="http://schemas.openxmlformats.org/presentationml/2006/main">
-  <p:cSld>
-    <p:spTree>
-      <p:nvGrpSpPr>
-        <p:cNvPr id="1" name=""/>
-        <p:cNvGrpSpPr/>
-        <p:nvPr/>
-      </p:nvGrpSpPr>
-      <p:grpSpPr>
-        <a:xfrm>
-          <a:off x="0" y="0"/>
-          <a:ext cx="0" cy="0"/>
-          <a:chOff x="0" y="0"/>
-          <a:chExt cx="0" cy="0"/>
-        </a:xfrm>
-      </p:grpSpPr>
-      <p:sp>
-        <p:nvSpPr>
-          <p:cNvPr id="2" name="Заголовок 1"/>
-          <p:cNvSpPr>
-            <a:spLocks noGrp="1"/>
-          </p:cNvSpPr>
-          <p:nvPr>
-            <p:ph type="title"/>
-          </p:nvPr>
-        </p:nvSpPr>
-        <p:spPr/>
-        <p:txBody>
-          <a:bodyPr/>
-          <a:lstStyle/>
-          <a:p>
-            <a:r>
-              <a:rPr lang="ru-RU" dirty="0"/>
-              <a:t>Бизнес-логика</a:t>
-            </a:r>
-          </a:p>
-        </p:txBody>
-      </p:sp>
-      <p:sp>
-        <p:nvSpPr>
-          <p:cNvPr id="3" name="Объект 2"/>
-          <p:cNvSpPr>
-            <a:spLocks noGrp="1"/>
-          </p:cNvSpPr>
-          <p:nvPr>
-            <p:ph idx="1"/>
-          </p:nvPr>
-        </p:nvSpPr>
-        <p:spPr>
-          <a:xfrm>
-            <a:off x="838200" y="1346544"/>
-            <a:ext cx="10515600" cy="4351338"/>
-          </a:xfrm>
-        </p:spPr>
-        <p:txBody>
-          <a:bodyPr/>
-          <a:lstStyle/>
-          <a:p>
-            <a:r>
-              <a:rPr lang="ru-RU" i="1" dirty="0">
-                <a:solidFill>
-                  <a:schemeClr val="tx1">
-                    <a:lumMod val="65000"/>
-                    <a:lumOff val="35000"/>
-                  </a:schemeClr>
-                </a:solidFill>
-              </a:rPr>
-              <a:t>Топ-10 городов России по количеству </a:t>
-            </a:r>
-            <a:r>
-              <a:rPr lang="ru-RU" i="1" dirty="0" smtClean="0">
-                <a:solidFill>
-                  <a:schemeClr val="tx1">
-                    <a:lumMod val="65000"/>
-                    <a:lumOff val="35000"/>
-                  </a:schemeClr>
-                </a:solidFill>
-              </a:rPr>
-              <a:t>вакансий </a:t>
-            </a:r>
-            <a:r>
-              <a:rPr lang="en-US" i="1" dirty="0">
-                <a:solidFill>
-                  <a:schemeClr val="tx1">
-                    <a:lumMod val="65000"/>
-                    <a:lumOff val="35000"/>
-                  </a:schemeClr>
-                </a:solidFill>
-              </a:rPr>
-              <a:t>Python Backend-</a:t>
-            </a:r>
-            <a:r>
-              <a:rPr lang="ru-RU" i="1" dirty="0">
-                <a:solidFill>
-                  <a:schemeClr val="tx1">
-                    <a:lumMod val="65000"/>
-                    <a:lumOff val="35000"/>
-                  </a:schemeClr>
-                </a:solidFill>
-              </a:rPr>
-              <a:t>разработчик </a:t>
-            </a:r>
-          </a:p>
-          <a:p>
-            <a:endParaRPr lang="ru-RU" i="1" dirty="0">
-              <a:solidFill>
-                <a:schemeClr val="tx1">
-                  <a:lumMod val="65000"/>
-                  <a:lumOff val="35000"/>
-                </a:schemeClr>
-              </a:solidFill>
-            </a:endParaRPr>
-          </a:p>
-          <a:p>
-            <a:pPr marL="0" indent="0">
-              <a:buNone/>
-            </a:pPr>
-            <a:endParaRPr lang="ru-RU" dirty="0"/>
-          </a:p>
-        </p:txBody>
-      </p:sp>
-      <p:pic>
-        <p:nvPicPr>
-          <p:cNvPr id="10" name="Рисунок 9"/>
-          <p:cNvPicPr>
-            <a:picLocks noChangeAspect="1"/>
-          </p:cNvPicPr>
-          <p:nvPr/>
-        </p:nvPicPr>
-        <p:blipFill>
-          <a:blip r:embed="rId2">
-            <a:extLst>
-              <a:ext uri="{28A0092B-C50C-407E-A947-70E740481C1C}">
-                <a14:useLocalDpi xmlns:a14="http://schemas.microsoft.com/office/drawing/2010/main" val="0"/>
-              </a:ext>
-            </a:extLst>
-          </a:blip>
-          <a:stretch>
-            <a:fillRect/>
-          </a:stretch>
-        </p:blipFill>
-        <p:spPr>
-          <a:xfrm>
-            <a:off x="7667875" y="2344040"/>
-            <a:ext cx="4115708" cy="3582785"/>
-          </a:xfrm>
-          <a:prstGeom prst="rect">
-            <a:avLst/>
-          </a:prstGeom>
-        </p:spPr>
-      </p:pic>
-      <p:pic>
-        <p:nvPicPr>
-          <p:cNvPr id="12" name="Рисунок 11"/>
-          <p:cNvPicPr>
-            <a:picLocks noChangeAspect="1"/>
-          </p:cNvPicPr>
-          <p:nvPr/>
-        </p:nvPicPr>
-        <p:blipFill>
-          <a:blip r:embed="rId3">
-            <a:extLst>
-              <a:ext uri="{28A0092B-C50C-407E-A947-70E740481C1C}">
-                <a14:useLocalDpi xmlns:a14="http://schemas.microsoft.com/office/drawing/2010/main" val="0"/>
-              </a:ext>
-            </a:extLst>
-          </a:blip>
-          <a:stretch>
-            <a:fillRect/>
-          </a:stretch>
-        </p:blipFill>
-        <p:spPr>
-          <a:xfrm>
-            <a:off x="41846" y="2493819"/>
-            <a:ext cx="7626029" cy="3873946"/>
-          </a:xfrm>
-          <a:prstGeom prst="rect">
-            <a:avLst/>
-          </a:prstGeom>
-        </p:spPr>
-      </p:pic>
-    </p:spTree>
-    <p:extLst>
-      <p:ext uri="{BB962C8B-B14F-4D97-AF65-F5344CB8AC3E}">
-        <p14:creationId xmlns:p14="http://schemas.microsoft.com/office/powerpoint/2010/main" val="2759376095"/>
-      </p:ext>
-    </p:extLst>
-  </p:cSld>
-  <p:clrMapOvr>
-    <a:masterClrMapping/>
-  </p:clrMapOvr>
-  <p:timing>
-    <p:tnLst>
-      <p:par>
-        <p:cTn id="1" dur="indefinite" restart="never" nodeType="tmRoot"/>
-      </p:par>
-    </p:tnLst>
-  </p:timing>
-</p:sld>
-</file>
-
-<file path=ppt/slides/slide5.xml><?xml version="1.0" encoding="utf-8"?>
-<p:sld xmlns:a="http://schemas.openxmlformats.org/drawingml/2006/main" xmlns:r="http://schemas.openxmlformats.org/officeDocument/2006/relationships" xmlns:p="http://schemas.openxmlformats.org/presentationml/2006/main">
-  <p:cSld>
-    <p:spTree>
-      <p:nvGrpSpPr>
-        <p:cNvPr id="1" name=""/>
-        <p:cNvGrpSpPr/>
-        <p:nvPr/>
-      </p:nvGrpSpPr>
-      <p:grpSpPr>
-        <a:xfrm>
-          <a:off x="0" y="0"/>
-          <a:ext cx="0" cy="0"/>
-          <a:chOff x="0" y="0"/>
-          <a:chExt cx="0" cy="0"/>
-        </a:xfrm>
-      </p:grpSpPr>
-      <p:sp>
-        <p:nvSpPr>
-          <p:cNvPr id="2" name="Заголовок 1"/>
-          <p:cNvSpPr>
-            <a:spLocks noGrp="1"/>
-          </p:cNvSpPr>
-          <p:nvPr>
-            <p:ph type="title"/>
-          </p:nvPr>
-        </p:nvSpPr>
-        <p:spPr/>
-        <p:txBody>
-          <a:bodyPr/>
-          <a:lstStyle/>
-          <a:p>
-            <a:r>
-              <a:rPr lang="ru-RU" dirty="0"/>
-              <a:t>Бизнес-логика</a:t>
-            </a:r>
-          </a:p>
-        </p:txBody>
-      </p:sp>
-      <p:sp>
-        <p:nvSpPr>
-          <p:cNvPr id="3" name="Объект 2"/>
-          <p:cNvSpPr>
-            <a:spLocks noGrp="1"/>
-          </p:cNvSpPr>
-          <p:nvPr>
-            <p:ph idx="1"/>
-          </p:nvPr>
-        </p:nvSpPr>
-        <p:spPr>
-          <a:xfrm>
-            <a:off x="768458" y="1391672"/>
-            <a:ext cx="10515600" cy="4351338"/>
-          </a:xfrm>
-        </p:spPr>
-        <p:txBody>
-          <a:bodyPr/>
-          <a:lstStyle/>
-          <a:p>
-            <a:r>
-              <a:rPr lang="ru-RU" i="1" dirty="0" smtClean="0">
-                <a:solidFill>
-                  <a:schemeClr val="tx1">
-                    <a:lumMod val="65000"/>
-                    <a:lumOff val="35000"/>
-                  </a:schemeClr>
-                </a:solidFill>
-              </a:rPr>
-              <a:t>Топ-10 работодателей</a:t>
-            </a:r>
-            <a:endParaRPr lang="ru-RU" i="1" dirty="0">
-              <a:solidFill>
-                <a:schemeClr val="tx1">
-                  <a:lumMod val="65000"/>
-                  <a:lumOff val="35000"/>
-                </a:schemeClr>
-              </a:solidFill>
-            </a:endParaRPr>
-          </a:p>
-          <a:p>
-            <a:pPr marL="0" indent="0">
-              <a:buNone/>
-            </a:pPr>
-            <a:endParaRPr lang="ru-RU" i="1" dirty="0">
-              <a:solidFill>
-                <a:schemeClr val="tx1">
-                  <a:lumMod val="65000"/>
-                  <a:lumOff val="35000"/>
-                </a:schemeClr>
-              </a:solidFill>
-            </a:endParaRPr>
-          </a:p>
-          <a:p>
-            <a:pPr marL="0" indent="0">
-              <a:buNone/>
-            </a:pPr>
-            <a:endParaRPr lang="ru-RU" dirty="0"/>
-          </a:p>
-        </p:txBody>
-      </p:sp>
-      <p:pic>
-        <p:nvPicPr>
-          <p:cNvPr id="5" name="Рисунок 4"/>
-          <p:cNvPicPr>
-            <a:picLocks noChangeAspect="1"/>
-          </p:cNvPicPr>
-          <p:nvPr/>
-        </p:nvPicPr>
-        <p:blipFill>
-          <a:blip r:embed="rId2">
-            <a:extLst>
-              <a:ext uri="{28A0092B-C50C-407E-A947-70E740481C1C}">
-                <a14:useLocalDpi xmlns:a14="http://schemas.microsoft.com/office/drawing/2010/main" val="0"/>
-              </a:ext>
-            </a:extLst>
-          </a:blip>
-          <a:stretch>
-            <a:fillRect/>
-          </a:stretch>
-        </p:blipFill>
-        <p:spPr>
-          <a:xfrm>
-            <a:off x="1524916" y="1967369"/>
-            <a:ext cx="9002684" cy="4604252"/>
-          </a:xfrm>
-          <a:prstGeom prst="rect">
-            <a:avLst/>
-          </a:prstGeom>
-        </p:spPr>
-      </p:pic>
-    </p:spTree>
-    <p:extLst>
-      <p:ext uri="{BB962C8B-B14F-4D97-AF65-F5344CB8AC3E}">
-        <p14:creationId xmlns:p14="http://schemas.microsoft.com/office/powerpoint/2010/main" val="3403298184"/>
-      </p:ext>
-    </p:extLst>
-  </p:cSld>
-  <p:clrMapOvr>
-    <a:masterClrMapping/>
-  </p:clrMapOvr>
-  <p:timing>
-    <p:tnLst>
-      <p:par>
-        <p:cTn id="1" dur="indefinite" restart="never" nodeType="tmRoot"/>
-      </p:par>
-    </p:tnLst>
-  </p:timing>
-</p:sld>
-</file>
-
-<file path=ppt/slides/slide6.xml><?xml version="1.0" encoding="utf-8"?>
-<p:sld xmlns:a="http://schemas.openxmlformats.org/drawingml/2006/main" xmlns:r="http://schemas.openxmlformats.org/officeDocument/2006/relationships" xmlns:p="http://schemas.openxmlformats.org/presentationml/2006/main">
-  <p:cSld>
-    <p:spTree>
-      <p:nvGrpSpPr>
-        <p:cNvPr id="1" name=""/>
-        <p:cNvGrpSpPr/>
-        <p:nvPr/>
-      </p:nvGrpSpPr>
-      <p:grpSpPr>
-        <a:xfrm>
-          <a:off x="0" y="0"/>
-          <a:ext cx="0" cy="0"/>
-          <a:chOff x="0" y="0"/>
-          <a:chExt cx="0" cy="0"/>
-        </a:xfrm>
-      </p:grpSpPr>
-      <p:sp>
-        <p:nvSpPr>
-          <p:cNvPr id="2" name="Заголовок 1"/>
-          <p:cNvSpPr>
-            <a:spLocks noGrp="1"/>
-          </p:cNvSpPr>
-          <p:nvPr>
-            <p:ph type="title"/>
-          </p:nvPr>
-        </p:nvSpPr>
-        <p:spPr/>
-        <p:txBody>
-          <a:bodyPr/>
-          <a:lstStyle/>
-          <a:p>
-            <a:r>
-              <a:rPr lang="ru-RU" dirty="0"/>
-              <a:t>Бизнес-логика</a:t>
-            </a:r>
-          </a:p>
-        </p:txBody>
-      </p:sp>
-      <p:sp>
-        <p:nvSpPr>
-          <p:cNvPr id="3" name="Объект 2"/>
-          <p:cNvSpPr>
-            <a:spLocks noGrp="1"/>
-          </p:cNvSpPr>
-          <p:nvPr>
-            <p:ph idx="1"/>
-          </p:nvPr>
-        </p:nvSpPr>
-        <p:spPr>
-          <a:xfrm>
-            <a:off x="830451" y="1383923"/>
-            <a:ext cx="10515600" cy="4351338"/>
-          </a:xfrm>
-        </p:spPr>
-        <p:txBody>
-          <a:bodyPr/>
-          <a:lstStyle/>
-          <a:p>
-            <a:r>
-              <a:rPr lang="ru-RU" i="1" dirty="0" smtClean="0">
-                <a:solidFill>
-                  <a:schemeClr val="tx1">
-                    <a:lumMod val="65000"/>
-                    <a:lumOff val="35000"/>
-                  </a:schemeClr>
-                </a:solidFill>
-              </a:rPr>
-              <a:t>Анализ количества вакансий и средних зарплат по формату работы</a:t>
-            </a:r>
-            <a:endParaRPr lang="ru-RU" i="1" dirty="0">
-              <a:solidFill>
-                <a:schemeClr val="tx1">
-                  <a:lumMod val="65000"/>
-                  <a:lumOff val="35000"/>
-                </a:schemeClr>
-              </a:solidFill>
-            </a:endParaRPr>
-          </a:p>
-          <a:p>
-            <a:endParaRPr lang="ru-RU" i="1" dirty="0">
-              <a:solidFill>
-                <a:schemeClr val="tx1">
-                  <a:lumMod val="65000"/>
-                  <a:lumOff val="35000"/>
-                </a:schemeClr>
-              </a:solidFill>
-            </a:endParaRPr>
-          </a:p>
-          <a:p>
-            <a:pPr marL="0" indent="0">
-              <a:buNone/>
-            </a:pPr>
-            <a:endParaRPr lang="ru-RU" dirty="0"/>
-          </a:p>
-        </p:txBody>
-      </p:sp>
-      <p:pic>
-        <p:nvPicPr>
-          <p:cNvPr id="7" name="Рисунок 6"/>
-          <p:cNvPicPr>
-            <a:picLocks noChangeAspect="1"/>
-          </p:cNvPicPr>
-          <p:nvPr/>
-        </p:nvPicPr>
-        <p:blipFill>
-          <a:blip r:embed="rId2">
-            <a:extLst>
-              <a:ext uri="{28A0092B-C50C-407E-A947-70E740481C1C}">
-                <a14:useLocalDpi xmlns:a14="http://schemas.microsoft.com/office/drawing/2010/main" val="0"/>
-              </a:ext>
-            </a:extLst>
-          </a:blip>
-          <a:stretch>
-            <a:fillRect/>
-          </a:stretch>
-        </p:blipFill>
-        <p:spPr>
-          <a:xfrm>
-            <a:off x="103087" y="2585258"/>
-            <a:ext cx="5918662" cy="3419859"/>
-          </a:xfrm>
-          <a:prstGeom prst="rect">
-            <a:avLst/>
-          </a:prstGeom>
-        </p:spPr>
-      </p:pic>
-      <p:pic>
-        <p:nvPicPr>
-          <p:cNvPr id="8" name="Рисунок 7"/>
-          <p:cNvPicPr>
-            <a:picLocks noChangeAspect="1"/>
-          </p:cNvPicPr>
-          <p:nvPr/>
-        </p:nvPicPr>
-        <p:blipFill>
-          <a:blip r:embed="rId3">
-            <a:extLst>
-              <a:ext uri="{28A0092B-C50C-407E-A947-70E740481C1C}">
-                <a14:useLocalDpi xmlns:a14="http://schemas.microsoft.com/office/drawing/2010/main" val="0"/>
-              </a:ext>
-            </a:extLst>
-          </a:blip>
-          <a:stretch>
-            <a:fillRect/>
-          </a:stretch>
-        </p:blipFill>
-        <p:spPr>
-          <a:xfrm>
-            <a:off x="6209607" y="2585258"/>
-            <a:ext cx="5863808" cy="3416326"/>
-          </a:xfrm>
-          <a:prstGeom prst="rect">
-            <a:avLst/>
-          </a:prstGeom>
-        </p:spPr>
-      </p:pic>
-    </p:spTree>
-    <p:extLst>
-      <p:ext uri="{BB962C8B-B14F-4D97-AF65-F5344CB8AC3E}">
-        <p14:creationId xmlns:p14="http://schemas.microsoft.com/office/powerpoint/2010/main" val="1142612502"/>
-      </p:ext>
-    </p:extLst>
-  </p:cSld>
-  <p:clrMapOvr>
-    <a:masterClrMapping/>
-  </p:clrMapOvr>
-  <p:timing>
-    <p:tnLst>
-      <p:par>
-        <p:cTn id="1" dur="indefinite" restart="never" nodeType="tmRoot"/>
-      </p:par>
-    </p:tnLst>
-  </p:timing>
-</p:sld>
-</file>
-
-<file path=ppt/slides/slide7.xml><?xml version="1.0" encoding="utf-8"?>
-<p:sld xmlns:a="http://schemas.openxmlformats.org/drawingml/2006/main" xmlns:r="http://schemas.openxmlformats.org/officeDocument/2006/relationships" xmlns:p="http://schemas.openxmlformats.org/presentationml/2006/main">
-  <p:cSld>
-    <p:spTree>
-      <p:nvGrpSpPr>
-        <p:cNvPr id="1" name=""/>
-        <p:cNvGrpSpPr/>
-        <p:nvPr/>
-      </p:nvGrpSpPr>
-      <p:grpSpPr>
-        <a:xfrm>
-          <a:off x="0" y="0"/>
-          <a:ext cx="0" cy="0"/>
-          <a:chOff x="0" y="0"/>
-          <a:chExt cx="0" cy="0"/>
-        </a:xfrm>
-      </p:grpSpPr>
-      <p:sp>
-        <p:nvSpPr>
-          <p:cNvPr id="2" name="Заголовок 1"/>
-          <p:cNvSpPr>
-            <a:spLocks noGrp="1"/>
-          </p:cNvSpPr>
-          <p:nvPr>
-            <p:ph type="title"/>
-          </p:nvPr>
-        </p:nvSpPr>
-        <p:spPr/>
-        <p:txBody>
-          <a:bodyPr/>
-          <a:lstStyle/>
-          <a:p>
-            <a:r>
-              <a:rPr lang="ru-RU" dirty="0"/>
-              <a:t>Бизнес-логика</a:t>
-            </a:r>
-          </a:p>
-        </p:txBody>
-      </p:sp>
-      <p:sp>
-        <p:nvSpPr>
-          <p:cNvPr id="3" name="Объект 2"/>
-          <p:cNvSpPr>
-            <a:spLocks noGrp="1"/>
-          </p:cNvSpPr>
-          <p:nvPr>
-            <p:ph idx="1"/>
-          </p:nvPr>
-        </p:nvSpPr>
-        <p:spPr>
-          <a:xfrm>
-            <a:off x="830451" y="1383923"/>
-            <a:ext cx="3625171" cy="4351338"/>
-          </a:xfrm>
-        </p:spPr>
-        <p:txBody>
-          <a:bodyPr/>
-          <a:lstStyle/>
-          <a:p>
-            <a:r>
-              <a:rPr lang="ru-RU" i="1" dirty="0" smtClean="0">
-                <a:solidFill>
-                  <a:schemeClr val="tx1">
-                    <a:lumMod val="65000"/>
-                    <a:lumOff val="35000"/>
-                  </a:schemeClr>
-                </a:solidFill>
-              </a:rPr>
-              <a:t>Анализ зарплат по городам</a:t>
-            </a:r>
-            <a:endParaRPr lang="ru-RU" i="1" dirty="0">
-              <a:solidFill>
-                <a:schemeClr val="tx1">
-                  <a:lumMod val="65000"/>
-                  <a:lumOff val="35000"/>
-                </a:schemeClr>
-              </a:solidFill>
-            </a:endParaRPr>
-          </a:p>
-          <a:p>
-            <a:endParaRPr lang="ru-RU" i="1" dirty="0">
-              <a:solidFill>
-                <a:schemeClr val="tx1">
-                  <a:lumMod val="65000"/>
-                  <a:lumOff val="35000"/>
-                </a:schemeClr>
-              </a:solidFill>
-            </a:endParaRPr>
-          </a:p>
-          <a:p>
-            <a:pPr marL="0" indent="0">
-              <a:buNone/>
-            </a:pPr>
-            <a:endParaRPr lang="ru-RU" dirty="0"/>
-          </a:p>
-        </p:txBody>
-      </p:sp>
-      <p:pic>
-        <p:nvPicPr>
-          <p:cNvPr id="6" name="Рисунок 5"/>
-          <p:cNvPicPr>
-            <a:picLocks noChangeAspect="1"/>
-          </p:cNvPicPr>
-          <p:nvPr/>
-        </p:nvPicPr>
-        <p:blipFill>
-          <a:blip r:embed="rId2">
-            <a:extLst>
-              <a:ext uri="{28A0092B-C50C-407E-A947-70E740481C1C}">
-                <a14:useLocalDpi xmlns:a14="http://schemas.microsoft.com/office/drawing/2010/main" val="0"/>
-              </a:ext>
-            </a:extLst>
-          </a:blip>
-          <a:stretch>
-            <a:fillRect/>
-          </a:stretch>
-        </p:blipFill>
-        <p:spPr>
-          <a:xfrm>
-            <a:off x="4455622" y="997528"/>
-            <a:ext cx="6974972" cy="5793971"/>
-          </a:xfrm>
-          <a:prstGeom prst="rect">
-            <a:avLst/>
-          </a:prstGeom>
-        </p:spPr>
-      </p:pic>
-      <p:pic>
-        <p:nvPicPr>
-          <p:cNvPr id="7" name="Рисунок 6"/>
-          <p:cNvPicPr>
-            <a:picLocks noChangeAspect="1"/>
-          </p:cNvPicPr>
-          <p:nvPr/>
-        </p:nvPicPr>
-        <p:blipFill>
-          <a:blip r:embed="rId3" cstate="print">
-            <a:extLst>
-              <a:ext uri="{28A0092B-C50C-407E-A947-70E740481C1C}">
-                <a14:useLocalDpi xmlns:a14="http://schemas.microsoft.com/office/drawing/2010/main" val="0"/>
-              </a:ext>
-            </a:extLst>
-          </a:blip>
-          <a:stretch>
-            <a:fillRect/>
-          </a:stretch>
-        </p:blipFill>
-        <p:spPr>
-          <a:xfrm>
-            <a:off x="244335" y="2560319"/>
-            <a:ext cx="4055044" cy="2720109"/>
-          </a:xfrm>
-          <a:prstGeom prst="rect">
-            <a:avLst/>
-          </a:prstGeom>
-        </p:spPr>
-      </p:pic>
-    </p:spTree>
-    <p:extLst>
-      <p:ext uri="{BB962C8B-B14F-4D97-AF65-F5344CB8AC3E}">
-        <p14:creationId xmlns:p14="http://schemas.microsoft.com/office/powerpoint/2010/main" val="3095051438"/>
-      </p:ext>
-    </p:extLst>
-  </p:cSld>
-  <p:clrMapOvr>
-    <a:masterClrMapping/>
-  </p:clrMapOvr>
-  <p:timing>
-    <p:tnLst>
-      <p:par>
-        <p:cTn id="1" dur="indefinite" restart="never" nodeType="tmRoot"/>
-      </p:par>
-    </p:tnLst>
-  </p:timing>
-</p:sld>
-</file>
-
-<file path=ppt/slides/slide8.xml><?xml version="1.0" encoding="utf-8"?>
-<p:sld xmlns:a="http://schemas.openxmlformats.org/drawingml/2006/main" xmlns:r="http://schemas.openxmlformats.org/officeDocument/2006/relationships" xmlns:p="http://schemas.openxmlformats.org/presentationml/2006/main">
-  <p:cSld>
-    <p:spTree>
-      <p:nvGrpSpPr>
-        <p:cNvPr id="1" name=""/>
-        <p:cNvGrpSpPr/>
-        <p:nvPr/>
-      </p:nvGrpSpPr>
-      <p:grpSpPr>
-        <a:xfrm>
-          <a:off x="0" y="0"/>
-          <a:ext cx="0" cy="0"/>
-          <a:chOff x="0" y="0"/>
-          <a:chExt cx="0" cy="0"/>
-        </a:xfrm>
-      </p:grpSpPr>
-      <p:sp>
-        <p:nvSpPr>
-          <p:cNvPr id="2" name="Заголовок 1"/>
-          <p:cNvSpPr>
-            <a:spLocks noGrp="1"/>
-          </p:cNvSpPr>
-          <p:nvPr>
-            <p:ph type="title"/>
-          </p:nvPr>
-        </p:nvSpPr>
-        <p:spPr/>
-        <p:txBody>
-          <a:bodyPr/>
-          <a:lstStyle/>
-          <a:p>
-            <a:r>
-              <a:rPr lang="ru-RU" dirty="0"/>
-              <a:t>Бизнес-логика</a:t>
-            </a:r>
-          </a:p>
-        </p:txBody>
-      </p:sp>
-      <p:sp>
-        <p:nvSpPr>
-          <p:cNvPr id="3" name="Объект 2"/>
-          <p:cNvSpPr>
-            <a:spLocks noGrp="1"/>
-          </p:cNvSpPr>
-          <p:nvPr>
-            <p:ph idx="1"/>
-          </p:nvPr>
-        </p:nvSpPr>
-        <p:spPr>
-          <a:xfrm>
-            <a:off x="830451" y="1383923"/>
-            <a:ext cx="10515600" cy="536317"/>
-          </a:xfrm>
-        </p:spPr>
-        <p:txBody>
-          <a:bodyPr/>
-          <a:lstStyle/>
-          <a:p>
-            <a:r>
-              <a:rPr lang="ru-RU" i="1" dirty="0" smtClean="0">
-                <a:solidFill>
-                  <a:schemeClr val="tx1">
-                    <a:lumMod val="65000"/>
-                    <a:lumOff val="35000"/>
-                  </a:schemeClr>
-                </a:solidFill>
-              </a:rPr>
-              <a:t>Ключевые навыки </a:t>
-            </a:r>
-            <a:r>
-              <a:rPr lang="en-US" i="1" dirty="0">
-                <a:solidFill>
-                  <a:schemeClr val="tx1">
-                    <a:lumMod val="65000"/>
-                    <a:lumOff val="35000"/>
-                  </a:schemeClr>
-                </a:solidFill>
-              </a:rPr>
-              <a:t>Python Backend-</a:t>
-            </a:r>
-            <a:r>
-              <a:rPr lang="ru-RU" i="1" dirty="0" smtClean="0">
-                <a:solidFill>
-                  <a:schemeClr val="tx1">
-                    <a:lumMod val="65000"/>
-                    <a:lumOff val="35000"/>
-                  </a:schemeClr>
-                </a:solidFill>
-              </a:rPr>
-              <a:t>разработчика</a:t>
-            </a:r>
-            <a:endParaRPr lang="ru-RU" i="1" dirty="0">
-              <a:solidFill>
-                <a:schemeClr val="tx1">
-                  <a:lumMod val="65000"/>
-                  <a:lumOff val="35000"/>
-                </a:schemeClr>
-              </a:solidFill>
-            </a:endParaRPr>
-          </a:p>
-          <a:p>
-            <a:pPr marL="0" indent="0">
-              <a:buNone/>
-            </a:pPr>
-            <a:endParaRPr lang="ru-RU" dirty="0"/>
-          </a:p>
-        </p:txBody>
-      </p:sp>
-      <p:pic>
-        <p:nvPicPr>
-          <p:cNvPr id="4" name="Рисунок 3"/>
-          <p:cNvPicPr>
-            <a:picLocks noChangeAspect="1"/>
-          </p:cNvPicPr>
-          <p:nvPr/>
-        </p:nvPicPr>
-        <p:blipFill>
-          <a:blip r:embed="rId2">
-            <a:extLst>
-              <a:ext uri="{28A0092B-C50C-407E-A947-70E740481C1C}">
-                <a14:useLocalDpi xmlns:a14="http://schemas.microsoft.com/office/drawing/2010/main" val="0"/>
-              </a:ext>
-            </a:extLst>
-          </a:blip>
-          <a:stretch>
-            <a:fillRect/>
-          </a:stretch>
-        </p:blipFill>
-        <p:spPr>
-          <a:xfrm>
-            <a:off x="5930237" y="2269374"/>
-            <a:ext cx="5688077" cy="3815542"/>
-          </a:xfrm>
-          <a:prstGeom prst="rect">
-            <a:avLst/>
-          </a:prstGeom>
-        </p:spPr>
-      </p:pic>
-      <p:pic>
-        <p:nvPicPr>
-          <p:cNvPr id="6" name="Рисунок 5"/>
-          <p:cNvPicPr>
-            <a:picLocks noChangeAspect="1"/>
-          </p:cNvPicPr>
-          <p:nvPr/>
-        </p:nvPicPr>
-        <p:blipFill>
-          <a:blip r:embed="rId3" cstate="print">
-            <a:extLst>
-              <a:ext uri="{28A0092B-C50C-407E-A947-70E740481C1C}">
-                <a14:useLocalDpi xmlns:a14="http://schemas.microsoft.com/office/drawing/2010/main" val="0"/>
-              </a:ext>
-            </a:extLst>
-          </a:blip>
-          <a:stretch>
-            <a:fillRect/>
-          </a:stretch>
-        </p:blipFill>
-        <p:spPr>
-          <a:xfrm>
-            <a:off x="764918" y="2186563"/>
-            <a:ext cx="4722924" cy="4297680"/>
-          </a:xfrm>
-          <a:prstGeom prst="rect">
-            <a:avLst/>
-          </a:prstGeom>
-        </p:spPr>
-      </p:pic>
-    </p:spTree>
-    <p:extLst>
-      <p:ext uri="{BB962C8B-B14F-4D97-AF65-F5344CB8AC3E}">
-        <p14:creationId xmlns:p14="http://schemas.microsoft.com/office/powerpoint/2010/main" val="2467624200"/>
-      </p:ext>
-    </p:extLst>
-  </p:cSld>
-  <p:clrMapOvr>
-    <a:masterClrMapping/>
-  </p:clrMapOvr>
-  <p:timing>
-    <p:tnLst>
-      <p:par>
-        <p:cTn id="1" dur="indefinite" restart="never" nodeType="tmRoot"/>
-      </p:par>
-    </p:tnLst>
-  </p:timing>
-</p:sld>
-</file>
-
-<file path=ppt/slides/slide9.xml><?xml version="1.0" encoding="utf-8"?>
-<p:sld xmlns:a="http://schemas.openxmlformats.org/drawingml/2006/main" xmlns:r="http://schemas.openxmlformats.org/officeDocument/2006/relationships" xmlns:p="http://schemas.openxmlformats.org/presentationml/2006/main">
-  <p:cSld>
-    <p:spTree>
-      <p:nvGrpSpPr>
-        <p:cNvPr id="1" name=""/>
-        <p:cNvGrpSpPr/>
-        <p:nvPr/>
-      </p:nvGrpSpPr>
-      <p:grpSpPr>
-        <a:xfrm>
-          <a:off x="0" y="0"/>
-          <a:ext cx="0" cy="0"/>
-          <a:chOff x="0" y="0"/>
-          <a:chExt cx="0" cy="0"/>
-        </a:xfrm>
-      </p:grpSpPr>
-      <p:sp>
-        <p:nvSpPr>
-          <p:cNvPr id="2" name="Заголовок 1"/>
-          <p:cNvSpPr>
-            <a:spLocks noGrp="1"/>
-          </p:cNvSpPr>
-          <p:nvPr>
-            <p:ph type="title"/>
-          </p:nvPr>
-        </p:nvSpPr>
-        <p:spPr/>
-        <p:txBody>
-          <a:bodyPr/>
-          <a:lstStyle/>
-          <a:p>
-            <a:r>
-              <a:rPr lang="ru-RU" dirty="0"/>
-              <a:t>Бизнес-логика</a:t>
-            </a:r>
-          </a:p>
-        </p:txBody>
-      </p:sp>
       <p:graphicFrame>
         <p:nvGraphicFramePr>
           <p:cNvPr id="7" name="Объект 6"/>
@@ -5137,7 +3148,7 @@
             <p:ph idx="1"/>
             <p:extLst>
               <p:ext uri="{D42A27DB-BD31-4B8C-83A1-F6EECF244321}">
-                <p14:modId xmlns:p14="http://schemas.microsoft.com/office/powerpoint/2010/main" val="3136278794"/>
+                <p14:modId xmlns:p14="http://schemas.microsoft.com/office/powerpoint/2010/main" val="3419259585"/>
               </p:ext>
             </p:extLst>
           </p:nvPr>
@@ -5176,12 +3187,12 @@
                     <a:p>
                       <a:pPr algn="ctr" fontAlgn="t"/>
                       <a:r>
-                        <a:rPr lang="ru-RU" sz="1100" b="1" u="none" strike="noStrike" dirty="0">
+                        <a:rPr lang="ru-RU" sz="1400" b="1" u="none" strike="noStrike" dirty="0">
                           <a:effectLst/>
                         </a:rPr>
                         <a:t>Стаж работы</a:t>
                       </a:r>
-                      <a:endParaRPr lang="ru-RU" sz="1100" b="1" i="0" u="none" strike="noStrike" dirty="0">
+                      <a:endParaRPr lang="ru-RU" sz="1400" b="1" i="0" u="none" strike="noStrike" dirty="0">
                         <a:solidFill>
                           <a:srgbClr val="000000"/>
                         </a:solidFill>
@@ -5199,12 +3210,12 @@
                     <a:p>
                       <a:pPr algn="ctr" fontAlgn="t"/>
                       <a:r>
-                        <a:rPr lang="ru-RU" sz="1100" b="1" u="none" strike="noStrike" dirty="0">
+                        <a:rPr lang="ru-RU" sz="1400" b="1" u="none" strike="noStrike" dirty="0">
                           <a:effectLst/>
                         </a:rPr>
                         <a:t>Средняя Зарплата</a:t>
                       </a:r>
-                      <a:endParaRPr lang="ru-RU" sz="1100" b="1" i="0" u="none" strike="noStrike" dirty="0">
+                      <a:endParaRPr lang="ru-RU" sz="1400" b="1" i="0" u="none" strike="noStrike" dirty="0">
                         <a:solidFill>
                           <a:srgbClr val="000000"/>
                         </a:solidFill>
@@ -5467,10 +3478,3574 @@
           </a:prstGeom>
         </p:spPr>
       </p:pic>
+      <p:sp>
+        <p:nvSpPr>
+          <p:cNvPr id="5" name="Заголовок 1"/>
+          <p:cNvSpPr txBox="1">
+            <a:spLocks/>
+          </p:cNvSpPr>
+          <p:nvPr/>
+        </p:nvSpPr>
+        <p:spPr>
+          <a:xfrm>
+            <a:off x="838200" y="365125"/>
+            <a:ext cx="10515600" cy="752475"/>
+          </a:xfrm>
+          <a:prstGeom prst="rect">
+            <a:avLst/>
+          </a:prstGeom>
+        </p:spPr>
+        <p:txBody>
+          <a:bodyPr vert="horz" lIns="91440" tIns="45720" rIns="91440" bIns="45720" rtlCol="0" anchor="ctr">
+            <a:normAutofit fontScale="85000" lnSpcReduction="10000"/>
+          </a:bodyPr>
+          <a:lstStyle>
+            <a:lvl1pPr algn="l" defTabSz="914400" rtl="0" eaLnBrk="1" latinLnBrk="0" hangingPunct="1">
+              <a:lnSpc>
+                <a:spcPct val="90000"/>
+              </a:lnSpc>
+              <a:spcBef>
+                <a:spcPct val="0"/>
+              </a:spcBef>
+              <a:buNone/>
+              <a:defRPr sz="4400" kern="1200">
+                <a:solidFill>
+                  <a:srgbClr val="2BA630"/>
+                </a:solidFill>
+                <a:latin typeface="+mj-lt"/>
+                <a:ea typeface="+mj-ea"/>
+                <a:cs typeface="+mj-cs"/>
+              </a:defRPr>
+            </a:lvl1pPr>
+          </a:lstStyle>
+          <a:p>
+            <a:r>
+              <a:rPr lang="ru-RU" dirty="0"/>
+              <a:t>Изменение размера зарплаты от стажа работы</a:t>
+            </a:r>
+          </a:p>
+        </p:txBody>
+      </p:sp>
     </p:spTree>
     <p:extLst>
       <p:ext uri="{BB962C8B-B14F-4D97-AF65-F5344CB8AC3E}">
         <p14:creationId xmlns:p14="http://schemas.microsoft.com/office/powerpoint/2010/main" val="1952511731"/>
+      </p:ext>
+    </p:extLst>
+  </p:cSld>
+  <p:clrMapOvr>
+    <a:masterClrMapping/>
+  </p:clrMapOvr>
+  <p:timing>
+    <p:tnLst>
+      <p:par>
+        <p:cTn id="1" dur="indefinite" restart="never" nodeType="tmRoot"/>
+      </p:par>
+    </p:tnLst>
+  </p:timing>
+</p:sld>
+</file>
+
+<file path=ppt/slides/slide11.xml><?xml version="1.0" encoding="utf-8"?>
+<p:sld xmlns:a="http://schemas.openxmlformats.org/drawingml/2006/main" xmlns:r="http://schemas.openxmlformats.org/officeDocument/2006/relationships" xmlns:p="http://schemas.openxmlformats.org/presentationml/2006/main">
+  <p:cSld>
+    <p:spTree>
+      <p:nvGrpSpPr>
+        <p:cNvPr id="1" name=""/>
+        <p:cNvGrpSpPr/>
+        <p:nvPr/>
+      </p:nvGrpSpPr>
+      <p:grpSpPr>
+        <a:xfrm>
+          <a:off x="0" y="0"/>
+          <a:ext cx="0" cy="0"/>
+          <a:chOff x="0" y="0"/>
+          <a:chExt cx="0" cy="0"/>
+        </a:xfrm>
+      </p:grpSpPr>
+      <p:sp>
+        <p:nvSpPr>
+          <p:cNvPr id="2" name="Заголовок 1"/>
+          <p:cNvSpPr>
+            <a:spLocks noGrp="1"/>
+          </p:cNvSpPr>
+          <p:nvPr>
+            <p:ph type="title"/>
+          </p:nvPr>
+        </p:nvSpPr>
+        <p:spPr>
+          <a:xfrm>
+            <a:off x="770467" y="221192"/>
+            <a:ext cx="10515600" cy="752475"/>
+          </a:xfrm>
+        </p:spPr>
+        <p:txBody>
+          <a:bodyPr>
+            <a:normAutofit fontScale="90000"/>
+          </a:bodyPr>
+          <a:lstStyle/>
+          <a:p>
+            <a:r>
+              <a:rPr lang="ru-RU" dirty="0" smtClean="0"/>
+              <a:t>Уровень зарплаты в зависимости от роли в команде</a:t>
+            </a:r>
+            <a:endParaRPr lang="ru-RU" dirty="0"/>
+          </a:p>
+        </p:txBody>
+      </p:sp>
+      <p:pic>
+        <p:nvPicPr>
+          <p:cNvPr id="4" name="Рисунок 3"/>
+          <p:cNvPicPr>
+            <a:picLocks noChangeAspect="1"/>
+          </p:cNvPicPr>
+          <p:nvPr/>
+        </p:nvPicPr>
+        <p:blipFill>
+          <a:blip r:embed="rId2">
+            <a:extLst>
+              <a:ext uri="{28A0092B-C50C-407E-A947-70E740481C1C}">
+                <a14:useLocalDpi xmlns:a14="http://schemas.microsoft.com/office/drawing/2010/main" val="0"/>
+              </a:ext>
+            </a:extLst>
+          </a:blip>
+          <a:stretch>
+            <a:fillRect/>
+          </a:stretch>
+        </p:blipFill>
+        <p:spPr>
+          <a:xfrm>
+            <a:off x="3199457" y="1599275"/>
+            <a:ext cx="8587599" cy="5012267"/>
+          </a:xfrm>
+          <a:prstGeom prst="rect">
+            <a:avLst/>
+          </a:prstGeom>
+        </p:spPr>
+      </p:pic>
+      <p:graphicFrame>
+        <p:nvGraphicFramePr>
+          <p:cNvPr id="5" name="Таблица 4"/>
+          <p:cNvGraphicFramePr>
+            <a:graphicFrameLocks noGrp="1"/>
+          </p:cNvGraphicFramePr>
+          <p:nvPr>
+            <p:extLst>
+              <p:ext uri="{D42A27DB-BD31-4B8C-83A1-F6EECF244321}">
+                <p14:modId xmlns:p14="http://schemas.microsoft.com/office/powerpoint/2010/main" val="3694217957"/>
+              </p:ext>
+            </p:extLst>
+          </p:nvPr>
+        </p:nvGraphicFramePr>
+        <p:xfrm>
+          <a:off x="283209" y="2901115"/>
+          <a:ext cx="2750936" cy="1638300"/>
+        </p:xfrm>
+        <a:graphic>
+          <a:graphicData uri="http://schemas.openxmlformats.org/drawingml/2006/table">
+            <a:tbl>
+              <a:tblPr>
+                <a:tableStyleId>{7DF18680-E054-41AD-8BC1-D1AEF772440D}</a:tableStyleId>
+              </a:tblPr>
+              <a:tblGrid>
+                <a:gridCol w="1211421">
+                  <a:extLst>
+                    <a:ext uri="{9D8B030D-6E8A-4147-A177-3AD203B41FA5}">
+                      <a16:colId xmlns:a16="http://schemas.microsoft.com/office/drawing/2014/main" val="3248420745"/>
+                    </a:ext>
+                  </a:extLst>
+                </a:gridCol>
+                <a:gridCol w="1539515">
+                  <a:extLst>
+                    <a:ext uri="{9D8B030D-6E8A-4147-A177-3AD203B41FA5}">
+                      <a16:colId xmlns:a16="http://schemas.microsoft.com/office/drawing/2014/main" val="2482507967"/>
+                    </a:ext>
+                  </a:extLst>
+                </a:gridCol>
+              </a:tblGrid>
+              <a:tr h="190500">
+                <a:tc>
+                  <a:txBody>
+                    <a:bodyPr/>
+                    <a:lstStyle/>
+                    <a:p>
+                      <a:pPr algn="ctr" fontAlgn="t"/>
+                      <a:r>
+                        <a:rPr lang="ru-RU" sz="1400" b="1" i="0" u="none" strike="noStrike" dirty="0">
+                          <a:effectLst/>
+                        </a:rPr>
+                        <a:t>Роль</a:t>
+                      </a:r>
+                      <a:endParaRPr lang="ru-RU" sz="1400" b="1" i="0" u="none" strike="noStrike" dirty="0">
+                        <a:solidFill>
+                          <a:srgbClr val="000000"/>
+                        </a:solidFill>
+                        <a:effectLst/>
+                        <a:latin typeface="Calibri" panose="020F0502020204030204" pitchFamily="34" charset="0"/>
+                      </a:endParaRPr>
+                    </a:p>
+                  </a:txBody>
+                  <a:tcPr marL="9525" marR="9525" marT="9525" marB="0"/>
+                </a:tc>
+                <a:tc>
+                  <a:txBody>
+                    <a:bodyPr/>
+                    <a:lstStyle/>
+                    <a:p>
+                      <a:pPr algn="ctr" fontAlgn="t"/>
+                      <a:r>
+                        <a:rPr lang="ru-RU" sz="1400" b="1" i="0" u="none" strike="noStrike" dirty="0">
+                          <a:effectLst/>
+                        </a:rPr>
+                        <a:t>Средняя </a:t>
+                      </a:r>
+                      <a:r>
+                        <a:rPr lang="ru-RU" sz="1400" b="1" i="0" u="none" strike="noStrike" dirty="0" err="1">
+                          <a:effectLst/>
+                        </a:rPr>
+                        <a:t>зп</a:t>
+                      </a:r>
+                      <a:endParaRPr lang="ru-RU" sz="1400" b="1" i="0" u="none" strike="noStrike" dirty="0">
+                        <a:solidFill>
+                          <a:srgbClr val="000000"/>
+                        </a:solidFill>
+                        <a:effectLst/>
+                        <a:latin typeface="Calibri" panose="020F0502020204030204" pitchFamily="34" charset="0"/>
+                      </a:endParaRPr>
+                    </a:p>
+                  </a:txBody>
+                  <a:tcPr marL="9525" marR="9525" marT="9525" marB="0"/>
+                </a:tc>
+                <a:extLst>
+                  <a:ext uri="{0D108BD9-81ED-4DB2-BD59-A6C34878D82A}">
+                    <a16:rowId xmlns:a16="http://schemas.microsoft.com/office/drawing/2014/main" val="2789796399"/>
+                  </a:ext>
+                </a:extLst>
+              </a:tr>
+              <a:tr h="190500">
+                <a:tc>
+                  <a:txBody>
+                    <a:bodyPr/>
+                    <a:lstStyle/>
+                    <a:p>
+                      <a:pPr algn="ctr" fontAlgn="t"/>
+                      <a:r>
+                        <a:rPr lang="en-US" sz="1100" b="1" u="none" strike="noStrike">
+                          <a:effectLst/>
+                        </a:rPr>
+                        <a:t>DevOps-</a:t>
+                      </a:r>
+                      <a:r>
+                        <a:rPr lang="ru-RU" sz="1100" b="1" u="none" strike="noStrike">
+                          <a:effectLst/>
+                        </a:rPr>
+                        <a:t>инженер</a:t>
+                      </a:r>
+                      <a:endParaRPr lang="ru-RU" sz="1100" b="1" i="0" u="none" strike="noStrike">
+                        <a:solidFill>
+                          <a:srgbClr val="000000"/>
+                        </a:solidFill>
+                        <a:effectLst/>
+                        <a:latin typeface="Calibri" panose="020F0502020204030204" pitchFamily="34" charset="0"/>
+                      </a:endParaRPr>
+                    </a:p>
+                  </a:txBody>
+                  <a:tcPr marL="9525" marR="9525" marT="9525" marB="0"/>
+                </a:tc>
+                <a:tc>
+                  <a:txBody>
+                    <a:bodyPr/>
+                    <a:lstStyle/>
+                    <a:p>
+                      <a:pPr algn="r" fontAlgn="b"/>
+                      <a:r>
+                        <a:rPr lang="ru-RU" sz="1100" b="1" u="none" strike="noStrike" dirty="0">
+                          <a:effectLst/>
+                        </a:rPr>
+                        <a:t>273 500 ₽</a:t>
+                      </a:r>
+                      <a:endParaRPr lang="ru-RU" sz="1100" b="1" i="0" u="none" strike="noStrike" dirty="0">
+                        <a:solidFill>
+                          <a:srgbClr val="000000"/>
+                        </a:solidFill>
+                        <a:effectLst/>
+                        <a:latin typeface="Calibri" panose="020F0502020204030204" pitchFamily="34" charset="0"/>
+                      </a:endParaRPr>
+                    </a:p>
+                  </a:txBody>
+                  <a:tcPr marL="9525" marR="9525" marT="9525" marB="0" anchor="b"/>
+                </a:tc>
+                <a:extLst>
+                  <a:ext uri="{0D108BD9-81ED-4DB2-BD59-A6C34878D82A}">
+                    <a16:rowId xmlns:a16="http://schemas.microsoft.com/office/drawing/2014/main" val="1892327733"/>
+                  </a:ext>
+                </a:extLst>
+              </a:tr>
+              <a:tr h="190500">
+                <a:tc>
+                  <a:txBody>
+                    <a:bodyPr/>
+                    <a:lstStyle/>
+                    <a:p>
+                      <a:pPr algn="ctr" fontAlgn="t"/>
+                      <a:r>
+                        <a:rPr lang="ru-RU" sz="1100" u="none" strike="noStrike">
+                          <a:effectLst/>
+                        </a:rPr>
+                        <a:t>Программист, разработчик</a:t>
+                      </a:r>
+                      <a:endParaRPr lang="ru-RU" sz="1100" b="1" i="0" u="none" strike="noStrike">
+                        <a:solidFill>
+                          <a:srgbClr val="000000"/>
+                        </a:solidFill>
+                        <a:effectLst/>
+                        <a:latin typeface="Calibri" panose="020F0502020204030204" pitchFamily="34" charset="0"/>
+                      </a:endParaRPr>
+                    </a:p>
+                  </a:txBody>
+                  <a:tcPr marL="9525" marR="9525" marT="9525" marB="0"/>
+                </a:tc>
+                <a:tc>
+                  <a:txBody>
+                    <a:bodyPr/>
+                    <a:lstStyle/>
+                    <a:p>
+                      <a:pPr algn="r" fontAlgn="b"/>
+                      <a:r>
+                        <a:rPr lang="ru-RU" sz="1100" u="none" strike="noStrike">
+                          <a:effectLst/>
+                        </a:rPr>
+                        <a:t>178 497 ₽</a:t>
+                      </a:r>
+                      <a:endParaRPr lang="ru-RU" sz="1100" b="0" i="0" u="none" strike="noStrike">
+                        <a:solidFill>
+                          <a:srgbClr val="000000"/>
+                        </a:solidFill>
+                        <a:effectLst/>
+                        <a:latin typeface="Calibri" panose="020F0502020204030204" pitchFamily="34" charset="0"/>
+                      </a:endParaRPr>
+                    </a:p>
+                  </a:txBody>
+                  <a:tcPr marL="9525" marR="9525" marT="9525" marB="0" anchor="b"/>
+                </a:tc>
+                <a:extLst>
+                  <a:ext uri="{0D108BD9-81ED-4DB2-BD59-A6C34878D82A}">
+                    <a16:rowId xmlns:a16="http://schemas.microsoft.com/office/drawing/2014/main" val="2282850923"/>
+                  </a:ext>
+                </a:extLst>
+              </a:tr>
+              <a:tr h="190500">
+                <a:tc>
+                  <a:txBody>
+                    <a:bodyPr/>
+                    <a:lstStyle/>
+                    <a:p>
+                      <a:pPr algn="ctr" fontAlgn="t"/>
+                      <a:r>
+                        <a:rPr lang="ru-RU" sz="1100" b="1" u="none" strike="noStrike" dirty="0">
+                          <a:effectLst/>
+                        </a:rPr>
+                        <a:t>Руководитель группы разработки</a:t>
+                      </a:r>
+                      <a:endParaRPr lang="ru-RU" sz="1100" b="1" i="0" u="none" strike="noStrike" dirty="0">
+                        <a:solidFill>
+                          <a:srgbClr val="000000"/>
+                        </a:solidFill>
+                        <a:effectLst/>
+                        <a:latin typeface="Calibri" panose="020F0502020204030204" pitchFamily="34" charset="0"/>
+                      </a:endParaRPr>
+                    </a:p>
+                  </a:txBody>
+                  <a:tcPr marL="9525" marR="9525" marT="9525" marB="0"/>
+                </a:tc>
+                <a:tc>
+                  <a:txBody>
+                    <a:bodyPr/>
+                    <a:lstStyle/>
+                    <a:p>
+                      <a:pPr algn="r" fontAlgn="b"/>
+                      <a:r>
+                        <a:rPr lang="ru-RU" sz="1100" b="1" u="none" strike="noStrike" dirty="0">
+                          <a:effectLst/>
+                        </a:rPr>
+                        <a:t>293 788 ₽</a:t>
+                      </a:r>
+                      <a:endParaRPr lang="ru-RU" sz="1100" b="1" i="0" u="none" strike="noStrike" dirty="0">
+                        <a:solidFill>
+                          <a:srgbClr val="000000"/>
+                        </a:solidFill>
+                        <a:effectLst/>
+                        <a:latin typeface="Calibri" panose="020F0502020204030204" pitchFamily="34" charset="0"/>
+                      </a:endParaRPr>
+                    </a:p>
+                  </a:txBody>
+                  <a:tcPr marL="9525" marR="9525" marT="9525" marB="0" anchor="b"/>
+                </a:tc>
+                <a:extLst>
+                  <a:ext uri="{0D108BD9-81ED-4DB2-BD59-A6C34878D82A}">
+                    <a16:rowId xmlns:a16="http://schemas.microsoft.com/office/drawing/2014/main" val="2286315029"/>
+                  </a:ext>
+                </a:extLst>
+              </a:tr>
+              <a:tr h="190500">
+                <a:tc>
+                  <a:txBody>
+                    <a:bodyPr/>
+                    <a:lstStyle/>
+                    <a:p>
+                      <a:pPr algn="ctr" fontAlgn="t"/>
+                      <a:r>
+                        <a:rPr lang="ru-RU" sz="1100" u="none" strike="noStrike">
+                          <a:effectLst/>
+                        </a:rPr>
+                        <a:t>Системный инженер</a:t>
+                      </a:r>
+                      <a:endParaRPr lang="ru-RU" sz="1100" b="1" i="0" u="none" strike="noStrike">
+                        <a:solidFill>
+                          <a:srgbClr val="000000"/>
+                        </a:solidFill>
+                        <a:effectLst/>
+                        <a:latin typeface="Calibri" panose="020F0502020204030204" pitchFamily="34" charset="0"/>
+                      </a:endParaRPr>
+                    </a:p>
+                  </a:txBody>
+                  <a:tcPr marL="9525" marR="9525" marT="9525" marB="0"/>
+                </a:tc>
+                <a:tc>
+                  <a:txBody>
+                    <a:bodyPr/>
+                    <a:lstStyle/>
+                    <a:p>
+                      <a:pPr algn="r" fontAlgn="b"/>
+                      <a:r>
+                        <a:rPr lang="ru-RU" sz="1100" u="none" strike="noStrike">
+                          <a:effectLst/>
+                        </a:rPr>
+                        <a:t>208 550 ₽</a:t>
+                      </a:r>
+                      <a:endParaRPr lang="ru-RU" sz="1100" b="0" i="0" u="none" strike="noStrike">
+                        <a:solidFill>
+                          <a:srgbClr val="000000"/>
+                        </a:solidFill>
+                        <a:effectLst/>
+                        <a:latin typeface="Calibri" panose="020F0502020204030204" pitchFamily="34" charset="0"/>
+                      </a:endParaRPr>
+                    </a:p>
+                  </a:txBody>
+                  <a:tcPr marL="9525" marR="9525" marT="9525" marB="0" anchor="b"/>
+                </a:tc>
+                <a:extLst>
+                  <a:ext uri="{0D108BD9-81ED-4DB2-BD59-A6C34878D82A}">
+                    <a16:rowId xmlns:a16="http://schemas.microsoft.com/office/drawing/2014/main" val="1104722640"/>
+                  </a:ext>
+                </a:extLst>
+              </a:tr>
+              <a:tr h="190500">
+                <a:tc>
+                  <a:txBody>
+                    <a:bodyPr/>
+                    <a:lstStyle/>
+                    <a:p>
+                      <a:pPr algn="ctr" fontAlgn="t"/>
+                      <a:r>
+                        <a:rPr lang="ru-RU" sz="1100" u="none" strike="noStrike">
+                          <a:effectLst/>
+                        </a:rPr>
+                        <a:t>Тестировщик</a:t>
+                      </a:r>
+                      <a:endParaRPr lang="ru-RU" sz="1100" b="1" i="0" u="none" strike="noStrike">
+                        <a:solidFill>
+                          <a:srgbClr val="000000"/>
+                        </a:solidFill>
+                        <a:effectLst/>
+                        <a:latin typeface="Calibri" panose="020F0502020204030204" pitchFamily="34" charset="0"/>
+                      </a:endParaRPr>
+                    </a:p>
+                  </a:txBody>
+                  <a:tcPr marL="9525" marR="9525" marT="9525" marB="0"/>
+                </a:tc>
+                <a:tc>
+                  <a:txBody>
+                    <a:bodyPr/>
+                    <a:lstStyle/>
+                    <a:p>
+                      <a:pPr algn="r" fontAlgn="b"/>
+                      <a:r>
+                        <a:rPr lang="ru-RU" sz="1100" u="none" strike="noStrike" dirty="0">
+                          <a:effectLst/>
+                        </a:rPr>
+                        <a:t>168 985 ₽</a:t>
+                      </a:r>
+                      <a:endParaRPr lang="ru-RU" sz="1100" b="0" i="0" u="none" strike="noStrike" dirty="0">
+                        <a:solidFill>
+                          <a:srgbClr val="000000"/>
+                        </a:solidFill>
+                        <a:effectLst/>
+                        <a:latin typeface="Calibri" panose="020F0502020204030204" pitchFamily="34" charset="0"/>
+                      </a:endParaRPr>
+                    </a:p>
+                  </a:txBody>
+                  <a:tcPr marL="9525" marR="9525" marT="9525" marB="0" anchor="b"/>
+                </a:tc>
+                <a:extLst>
+                  <a:ext uri="{0D108BD9-81ED-4DB2-BD59-A6C34878D82A}">
+                    <a16:rowId xmlns:a16="http://schemas.microsoft.com/office/drawing/2014/main" val="98635332"/>
+                  </a:ext>
+                </a:extLst>
+              </a:tr>
+            </a:tbl>
+          </a:graphicData>
+        </a:graphic>
+      </p:graphicFrame>
+    </p:spTree>
+    <p:extLst>
+      <p:ext uri="{BB962C8B-B14F-4D97-AF65-F5344CB8AC3E}">
+        <p14:creationId xmlns:p14="http://schemas.microsoft.com/office/powerpoint/2010/main" val="1157968169"/>
+      </p:ext>
+    </p:extLst>
+  </p:cSld>
+  <p:clrMapOvr>
+    <a:masterClrMapping/>
+  </p:clrMapOvr>
+  <p:timing>
+    <p:tnLst>
+      <p:par>
+        <p:cTn id="1" dur="indefinite" restart="never" nodeType="tmRoot"/>
+      </p:par>
+    </p:tnLst>
+  </p:timing>
+</p:sld>
+</file>
+
+<file path=ppt/slides/slide12.xml><?xml version="1.0" encoding="utf-8"?>
+<p:sld xmlns:a="http://schemas.openxmlformats.org/drawingml/2006/main" xmlns:r="http://schemas.openxmlformats.org/officeDocument/2006/relationships" xmlns:p="http://schemas.openxmlformats.org/presentationml/2006/main">
+  <p:cSld>
+    <p:spTree>
+      <p:nvGrpSpPr>
+        <p:cNvPr id="1" name=""/>
+        <p:cNvGrpSpPr/>
+        <p:nvPr/>
+      </p:nvGrpSpPr>
+      <p:grpSpPr>
+        <a:xfrm>
+          <a:off x="0" y="0"/>
+          <a:ext cx="0" cy="0"/>
+          <a:chOff x="0" y="0"/>
+          <a:chExt cx="0" cy="0"/>
+        </a:xfrm>
+      </p:grpSpPr>
+      <p:sp>
+        <p:nvSpPr>
+          <p:cNvPr id="2" name="Заголовок 1"/>
+          <p:cNvSpPr>
+            <a:spLocks noGrp="1"/>
+          </p:cNvSpPr>
+          <p:nvPr>
+            <p:ph type="title"/>
+          </p:nvPr>
+        </p:nvSpPr>
+        <p:spPr/>
+        <p:txBody>
+          <a:bodyPr/>
+          <a:lstStyle/>
+          <a:p>
+            <a:r>
+              <a:rPr lang="ru-RU" dirty="0" smtClean="0"/>
+              <a:t>Требуемый уровень владения Английским</a:t>
+            </a:r>
+            <a:endParaRPr lang="ru-RU" dirty="0"/>
+          </a:p>
+        </p:txBody>
+      </p:sp>
+      <p:pic>
+        <p:nvPicPr>
+          <p:cNvPr id="4" name="Рисунок 3"/>
+          <p:cNvPicPr>
+            <a:picLocks noChangeAspect="1"/>
+          </p:cNvPicPr>
+          <p:nvPr/>
+        </p:nvPicPr>
+        <p:blipFill>
+          <a:blip r:embed="rId2">
+            <a:extLst>
+              <a:ext uri="{28A0092B-C50C-407E-A947-70E740481C1C}">
+                <a14:useLocalDpi xmlns:a14="http://schemas.microsoft.com/office/drawing/2010/main" val="0"/>
+              </a:ext>
+            </a:extLst>
+          </a:blip>
+          <a:stretch>
+            <a:fillRect/>
+          </a:stretch>
+        </p:blipFill>
+        <p:spPr>
+          <a:xfrm>
+            <a:off x="573481" y="1371979"/>
+            <a:ext cx="8596382" cy="5248645"/>
+          </a:xfrm>
+          <a:prstGeom prst="rect">
+            <a:avLst/>
+          </a:prstGeom>
+        </p:spPr>
+      </p:pic>
+      <p:sp>
+        <p:nvSpPr>
+          <p:cNvPr id="5" name="Скругленный прямоугольник 4"/>
+          <p:cNvSpPr/>
+          <p:nvPr/>
+        </p:nvSpPr>
+        <p:spPr>
+          <a:xfrm>
+            <a:off x="9476509" y="2849144"/>
+            <a:ext cx="2351116" cy="1598166"/>
+          </a:xfrm>
+          <a:prstGeom prst="roundRect">
+            <a:avLst/>
+          </a:prstGeom>
+          <a:solidFill>
+            <a:schemeClr val="accent6">
+              <a:lumMod val="60000"/>
+              <a:lumOff val="40000"/>
+            </a:schemeClr>
+          </a:solidFill>
+          <a:ln>
+            <a:noFill/>
+          </a:ln>
+        </p:spPr>
+        <p:style>
+          <a:lnRef idx="2">
+            <a:schemeClr val="accent1">
+              <a:shade val="50000"/>
+            </a:schemeClr>
+          </a:lnRef>
+          <a:fillRef idx="1">
+            <a:schemeClr val="accent1"/>
+          </a:fillRef>
+          <a:effectRef idx="0">
+            <a:schemeClr val="accent1"/>
+          </a:effectRef>
+          <a:fontRef idx="minor">
+            <a:schemeClr val="lt1"/>
+          </a:fontRef>
+        </p:style>
+        <p:txBody>
+          <a:bodyPr rtlCol="0" anchor="ctr"/>
+          <a:lstStyle/>
+          <a:p>
+            <a:pPr algn="ctr"/>
+            <a:r>
+              <a:rPr lang="ru-RU" dirty="0" smtClean="0"/>
+              <a:t>Требования к знанию английского языка указано в </a:t>
+            </a:r>
+            <a:r>
+              <a:rPr lang="ru-RU" sz="2400" dirty="0" smtClean="0">
+                <a:ln w="0"/>
+                <a:solidFill>
+                  <a:schemeClr val="accent1"/>
+                </a:solidFill>
+                <a:effectLst>
+                  <a:outerShdw blurRad="38100" dist="25400" dir="5400000" algn="ctr" rotWithShape="0">
+                    <a:srgbClr val="6E747A">
+                      <a:alpha val="43000"/>
+                    </a:srgbClr>
+                  </a:outerShdw>
+                </a:effectLst>
+              </a:rPr>
+              <a:t>16,7% </a:t>
+            </a:r>
+            <a:r>
+              <a:rPr lang="ru-RU" dirty="0" smtClean="0"/>
+              <a:t>вакансий</a:t>
+            </a:r>
+            <a:endParaRPr lang="ru-RU" dirty="0"/>
+          </a:p>
+        </p:txBody>
+      </p:sp>
+    </p:spTree>
+    <p:extLst>
+      <p:ext uri="{BB962C8B-B14F-4D97-AF65-F5344CB8AC3E}">
+        <p14:creationId xmlns:p14="http://schemas.microsoft.com/office/powerpoint/2010/main" val="1993352184"/>
+      </p:ext>
+    </p:extLst>
+  </p:cSld>
+  <p:clrMapOvr>
+    <a:masterClrMapping/>
+  </p:clrMapOvr>
+</p:sld>
+</file>
+
+<file path=ppt/slides/slide13.xml><?xml version="1.0" encoding="utf-8"?>
+<p:sld xmlns:a="http://schemas.openxmlformats.org/drawingml/2006/main" xmlns:r="http://schemas.openxmlformats.org/officeDocument/2006/relationships" xmlns:p="http://schemas.openxmlformats.org/presentationml/2006/main">
+  <p:cSld>
+    <p:spTree>
+      <p:nvGrpSpPr>
+        <p:cNvPr id="1" name=""/>
+        <p:cNvGrpSpPr/>
+        <p:nvPr/>
+      </p:nvGrpSpPr>
+      <p:grpSpPr>
+        <a:xfrm>
+          <a:off x="0" y="0"/>
+          <a:ext cx="0" cy="0"/>
+          <a:chOff x="0" y="0"/>
+          <a:chExt cx="0" cy="0"/>
+        </a:xfrm>
+      </p:grpSpPr>
+      <p:sp>
+        <p:nvSpPr>
+          <p:cNvPr id="2" name="Заголовок 1"/>
+          <p:cNvSpPr>
+            <a:spLocks noGrp="1"/>
+          </p:cNvSpPr>
+          <p:nvPr>
+            <p:ph type="title"/>
+          </p:nvPr>
+        </p:nvSpPr>
+        <p:spPr>
+          <a:xfrm>
+            <a:off x="838200" y="355889"/>
+            <a:ext cx="10515600" cy="752475"/>
+          </a:xfrm>
+        </p:spPr>
+        <p:txBody>
+          <a:bodyPr/>
+          <a:lstStyle/>
+          <a:p>
+            <a:r>
+              <a:rPr lang="ru-RU" dirty="0"/>
+              <a:t>Используемые технологии</a:t>
+            </a:r>
+          </a:p>
+        </p:txBody>
+      </p:sp>
+      <p:sp>
+        <p:nvSpPr>
+          <p:cNvPr id="3" name="Объект 2"/>
+          <p:cNvSpPr>
+            <a:spLocks noGrp="1"/>
+          </p:cNvSpPr>
+          <p:nvPr>
+            <p:ph idx="1"/>
+          </p:nvPr>
+        </p:nvSpPr>
+        <p:spPr/>
+        <p:txBody>
+          <a:bodyPr>
+            <a:normAutofit/>
+          </a:bodyPr>
+          <a:lstStyle/>
+          <a:p>
+            <a:r>
+              <a:rPr lang="ru-RU" i="1" dirty="0" smtClean="0">
+                <a:solidFill>
+                  <a:schemeClr val="tx1">
+                    <a:lumMod val="65000"/>
+                    <a:lumOff val="35000"/>
+                  </a:schemeClr>
+                </a:solidFill>
+              </a:rPr>
+              <a:t>Библиотеки </a:t>
+            </a:r>
+            <a:r>
+              <a:rPr lang="en-US" i="1" dirty="0" smtClean="0">
+                <a:solidFill>
+                  <a:schemeClr val="tx1">
+                    <a:lumMod val="65000"/>
+                    <a:lumOff val="35000"/>
+                  </a:schemeClr>
+                </a:solidFill>
+              </a:rPr>
+              <a:t>Python</a:t>
+            </a:r>
+            <a:r>
+              <a:rPr lang="ru-RU" i="1" dirty="0" smtClean="0">
+                <a:solidFill>
+                  <a:schemeClr val="tx1">
+                    <a:lumMod val="65000"/>
+                    <a:lumOff val="35000"/>
+                  </a:schemeClr>
+                </a:solidFill>
+              </a:rPr>
+              <a:t>:</a:t>
+            </a:r>
+          </a:p>
+          <a:p>
+            <a:pPr marL="457200" lvl="1" indent="0">
+              <a:buNone/>
+            </a:pPr>
+            <a:r>
+              <a:rPr lang="en-US" i="1" dirty="0" smtClean="0">
+                <a:solidFill>
+                  <a:schemeClr val="tx1">
+                    <a:lumMod val="65000"/>
+                    <a:lumOff val="35000"/>
+                  </a:schemeClr>
+                </a:solidFill>
+              </a:rPr>
+              <a:t>Pandas</a:t>
+            </a:r>
+            <a:r>
+              <a:rPr lang="ru-RU" i="1" dirty="0" smtClean="0">
+                <a:solidFill>
+                  <a:schemeClr val="tx1">
+                    <a:lumMod val="65000"/>
+                    <a:lumOff val="35000"/>
+                  </a:schemeClr>
+                </a:solidFill>
+              </a:rPr>
+              <a:t> – работа</a:t>
+            </a:r>
+            <a:r>
+              <a:rPr lang="en-US" i="1" dirty="0" smtClean="0">
+                <a:solidFill>
+                  <a:schemeClr val="tx1">
+                    <a:lumMod val="65000"/>
+                    <a:lumOff val="35000"/>
+                  </a:schemeClr>
+                </a:solidFill>
+              </a:rPr>
+              <a:t> </a:t>
+            </a:r>
+            <a:r>
+              <a:rPr lang="ru-RU" i="1" dirty="0" smtClean="0">
+                <a:solidFill>
+                  <a:schemeClr val="tx1">
+                    <a:lumMod val="65000"/>
+                    <a:lumOff val="35000"/>
+                  </a:schemeClr>
+                </a:solidFill>
+              </a:rPr>
+              <a:t>с </a:t>
+            </a:r>
+            <a:r>
+              <a:rPr lang="en-US" i="1" dirty="0" err="1" smtClean="0">
+                <a:solidFill>
+                  <a:schemeClr val="tx1">
+                    <a:lumMod val="65000"/>
+                    <a:lumOff val="35000"/>
+                  </a:schemeClr>
+                </a:solidFill>
+              </a:rPr>
+              <a:t>DataFrame</a:t>
+            </a:r>
+            <a:r>
+              <a:rPr lang="ru-RU" i="1" dirty="0" smtClean="0">
+                <a:solidFill>
+                  <a:schemeClr val="tx1">
+                    <a:lumMod val="65000"/>
+                    <a:lumOff val="35000"/>
+                  </a:schemeClr>
+                </a:solidFill>
+              </a:rPr>
+              <a:t> </a:t>
+            </a:r>
+            <a:r>
+              <a:rPr lang="en-US" i="1" smtClean="0">
+                <a:solidFill>
+                  <a:schemeClr val="tx1">
+                    <a:lumMod val="65000"/>
+                    <a:lumOff val="35000"/>
+                  </a:schemeClr>
+                </a:solidFill>
+              </a:rPr>
+              <a:t>.</a:t>
+            </a:r>
+            <a:endParaRPr lang="en-US" i="1" dirty="0" smtClean="0">
+              <a:solidFill>
+                <a:schemeClr val="tx1">
+                  <a:lumMod val="65000"/>
+                  <a:lumOff val="35000"/>
+                </a:schemeClr>
+              </a:solidFill>
+            </a:endParaRPr>
+          </a:p>
+          <a:p>
+            <a:pPr marL="457200" lvl="1" indent="0">
+              <a:buNone/>
+            </a:pPr>
+            <a:r>
+              <a:rPr lang="en-US" i="1" dirty="0" err="1" smtClean="0">
+                <a:solidFill>
+                  <a:schemeClr val="tx1">
+                    <a:lumMod val="65000"/>
+                    <a:lumOff val="35000"/>
+                  </a:schemeClr>
+                </a:solidFill>
+              </a:rPr>
+              <a:t>Matplotlib</a:t>
+            </a:r>
+            <a:r>
+              <a:rPr lang="en-US" i="1" dirty="0">
+                <a:solidFill>
+                  <a:schemeClr val="tx1">
+                    <a:lumMod val="65000"/>
+                    <a:lumOff val="35000"/>
+                  </a:schemeClr>
+                </a:solidFill>
+              </a:rPr>
+              <a:t>, </a:t>
+            </a:r>
+            <a:r>
+              <a:rPr lang="en-US" i="1" dirty="0" err="1" smtClean="0">
+                <a:solidFill>
+                  <a:schemeClr val="tx1">
+                    <a:lumMod val="65000"/>
+                    <a:lumOff val="35000"/>
+                  </a:schemeClr>
+                </a:solidFill>
+              </a:rPr>
+              <a:t>Seaborn</a:t>
+            </a:r>
+            <a:r>
+              <a:rPr lang="en-US" i="1" dirty="0" smtClean="0">
+                <a:solidFill>
+                  <a:schemeClr val="tx1">
+                    <a:lumMod val="65000"/>
+                    <a:lumOff val="35000"/>
+                  </a:schemeClr>
+                </a:solidFill>
+              </a:rPr>
+              <a:t> – </a:t>
+            </a:r>
+            <a:r>
+              <a:rPr lang="ru-RU" i="1" dirty="0" smtClean="0">
+                <a:solidFill>
+                  <a:schemeClr val="tx1">
+                    <a:lumMod val="65000"/>
+                    <a:lumOff val="35000"/>
+                  </a:schemeClr>
+                </a:solidFill>
+              </a:rPr>
+              <a:t>построение графиков.</a:t>
+            </a:r>
+            <a:endParaRPr lang="en-US" i="1" dirty="0" smtClean="0">
+              <a:solidFill>
+                <a:schemeClr val="tx1">
+                  <a:lumMod val="65000"/>
+                  <a:lumOff val="35000"/>
+                </a:schemeClr>
+              </a:solidFill>
+            </a:endParaRPr>
+          </a:p>
+          <a:p>
+            <a:pPr marL="457200" lvl="1" indent="0">
+              <a:buNone/>
+            </a:pPr>
+            <a:r>
+              <a:rPr lang="en-US" i="1" dirty="0" err="1" smtClean="0">
+                <a:solidFill>
+                  <a:schemeClr val="tx1">
+                    <a:lumMod val="65000"/>
+                    <a:lumOff val="35000"/>
+                  </a:schemeClr>
+                </a:solidFill>
+              </a:rPr>
+              <a:t>Wordcloud</a:t>
+            </a:r>
+            <a:r>
+              <a:rPr lang="ru-RU" i="1" dirty="0" smtClean="0">
+                <a:solidFill>
+                  <a:schemeClr val="tx1">
+                    <a:lumMod val="65000"/>
+                    <a:lumOff val="35000"/>
+                  </a:schemeClr>
+                </a:solidFill>
+              </a:rPr>
+              <a:t> </a:t>
+            </a:r>
+            <a:r>
+              <a:rPr lang="ru-RU" i="1" dirty="0" smtClean="0">
+                <a:solidFill>
+                  <a:schemeClr val="tx1">
+                    <a:lumMod val="65000"/>
+                    <a:lumOff val="35000"/>
+                  </a:schemeClr>
+                </a:solidFill>
+              </a:rPr>
+              <a:t>– построение </a:t>
+            </a:r>
+            <a:r>
+              <a:rPr lang="ru-RU" i="1" smtClean="0">
+                <a:solidFill>
+                  <a:schemeClr val="tx1">
+                    <a:lumMod val="65000"/>
+                    <a:lumOff val="35000"/>
+                  </a:schemeClr>
+                </a:solidFill>
+              </a:rPr>
+              <a:t>облака слов</a:t>
+            </a:r>
+            <a:r>
+              <a:rPr lang="en-US" i="1" smtClean="0">
+                <a:solidFill>
+                  <a:schemeClr val="tx1">
+                    <a:lumMod val="65000"/>
+                    <a:lumOff val="35000"/>
+                  </a:schemeClr>
+                </a:solidFill>
+              </a:rPr>
+              <a:t>.</a:t>
+            </a:r>
+            <a:endParaRPr lang="en-US" i="1" dirty="0" smtClean="0">
+              <a:solidFill>
+                <a:schemeClr val="tx1">
+                  <a:lumMod val="65000"/>
+                  <a:lumOff val="35000"/>
+                </a:schemeClr>
+              </a:solidFill>
+            </a:endParaRPr>
+          </a:p>
+          <a:p>
+            <a:pPr marL="457200" lvl="1" indent="0">
+              <a:buNone/>
+            </a:pPr>
+            <a:r>
+              <a:rPr lang="en-US" i="1" dirty="0" smtClean="0">
+                <a:solidFill>
+                  <a:schemeClr val="tx1">
+                    <a:lumMod val="65000"/>
+                    <a:lumOff val="35000"/>
+                  </a:schemeClr>
+                </a:solidFill>
+              </a:rPr>
+              <a:t>Requests</a:t>
+            </a:r>
+            <a:r>
+              <a:rPr lang="ru-RU" i="1" smtClean="0">
+                <a:solidFill>
+                  <a:schemeClr val="tx1">
+                    <a:lumMod val="65000"/>
+                    <a:lumOff val="35000"/>
+                  </a:schemeClr>
+                </a:solidFill>
+              </a:rPr>
+              <a:t> – выполнение </a:t>
+            </a:r>
+            <a:r>
+              <a:rPr lang="en-US" i="1" smtClean="0">
+                <a:solidFill>
+                  <a:schemeClr val="tx1">
+                    <a:lumMod val="65000"/>
+                    <a:lumOff val="35000"/>
+                  </a:schemeClr>
+                </a:solidFill>
+              </a:rPr>
+              <a:t>HTTP </a:t>
+            </a:r>
+            <a:r>
+              <a:rPr lang="ru-RU" i="1" smtClean="0">
+                <a:solidFill>
+                  <a:schemeClr val="tx1">
+                    <a:lumMod val="65000"/>
+                    <a:lumOff val="35000"/>
+                  </a:schemeClr>
+                </a:solidFill>
+              </a:rPr>
+              <a:t>запросов</a:t>
+            </a:r>
+            <a:r>
+              <a:rPr lang="en-US" i="1" smtClean="0">
+                <a:solidFill>
+                  <a:schemeClr val="tx1">
+                    <a:lumMod val="65000"/>
+                    <a:lumOff val="35000"/>
+                  </a:schemeClr>
+                </a:solidFill>
+              </a:rPr>
+              <a:t>.</a:t>
+            </a:r>
+            <a:endParaRPr lang="ru-RU" i="1" dirty="0" smtClean="0">
+              <a:solidFill>
+                <a:schemeClr val="tx1">
+                  <a:lumMod val="65000"/>
+                  <a:lumOff val="35000"/>
+                </a:schemeClr>
+              </a:solidFill>
+            </a:endParaRPr>
+          </a:p>
+          <a:p>
+            <a:pPr marL="457200" lvl="1" indent="0">
+              <a:buNone/>
+            </a:pPr>
+            <a:r>
+              <a:rPr lang="en-US" i="1" dirty="0" err="1" smtClean="0">
+                <a:solidFill>
+                  <a:schemeClr val="tx1">
+                    <a:lumMod val="65000"/>
+                    <a:lumOff val="35000"/>
+                  </a:schemeClr>
+                </a:solidFill>
+              </a:rPr>
+              <a:t>Tqdm</a:t>
+            </a:r>
+            <a:r>
+              <a:rPr lang="ru-RU" i="1" smtClean="0">
+                <a:solidFill>
+                  <a:schemeClr val="tx1">
+                    <a:lumMod val="65000"/>
+                    <a:lumOff val="35000"/>
+                  </a:schemeClr>
+                </a:solidFill>
+              </a:rPr>
+              <a:t> – </a:t>
+            </a:r>
+            <a:r>
+              <a:rPr lang="en-US" i="1" smtClean="0">
+                <a:solidFill>
+                  <a:schemeClr val="tx1">
+                    <a:lumMod val="65000"/>
+                    <a:lumOff val="35000"/>
+                  </a:schemeClr>
+                </a:solidFill>
+              </a:rPr>
+              <a:t>progressbar </a:t>
+            </a:r>
+            <a:r>
+              <a:rPr lang="ru-RU" i="1" smtClean="0">
+                <a:solidFill>
+                  <a:schemeClr val="tx1">
+                    <a:lumMod val="65000"/>
+                    <a:lumOff val="35000"/>
+                  </a:schemeClr>
+                </a:solidFill>
+              </a:rPr>
+              <a:t>для </a:t>
+            </a:r>
+            <a:r>
+              <a:rPr lang="en-US" i="1" smtClean="0">
+                <a:solidFill>
+                  <a:schemeClr val="tx1">
+                    <a:lumMod val="65000"/>
+                    <a:lumOff val="35000"/>
+                  </a:schemeClr>
+                </a:solidFill>
+              </a:rPr>
+              <a:t>Python.</a:t>
+            </a:r>
+            <a:endParaRPr lang="en-US" i="1" dirty="0" smtClean="0">
+              <a:solidFill>
+                <a:schemeClr val="tx1">
+                  <a:lumMod val="65000"/>
+                  <a:lumOff val="35000"/>
+                </a:schemeClr>
+              </a:solidFill>
+            </a:endParaRPr>
+          </a:p>
+          <a:p>
+            <a:pPr marL="457200" lvl="1" indent="0">
+              <a:buNone/>
+            </a:pPr>
+            <a:r>
+              <a:rPr lang="en-US" i="1" dirty="0" err="1" smtClean="0">
+                <a:solidFill>
+                  <a:schemeClr val="tx1">
+                    <a:lumMod val="65000"/>
+                    <a:lumOff val="35000"/>
+                  </a:schemeClr>
+                </a:solidFill>
+              </a:rPr>
+              <a:t>Itertools</a:t>
+            </a:r>
+            <a:r>
+              <a:rPr lang="en-US" i="1" dirty="0" smtClean="0">
+                <a:solidFill>
+                  <a:schemeClr val="tx1">
+                    <a:lumMod val="65000"/>
+                    <a:lumOff val="35000"/>
+                  </a:schemeClr>
+                </a:solidFill>
+              </a:rPr>
+              <a:t> – </a:t>
+            </a:r>
+            <a:r>
+              <a:rPr lang="ru-RU" i="1" smtClean="0">
+                <a:solidFill>
+                  <a:schemeClr val="tx1">
+                    <a:lumMod val="65000"/>
+                    <a:lumOff val="35000"/>
+                  </a:schemeClr>
+                </a:solidFill>
+              </a:rPr>
+              <a:t>использовал для распаковки списков.</a:t>
+            </a:r>
+            <a:endParaRPr lang="ru-RU" i="1" dirty="0">
+              <a:solidFill>
+                <a:schemeClr val="tx1">
+                  <a:lumMod val="65000"/>
+                  <a:lumOff val="35000"/>
+                </a:schemeClr>
+              </a:solidFill>
+            </a:endParaRPr>
+          </a:p>
+        </p:txBody>
+      </p:sp>
+    </p:spTree>
+    <p:extLst>
+      <p:ext uri="{BB962C8B-B14F-4D97-AF65-F5344CB8AC3E}">
+        <p14:creationId xmlns:p14="http://schemas.microsoft.com/office/powerpoint/2010/main" val="32908407"/>
+      </p:ext>
+    </p:extLst>
+  </p:cSld>
+  <p:clrMapOvr>
+    <a:masterClrMapping/>
+  </p:clrMapOvr>
+  <p:timing>
+    <p:tnLst>
+      <p:par>
+        <p:cTn id="1" dur="indefinite" restart="never" nodeType="tmRoot"/>
+      </p:par>
+    </p:tnLst>
+  </p:timing>
+</p:sld>
+</file>
+
+<file path=ppt/slides/slide14.xml><?xml version="1.0" encoding="utf-8"?>
+<p:sld xmlns:a="http://schemas.openxmlformats.org/drawingml/2006/main" xmlns:r="http://schemas.openxmlformats.org/officeDocument/2006/relationships" xmlns:p="http://schemas.openxmlformats.org/presentationml/2006/main">
+  <p:cSld>
+    <p:spTree>
+      <p:nvGrpSpPr>
+        <p:cNvPr id="1" name=""/>
+        <p:cNvGrpSpPr/>
+        <p:nvPr/>
+      </p:nvGrpSpPr>
+      <p:grpSpPr>
+        <a:xfrm>
+          <a:off x="0" y="0"/>
+          <a:ext cx="0" cy="0"/>
+          <a:chOff x="0" y="0"/>
+          <a:chExt cx="0" cy="0"/>
+        </a:xfrm>
+      </p:grpSpPr>
+      <p:sp>
+        <p:nvSpPr>
+          <p:cNvPr id="2" name="TextBox 1"/>
+          <p:cNvSpPr txBox="1"/>
+          <p:nvPr/>
+        </p:nvSpPr>
+        <p:spPr>
+          <a:xfrm>
+            <a:off x="1500796" y="2440549"/>
+            <a:ext cx="9190008" cy="1015663"/>
+          </a:xfrm>
+          <a:prstGeom prst="rect">
+            <a:avLst/>
+          </a:prstGeom>
+          <a:noFill/>
+        </p:spPr>
+        <p:txBody>
+          <a:bodyPr wrap="square" rtlCol="0">
+            <a:spAutoFit/>
+          </a:bodyPr>
+          <a:lstStyle/>
+          <a:p>
+            <a:pPr algn="ctr"/>
+            <a:r>
+              <a:rPr lang="ru-RU" sz="6000" dirty="0">
+                <a:solidFill>
+                  <a:srgbClr val="2BA630"/>
+                </a:solidFill>
+              </a:rPr>
+              <a:t>СПАСИБО ЗА ВНИМАНИЕ!</a:t>
+            </a:r>
+          </a:p>
+        </p:txBody>
+      </p:sp>
+    </p:spTree>
+    <p:extLst>
+      <p:ext uri="{BB962C8B-B14F-4D97-AF65-F5344CB8AC3E}">
+        <p14:creationId xmlns:p14="http://schemas.microsoft.com/office/powerpoint/2010/main" val="3907949203"/>
+      </p:ext>
+    </p:extLst>
+  </p:cSld>
+  <p:clrMapOvr>
+    <a:masterClrMapping/>
+  </p:clrMapOvr>
+  <p:timing>
+    <p:tnLst>
+      <p:par>
+        <p:cTn id="1" dur="indefinite" restart="never" nodeType="tmRoot"/>
+      </p:par>
+    </p:tnLst>
+  </p:timing>
+</p:sld>
+</file>
+
+<file path=ppt/slides/slide2.xml><?xml version="1.0" encoding="utf-8"?>
+<p:sld xmlns:a="http://schemas.openxmlformats.org/drawingml/2006/main" xmlns:r="http://schemas.openxmlformats.org/officeDocument/2006/relationships" xmlns:p="http://schemas.openxmlformats.org/presentationml/2006/main">
+  <p:cSld>
+    <p:spTree>
+      <p:nvGrpSpPr>
+        <p:cNvPr id="1" name=""/>
+        <p:cNvGrpSpPr/>
+        <p:nvPr/>
+      </p:nvGrpSpPr>
+      <p:grpSpPr>
+        <a:xfrm>
+          <a:off x="0" y="0"/>
+          <a:ext cx="0" cy="0"/>
+          <a:chOff x="0" y="0"/>
+          <a:chExt cx="0" cy="0"/>
+        </a:xfrm>
+      </p:grpSpPr>
+      <p:sp>
+        <p:nvSpPr>
+          <p:cNvPr id="2" name="Заголовок 1"/>
+          <p:cNvSpPr>
+            <a:spLocks noGrp="1"/>
+          </p:cNvSpPr>
+          <p:nvPr>
+            <p:ph type="title"/>
+          </p:nvPr>
+        </p:nvSpPr>
+        <p:spPr/>
+        <p:txBody>
+          <a:bodyPr/>
+          <a:lstStyle/>
+          <a:p>
+            <a:r>
+              <a:rPr lang="ru-RU" dirty="0"/>
+              <a:t>О себе</a:t>
+            </a:r>
+          </a:p>
+        </p:txBody>
+      </p:sp>
+      <p:sp>
+        <p:nvSpPr>
+          <p:cNvPr id="3" name="Объект 2"/>
+          <p:cNvSpPr>
+            <a:spLocks noGrp="1"/>
+          </p:cNvSpPr>
+          <p:nvPr>
+            <p:ph idx="1"/>
+          </p:nvPr>
+        </p:nvSpPr>
+        <p:spPr/>
+        <p:txBody>
+          <a:bodyPr>
+            <a:normAutofit/>
+          </a:bodyPr>
+          <a:lstStyle/>
+          <a:p>
+            <a:r>
+              <a:rPr lang="ru-RU" i="1" dirty="0" smtClean="0">
+                <a:solidFill>
+                  <a:schemeClr val="tx1">
+                    <a:lumMod val="65000"/>
+                    <a:lumOff val="35000"/>
+                  </a:schemeClr>
+                </a:solidFill>
+              </a:rPr>
+              <a:t>Лапин Глеб Александрович</a:t>
+            </a:r>
+            <a:endParaRPr lang="ru-RU" i="1" dirty="0">
+              <a:solidFill>
+                <a:schemeClr val="tx1">
+                  <a:lumMod val="65000"/>
+                  <a:lumOff val="35000"/>
+                </a:schemeClr>
+              </a:solidFill>
+            </a:endParaRPr>
+          </a:p>
+          <a:p>
+            <a:r>
+              <a:rPr lang="ru-RU" i="1" dirty="0" smtClean="0">
+                <a:solidFill>
+                  <a:schemeClr val="tx1">
+                    <a:lumMod val="65000"/>
+                    <a:lumOff val="35000"/>
+                  </a:schemeClr>
+                </a:solidFill>
+              </a:rPr>
+              <a:t>Самарский Государственный Технический </a:t>
+            </a:r>
+            <a:r>
+              <a:rPr lang="ru-RU" i="1" dirty="0" smtClean="0">
+                <a:solidFill>
+                  <a:schemeClr val="tx1">
+                    <a:lumMod val="65000"/>
+                    <a:lumOff val="35000"/>
+                  </a:schemeClr>
+                </a:solidFill>
+              </a:rPr>
+              <a:t>Университет</a:t>
+            </a:r>
+            <a:r>
+              <a:rPr lang="en-US" i="1" dirty="0" smtClean="0">
+                <a:solidFill>
+                  <a:schemeClr val="tx1">
+                    <a:lumMod val="65000"/>
+                    <a:lumOff val="35000"/>
+                  </a:schemeClr>
+                </a:solidFill>
+              </a:rPr>
+              <a:t>, </a:t>
+            </a:r>
+            <a:r>
+              <a:rPr lang="ru-RU" i="1" dirty="0" smtClean="0">
+                <a:solidFill>
+                  <a:schemeClr val="tx1">
+                    <a:lumMod val="65000"/>
+                    <a:lumOff val="35000"/>
+                  </a:schemeClr>
+                </a:solidFill>
+              </a:rPr>
+              <a:t>магистр.</a:t>
+            </a:r>
+            <a:r>
+              <a:rPr lang="ru-RU" i="1" dirty="0">
+                <a:solidFill>
+                  <a:schemeClr val="tx1">
+                    <a:lumMod val="65000"/>
+                    <a:lumOff val="35000"/>
+                  </a:schemeClr>
+                </a:solidFill>
+              </a:rPr>
+              <a:t> </a:t>
+            </a:r>
+            <a:r>
+              <a:rPr lang="ru-RU" i="1" dirty="0" smtClean="0">
+                <a:solidFill>
+                  <a:schemeClr val="tx1">
+                    <a:lumMod val="65000"/>
+                    <a:lumOff val="35000"/>
+                  </a:schemeClr>
+                </a:solidFill>
+              </a:rPr>
+              <a:t>Специальность </a:t>
+            </a:r>
+            <a:r>
+              <a:rPr lang="ru-RU" i="1" dirty="0" smtClean="0">
+                <a:solidFill>
+                  <a:schemeClr val="tx1">
+                    <a:lumMod val="65000"/>
+                    <a:lumOff val="35000"/>
+                  </a:schemeClr>
+                </a:solidFill>
+              </a:rPr>
+              <a:t>«Управление в технических системах»</a:t>
+            </a:r>
+            <a:endParaRPr lang="ru-RU" i="1" dirty="0">
+              <a:solidFill>
+                <a:schemeClr val="tx1">
+                  <a:lumMod val="65000"/>
+                  <a:lumOff val="35000"/>
+                </a:schemeClr>
+              </a:solidFill>
+            </a:endParaRPr>
+          </a:p>
+          <a:p>
+            <a:r>
+              <a:rPr lang="ru-RU" i="1" dirty="0" smtClean="0">
+                <a:solidFill>
+                  <a:schemeClr val="tx1">
+                    <a:lumMod val="65000"/>
+                    <a:lumOff val="35000"/>
+                  </a:schemeClr>
+                </a:solidFill>
+              </a:rPr>
+              <a:t>Отдел консолидации отчетности и контроля качества, Менеджер. Консолидация и автоматизация отчетности, разработка и поддержка </a:t>
+            </a:r>
+            <a:r>
+              <a:rPr lang="en-US" i="1" dirty="0" smtClean="0">
+                <a:solidFill>
+                  <a:schemeClr val="tx1">
+                    <a:lumMod val="65000"/>
+                    <a:lumOff val="35000"/>
+                  </a:schemeClr>
+                </a:solidFill>
+              </a:rPr>
+              <a:t>Web-</a:t>
+            </a:r>
+            <a:r>
+              <a:rPr lang="ru-RU" i="1" dirty="0" smtClean="0">
+                <a:solidFill>
+                  <a:schemeClr val="tx1">
+                    <a:lumMod val="65000"/>
+                    <a:lumOff val="35000"/>
+                  </a:schemeClr>
+                </a:solidFill>
+              </a:rPr>
+              <a:t>приложений.</a:t>
+            </a:r>
+          </a:p>
+          <a:p>
+            <a:r>
+              <a:rPr lang="ru-RU" i="1" dirty="0">
+                <a:solidFill>
+                  <a:schemeClr val="tx1">
+                    <a:lumMod val="65000"/>
+                    <a:lumOff val="35000"/>
+                  </a:schemeClr>
+                </a:solidFill>
+              </a:rPr>
+              <a:t>г</a:t>
+            </a:r>
+            <a:r>
+              <a:rPr lang="ru-RU" i="1" dirty="0" smtClean="0">
+                <a:solidFill>
+                  <a:schemeClr val="tx1">
+                    <a:lumMod val="65000"/>
+                    <a:lumOff val="35000"/>
+                  </a:schemeClr>
+                </a:solidFill>
+              </a:rPr>
+              <a:t>. Самара</a:t>
+            </a:r>
+            <a:endParaRPr lang="ru-RU" i="1" dirty="0">
+              <a:solidFill>
+                <a:schemeClr val="tx1">
+                  <a:lumMod val="65000"/>
+                  <a:lumOff val="35000"/>
+                </a:schemeClr>
+              </a:solidFill>
+            </a:endParaRPr>
+          </a:p>
+          <a:p>
+            <a:r>
+              <a:rPr lang="en-US" i="1" dirty="0" smtClean="0">
+                <a:solidFill>
+                  <a:schemeClr val="tx1">
+                    <a:lumMod val="65000"/>
+                    <a:lumOff val="35000"/>
+                  </a:schemeClr>
+                </a:solidFill>
+              </a:rPr>
+              <a:t>lapingleb950@gmail.com</a:t>
+            </a:r>
+            <a:r>
+              <a:rPr lang="ru-RU" i="1" dirty="0" smtClean="0">
+                <a:solidFill>
+                  <a:schemeClr val="tx1">
+                    <a:lumMod val="65000"/>
+                    <a:lumOff val="35000"/>
+                  </a:schemeClr>
+                </a:solidFill>
+              </a:rPr>
+              <a:t> / +7(9</a:t>
+            </a:r>
+            <a:r>
+              <a:rPr lang="en-US" i="1" dirty="0" smtClean="0">
+                <a:solidFill>
+                  <a:schemeClr val="tx1">
+                    <a:lumMod val="65000"/>
+                    <a:lumOff val="35000"/>
+                  </a:schemeClr>
+                </a:solidFill>
+              </a:rPr>
+              <a:t>96</a:t>
+            </a:r>
+            <a:r>
+              <a:rPr lang="ru-RU" i="1" dirty="0" smtClean="0">
+                <a:solidFill>
+                  <a:schemeClr val="tx1">
+                    <a:lumMod val="65000"/>
+                    <a:lumOff val="35000"/>
+                  </a:schemeClr>
+                </a:solidFill>
+              </a:rPr>
+              <a:t>)</a:t>
+            </a:r>
+            <a:r>
+              <a:rPr lang="en-US" i="1" dirty="0" smtClean="0">
+                <a:solidFill>
+                  <a:schemeClr val="tx1">
+                    <a:lumMod val="65000"/>
+                    <a:lumOff val="35000"/>
+                  </a:schemeClr>
+                </a:solidFill>
+              </a:rPr>
+              <a:t>925-00-55</a:t>
+            </a:r>
+            <a:endParaRPr lang="ru-RU" dirty="0"/>
+          </a:p>
+        </p:txBody>
+      </p:sp>
+    </p:spTree>
+    <p:extLst>
+      <p:ext uri="{BB962C8B-B14F-4D97-AF65-F5344CB8AC3E}">
+        <p14:creationId xmlns:p14="http://schemas.microsoft.com/office/powerpoint/2010/main" val="2355443536"/>
+      </p:ext>
+    </p:extLst>
+  </p:cSld>
+  <p:clrMapOvr>
+    <a:masterClrMapping/>
+  </p:clrMapOvr>
+  <p:timing>
+    <p:tnLst>
+      <p:par>
+        <p:cTn id="1" dur="indefinite" restart="never" nodeType="tmRoot"/>
+      </p:par>
+    </p:tnLst>
+  </p:timing>
+</p:sld>
+</file>
+
+<file path=ppt/slides/slide3.xml><?xml version="1.0" encoding="utf-8"?>
+<p:sld xmlns:a="http://schemas.openxmlformats.org/drawingml/2006/main" xmlns:r="http://schemas.openxmlformats.org/officeDocument/2006/relationships" xmlns:p="http://schemas.openxmlformats.org/presentationml/2006/main">
+  <p:cSld>
+    <p:spTree>
+      <p:nvGrpSpPr>
+        <p:cNvPr id="1" name=""/>
+        <p:cNvGrpSpPr/>
+        <p:nvPr/>
+      </p:nvGrpSpPr>
+      <p:grpSpPr>
+        <a:xfrm>
+          <a:off x="0" y="0"/>
+          <a:ext cx="0" cy="0"/>
+          <a:chOff x="0" y="0"/>
+          <a:chExt cx="0" cy="0"/>
+        </a:xfrm>
+      </p:grpSpPr>
+      <p:sp>
+        <p:nvSpPr>
+          <p:cNvPr id="2" name="Заголовок 1"/>
+          <p:cNvSpPr>
+            <a:spLocks noGrp="1"/>
+          </p:cNvSpPr>
+          <p:nvPr>
+            <p:ph type="title"/>
+          </p:nvPr>
+        </p:nvSpPr>
+        <p:spPr/>
+        <p:txBody>
+          <a:bodyPr/>
+          <a:lstStyle/>
+          <a:p>
+            <a:r>
+              <a:rPr lang="ru-RU" dirty="0"/>
+              <a:t>Описание проекта</a:t>
+            </a:r>
+          </a:p>
+        </p:txBody>
+      </p:sp>
+      <p:sp>
+        <p:nvSpPr>
+          <p:cNvPr id="3" name="Объект 2"/>
+          <p:cNvSpPr>
+            <a:spLocks noGrp="1"/>
+          </p:cNvSpPr>
+          <p:nvPr>
+            <p:ph idx="1"/>
+          </p:nvPr>
+        </p:nvSpPr>
+        <p:spPr/>
+        <p:txBody>
+          <a:bodyPr/>
+          <a:lstStyle/>
+          <a:p>
+            <a:r>
+              <a:rPr lang="ru-RU" i="1" dirty="0" smtClean="0">
+                <a:solidFill>
+                  <a:schemeClr val="tx1">
+                    <a:lumMod val="65000"/>
+                    <a:lumOff val="35000"/>
+                  </a:schemeClr>
+                </a:solidFill>
+              </a:rPr>
+              <a:t>Используя данные с площадки </a:t>
+            </a:r>
+            <a:r>
+              <a:rPr lang="en-US" i="1" dirty="0" smtClean="0">
+                <a:solidFill>
+                  <a:schemeClr val="tx1">
+                    <a:lumMod val="65000"/>
+                    <a:lumOff val="35000"/>
+                  </a:schemeClr>
+                </a:solidFill>
+              </a:rPr>
+              <a:t>hh.ru </a:t>
+            </a:r>
+            <a:r>
+              <a:rPr lang="ru-RU" i="1" dirty="0" smtClean="0">
+                <a:solidFill>
+                  <a:schemeClr val="tx1">
+                    <a:lumMod val="65000"/>
+                    <a:lumOff val="35000"/>
+                  </a:schemeClr>
+                </a:solidFill>
+              </a:rPr>
+              <a:t>провести исследование рынка профессии </a:t>
+            </a:r>
+            <a:r>
+              <a:rPr lang="en-US" i="1" dirty="0" smtClean="0">
+                <a:solidFill>
+                  <a:schemeClr val="tx1">
+                    <a:lumMod val="65000"/>
+                    <a:lumOff val="35000"/>
+                  </a:schemeClr>
+                </a:solidFill>
+              </a:rPr>
+              <a:t>«Python </a:t>
+            </a:r>
+            <a:r>
+              <a:rPr lang="en-US" i="1" dirty="0">
+                <a:solidFill>
+                  <a:schemeClr val="tx1">
+                    <a:lumMod val="65000"/>
+                    <a:lumOff val="35000"/>
+                  </a:schemeClr>
+                </a:solidFill>
+              </a:rPr>
+              <a:t>Backend-</a:t>
+            </a:r>
+            <a:r>
+              <a:rPr lang="ru-RU" i="1" dirty="0">
+                <a:solidFill>
+                  <a:schemeClr val="tx1">
+                    <a:lumMod val="65000"/>
+                    <a:lumOff val="35000"/>
+                  </a:schemeClr>
+                </a:solidFill>
+              </a:rPr>
+              <a:t>разработчик</a:t>
+            </a:r>
+            <a:r>
+              <a:rPr lang="ru-RU" i="1" dirty="0" smtClean="0">
+                <a:solidFill>
+                  <a:schemeClr val="tx1">
+                    <a:lumMod val="65000"/>
+                    <a:lumOff val="35000"/>
+                  </a:schemeClr>
+                </a:solidFill>
+              </a:rPr>
+              <a:t>». Результаты исследования представить с помощью графиков и таблиц.</a:t>
+            </a:r>
+          </a:p>
+          <a:p>
+            <a:endParaRPr lang="ru-RU" i="1" dirty="0">
+              <a:solidFill>
+                <a:schemeClr val="tx1">
+                  <a:lumMod val="65000"/>
+                  <a:lumOff val="35000"/>
+                </a:schemeClr>
+              </a:solidFill>
+            </a:endParaRPr>
+          </a:p>
+          <a:p>
+            <a:endParaRPr lang="ru-RU" i="1" dirty="0">
+              <a:solidFill>
+                <a:schemeClr val="tx1">
+                  <a:lumMod val="65000"/>
+                  <a:lumOff val="35000"/>
+                </a:schemeClr>
+              </a:solidFill>
+            </a:endParaRPr>
+          </a:p>
+          <a:p>
+            <a:r>
+              <a:rPr lang="ru-RU" i="1" dirty="0" err="1" smtClean="0">
+                <a:solidFill>
+                  <a:schemeClr val="tx1">
+                    <a:lumMod val="65000"/>
+                    <a:lumOff val="35000"/>
+                  </a:schemeClr>
+                </a:solidFill>
+              </a:rPr>
+              <a:t>Репозиторий</a:t>
+            </a:r>
+            <a:r>
+              <a:rPr lang="ru-RU" i="1" dirty="0" smtClean="0">
+                <a:solidFill>
+                  <a:schemeClr val="tx1">
+                    <a:lumMod val="65000"/>
+                    <a:lumOff val="35000"/>
+                  </a:schemeClr>
+                </a:solidFill>
+              </a:rPr>
+              <a:t> </a:t>
+            </a:r>
+            <a:r>
+              <a:rPr lang="ru-RU" i="1" dirty="0">
+                <a:solidFill>
+                  <a:schemeClr val="tx1">
+                    <a:lumMod val="65000"/>
+                    <a:lumOff val="35000"/>
+                  </a:schemeClr>
+                </a:solidFill>
+              </a:rPr>
+              <a:t>с </a:t>
+            </a:r>
+            <a:r>
+              <a:rPr lang="ru-RU" i="1" dirty="0" smtClean="0">
+                <a:solidFill>
+                  <a:schemeClr val="tx1">
+                    <a:lumMod val="65000"/>
+                    <a:lumOff val="35000"/>
+                  </a:schemeClr>
+                </a:solidFill>
+              </a:rPr>
+              <a:t>кодом:</a:t>
+            </a:r>
+          </a:p>
+          <a:p>
+            <a:pPr marL="0" indent="0">
+              <a:buNone/>
+            </a:pPr>
+            <a:r>
+              <a:rPr lang="ru-RU" i="1" dirty="0" smtClean="0">
+                <a:solidFill>
+                  <a:schemeClr val="tx1">
+                    <a:lumMod val="65000"/>
+                    <a:lumOff val="35000"/>
+                  </a:schemeClr>
+                </a:solidFill>
+              </a:rPr>
+              <a:t>	</a:t>
+            </a:r>
+            <a:r>
+              <a:rPr lang="en-US" i="1" dirty="0">
+                <a:solidFill>
+                  <a:schemeClr val="tx1">
+                    <a:lumMod val="65000"/>
+                    <a:lumOff val="35000"/>
+                  </a:schemeClr>
+                </a:solidFill>
+              </a:rPr>
+              <a:t>https://github.com/LapinGleb/DA_project.git</a:t>
+            </a:r>
+            <a:endParaRPr lang="ru-RU" dirty="0"/>
+          </a:p>
+        </p:txBody>
+      </p:sp>
+    </p:spTree>
+    <p:extLst>
+      <p:ext uri="{BB962C8B-B14F-4D97-AF65-F5344CB8AC3E}">
+        <p14:creationId xmlns:p14="http://schemas.microsoft.com/office/powerpoint/2010/main" val="2020167519"/>
+      </p:ext>
+    </p:extLst>
+  </p:cSld>
+  <p:clrMapOvr>
+    <a:masterClrMapping/>
+  </p:clrMapOvr>
+  <p:timing>
+    <p:tnLst>
+      <p:par>
+        <p:cTn id="1" dur="indefinite" restart="never" nodeType="tmRoot"/>
+      </p:par>
+    </p:tnLst>
+  </p:timing>
+</p:sld>
+</file>
+
+<file path=ppt/slides/slide4.xml><?xml version="1.0" encoding="utf-8"?>
+<p:sld xmlns:a="http://schemas.openxmlformats.org/drawingml/2006/main" xmlns:r="http://schemas.openxmlformats.org/officeDocument/2006/relationships" xmlns:p="http://schemas.openxmlformats.org/presentationml/2006/main">
+  <p:cSld>
+    <p:spTree>
+      <p:nvGrpSpPr>
+        <p:cNvPr id="1" name=""/>
+        <p:cNvGrpSpPr/>
+        <p:nvPr/>
+      </p:nvGrpSpPr>
+      <p:grpSpPr>
+        <a:xfrm>
+          <a:off x="0" y="0"/>
+          <a:ext cx="0" cy="0"/>
+          <a:chOff x="0" y="0"/>
+          <a:chExt cx="0" cy="0"/>
+        </a:xfrm>
+      </p:grpSpPr>
+      <p:sp>
+        <p:nvSpPr>
+          <p:cNvPr id="2" name="Заголовок 1"/>
+          <p:cNvSpPr>
+            <a:spLocks noGrp="1"/>
+          </p:cNvSpPr>
+          <p:nvPr>
+            <p:ph type="title"/>
+          </p:nvPr>
+        </p:nvSpPr>
+        <p:spPr/>
+        <p:txBody>
+          <a:bodyPr/>
+          <a:lstStyle/>
+          <a:p>
+            <a:r>
+              <a:rPr lang="ru-RU" dirty="0" smtClean="0"/>
+              <a:t>Порядок выполнения исследования</a:t>
+            </a:r>
+            <a:endParaRPr lang="ru-RU" dirty="0"/>
+          </a:p>
+        </p:txBody>
+      </p:sp>
+      <p:sp>
+        <p:nvSpPr>
+          <p:cNvPr id="4" name="Скругленный прямоугольник 3"/>
+          <p:cNvSpPr/>
+          <p:nvPr/>
+        </p:nvSpPr>
+        <p:spPr>
+          <a:xfrm>
+            <a:off x="975360" y="1477357"/>
+            <a:ext cx="10241280" cy="656705"/>
+          </a:xfrm>
+          <a:prstGeom prst="roundRect">
+            <a:avLst/>
+          </a:prstGeom>
+          <a:solidFill>
+            <a:srgbClr val="7995C4"/>
+          </a:solidFill>
+          <a:ln>
+            <a:solidFill>
+              <a:schemeClr val="bg1"/>
+            </a:solidFill>
+          </a:ln>
+        </p:spPr>
+        <p:style>
+          <a:lnRef idx="2">
+            <a:schemeClr val="accent1">
+              <a:shade val="50000"/>
+            </a:schemeClr>
+          </a:lnRef>
+          <a:fillRef idx="1">
+            <a:schemeClr val="accent1"/>
+          </a:fillRef>
+          <a:effectRef idx="0">
+            <a:schemeClr val="accent1"/>
+          </a:effectRef>
+          <a:fontRef idx="minor">
+            <a:schemeClr val="lt1"/>
+          </a:fontRef>
+        </p:style>
+        <p:txBody>
+          <a:bodyPr rtlCol="0" anchor="ctr"/>
+          <a:lstStyle/>
+          <a:p>
+            <a:pPr algn="ctr"/>
+            <a:r>
+              <a:rPr lang="ru-RU" dirty="0" smtClean="0"/>
+              <a:t>Парсинг вакансий сайта </a:t>
+            </a:r>
+            <a:r>
+              <a:rPr lang="en-US" dirty="0" smtClean="0"/>
+              <a:t>hh.ru</a:t>
+            </a:r>
+            <a:endParaRPr lang="ru-RU" dirty="0"/>
+          </a:p>
+        </p:txBody>
+      </p:sp>
+      <p:sp>
+        <p:nvSpPr>
+          <p:cNvPr id="5" name="Скругленный прямоугольник 4"/>
+          <p:cNvSpPr/>
+          <p:nvPr/>
+        </p:nvSpPr>
+        <p:spPr>
+          <a:xfrm>
+            <a:off x="975360" y="2821940"/>
+            <a:ext cx="10241280" cy="656705"/>
+          </a:xfrm>
+          <a:prstGeom prst="roundRect">
+            <a:avLst/>
+          </a:prstGeom>
+          <a:solidFill>
+            <a:srgbClr val="7995C4"/>
+          </a:solidFill>
+          <a:ln>
+            <a:solidFill>
+              <a:schemeClr val="bg1"/>
+            </a:solidFill>
+          </a:ln>
+        </p:spPr>
+        <p:style>
+          <a:lnRef idx="2">
+            <a:schemeClr val="accent1">
+              <a:shade val="50000"/>
+            </a:schemeClr>
+          </a:lnRef>
+          <a:fillRef idx="1">
+            <a:schemeClr val="accent1"/>
+          </a:fillRef>
+          <a:effectRef idx="0">
+            <a:schemeClr val="accent1"/>
+          </a:effectRef>
+          <a:fontRef idx="minor">
+            <a:schemeClr val="lt1"/>
+          </a:fontRef>
+        </p:style>
+        <p:txBody>
+          <a:bodyPr rtlCol="0" anchor="ctr"/>
+          <a:lstStyle/>
+          <a:p>
+            <a:pPr algn="ctr"/>
+            <a:r>
+              <a:rPr lang="ru-RU" dirty="0"/>
+              <a:t>Нормализация и фильтрация полученных данных</a:t>
+            </a:r>
+          </a:p>
+        </p:txBody>
+      </p:sp>
+      <p:sp>
+        <p:nvSpPr>
+          <p:cNvPr id="6" name="Скругленный прямоугольник 5"/>
+          <p:cNvSpPr/>
+          <p:nvPr/>
+        </p:nvSpPr>
+        <p:spPr>
+          <a:xfrm>
+            <a:off x="975360" y="4166523"/>
+            <a:ext cx="10241280" cy="656705"/>
+          </a:xfrm>
+          <a:prstGeom prst="roundRect">
+            <a:avLst/>
+          </a:prstGeom>
+          <a:solidFill>
+            <a:srgbClr val="7995C4"/>
+          </a:solidFill>
+          <a:ln>
+            <a:solidFill>
+              <a:schemeClr val="bg1"/>
+            </a:solidFill>
+          </a:ln>
+        </p:spPr>
+        <p:style>
+          <a:lnRef idx="2">
+            <a:schemeClr val="accent1">
+              <a:shade val="50000"/>
+            </a:schemeClr>
+          </a:lnRef>
+          <a:fillRef idx="1">
+            <a:schemeClr val="accent1"/>
+          </a:fillRef>
+          <a:effectRef idx="0">
+            <a:schemeClr val="accent1"/>
+          </a:effectRef>
+          <a:fontRef idx="minor">
+            <a:schemeClr val="lt1"/>
+          </a:fontRef>
+        </p:style>
+        <p:txBody>
+          <a:bodyPr rtlCol="0" anchor="ctr"/>
+          <a:lstStyle/>
+          <a:p>
+            <a:pPr algn="ctr"/>
+            <a:r>
+              <a:rPr lang="ru-RU" dirty="0"/>
+              <a:t>Анализ данных и построение графиков</a:t>
+            </a:r>
+          </a:p>
+        </p:txBody>
+      </p:sp>
+      <p:sp>
+        <p:nvSpPr>
+          <p:cNvPr id="7" name="Скругленный прямоугольник 6"/>
+          <p:cNvSpPr/>
+          <p:nvPr/>
+        </p:nvSpPr>
+        <p:spPr>
+          <a:xfrm>
+            <a:off x="975360" y="5511106"/>
+            <a:ext cx="10241280" cy="656705"/>
+          </a:xfrm>
+          <a:prstGeom prst="roundRect">
+            <a:avLst/>
+          </a:prstGeom>
+          <a:solidFill>
+            <a:srgbClr val="7995C4"/>
+          </a:solidFill>
+          <a:ln>
+            <a:solidFill>
+              <a:schemeClr val="bg1"/>
+            </a:solidFill>
+          </a:ln>
+        </p:spPr>
+        <p:style>
+          <a:lnRef idx="2">
+            <a:schemeClr val="accent1">
+              <a:shade val="50000"/>
+            </a:schemeClr>
+          </a:lnRef>
+          <a:fillRef idx="1">
+            <a:schemeClr val="accent1"/>
+          </a:fillRef>
+          <a:effectRef idx="0">
+            <a:schemeClr val="accent1"/>
+          </a:effectRef>
+          <a:fontRef idx="minor">
+            <a:schemeClr val="lt1"/>
+          </a:fontRef>
+        </p:style>
+        <p:txBody>
+          <a:bodyPr rtlCol="0" anchor="ctr"/>
+          <a:lstStyle/>
+          <a:p>
+            <a:pPr algn="ctr"/>
+            <a:r>
+              <a:rPr lang="ru-RU" dirty="0"/>
+              <a:t>Подготовка презентации</a:t>
+            </a:r>
+          </a:p>
+        </p:txBody>
+      </p:sp>
+      <p:cxnSp>
+        <p:nvCxnSpPr>
+          <p:cNvPr id="10" name="Прямая со стрелкой 9"/>
+          <p:cNvCxnSpPr>
+            <a:stCxn id="4" idx="2"/>
+            <a:endCxn id="5" idx="0"/>
+          </p:cNvCxnSpPr>
+          <p:nvPr/>
+        </p:nvCxnSpPr>
+        <p:spPr>
+          <a:xfrm>
+            <a:off x="6096000" y="2134062"/>
+            <a:ext cx="0" cy="687878"/>
+          </a:xfrm>
+          <a:prstGeom prst="straightConnector1">
+            <a:avLst/>
+          </a:prstGeom>
+          <a:ln>
+            <a:tailEnd type="triangle"/>
+          </a:ln>
+        </p:spPr>
+        <p:style>
+          <a:lnRef idx="1">
+            <a:schemeClr val="accent3"/>
+          </a:lnRef>
+          <a:fillRef idx="0">
+            <a:schemeClr val="accent3"/>
+          </a:fillRef>
+          <a:effectRef idx="0">
+            <a:schemeClr val="accent3"/>
+          </a:effectRef>
+          <a:fontRef idx="minor">
+            <a:schemeClr val="tx1"/>
+          </a:fontRef>
+        </p:style>
+      </p:cxnSp>
+      <p:cxnSp>
+        <p:nvCxnSpPr>
+          <p:cNvPr id="12" name="Прямая со стрелкой 11"/>
+          <p:cNvCxnSpPr/>
+          <p:nvPr/>
+        </p:nvCxnSpPr>
+        <p:spPr>
+          <a:xfrm>
+            <a:off x="6096000" y="3478645"/>
+            <a:ext cx="0" cy="687878"/>
+          </a:xfrm>
+          <a:prstGeom prst="straightConnector1">
+            <a:avLst/>
+          </a:prstGeom>
+          <a:ln>
+            <a:tailEnd type="triangle"/>
+          </a:ln>
+        </p:spPr>
+        <p:style>
+          <a:lnRef idx="1">
+            <a:schemeClr val="accent3"/>
+          </a:lnRef>
+          <a:fillRef idx="0">
+            <a:schemeClr val="accent3"/>
+          </a:fillRef>
+          <a:effectRef idx="0">
+            <a:schemeClr val="accent3"/>
+          </a:effectRef>
+          <a:fontRef idx="minor">
+            <a:schemeClr val="tx1"/>
+          </a:fontRef>
+        </p:style>
+      </p:cxnSp>
+      <p:cxnSp>
+        <p:nvCxnSpPr>
+          <p:cNvPr id="13" name="Прямая со стрелкой 12"/>
+          <p:cNvCxnSpPr/>
+          <p:nvPr/>
+        </p:nvCxnSpPr>
+        <p:spPr>
+          <a:xfrm>
+            <a:off x="6096000" y="4823228"/>
+            <a:ext cx="0" cy="687878"/>
+          </a:xfrm>
+          <a:prstGeom prst="straightConnector1">
+            <a:avLst/>
+          </a:prstGeom>
+          <a:ln>
+            <a:tailEnd type="triangle"/>
+          </a:ln>
+        </p:spPr>
+        <p:style>
+          <a:lnRef idx="1">
+            <a:schemeClr val="accent3"/>
+          </a:lnRef>
+          <a:fillRef idx="0">
+            <a:schemeClr val="accent3"/>
+          </a:fillRef>
+          <a:effectRef idx="0">
+            <a:schemeClr val="accent3"/>
+          </a:effectRef>
+          <a:fontRef idx="minor">
+            <a:schemeClr val="tx1"/>
+          </a:fontRef>
+        </p:style>
+      </p:cxnSp>
+    </p:spTree>
+    <p:extLst>
+      <p:ext uri="{BB962C8B-B14F-4D97-AF65-F5344CB8AC3E}">
+        <p14:creationId xmlns:p14="http://schemas.microsoft.com/office/powerpoint/2010/main" val="336398652"/>
+      </p:ext>
+    </p:extLst>
+  </p:cSld>
+  <p:clrMapOvr>
+    <a:masterClrMapping/>
+  </p:clrMapOvr>
+</p:sld>
+</file>
+
+<file path=ppt/slides/slide5.xml><?xml version="1.0" encoding="utf-8"?>
+<p:sld xmlns:a="http://schemas.openxmlformats.org/drawingml/2006/main" xmlns:r="http://schemas.openxmlformats.org/officeDocument/2006/relationships" xmlns:p="http://schemas.openxmlformats.org/presentationml/2006/main">
+  <p:cSld>
+    <p:spTree>
+      <p:nvGrpSpPr>
+        <p:cNvPr id="1" name=""/>
+        <p:cNvGrpSpPr/>
+        <p:nvPr/>
+      </p:nvGrpSpPr>
+      <p:grpSpPr>
+        <a:xfrm>
+          <a:off x="0" y="0"/>
+          <a:ext cx="0" cy="0"/>
+          <a:chOff x="0" y="0"/>
+          <a:chExt cx="0" cy="0"/>
+        </a:xfrm>
+      </p:grpSpPr>
+      <p:sp>
+        <p:nvSpPr>
+          <p:cNvPr id="2" name="Заголовок 1"/>
+          <p:cNvSpPr>
+            <a:spLocks noGrp="1"/>
+          </p:cNvSpPr>
+          <p:nvPr>
+            <p:ph type="title"/>
+          </p:nvPr>
+        </p:nvSpPr>
+        <p:spPr>
+          <a:xfrm>
+            <a:off x="787400" y="355599"/>
+            <a:ext cx="10515600" cy="1024467"/>
+          </a:xfrm>
+        </p:spPr>
+        <p:txBody>
+          <a:bodyPr>
+            <a:normAutofit fontScale="90000"/>
+          </a:bodyPr>
+          <a:lstStyle/>
+          <a:p>
+            <a:r>
+              <a:rPr lang="ru-RU" sz="4100" dirty="0"/>
+              <a:t>Топ-10 городов России по количеству вакансий </a:t>
+            </a:r>
+            <a:r>
+              <a:rPr lang="en-US" sz="4100" dirty="0"/>
+              <a:t>Python Backend-</a:t>
+            </a:r>
+            <a:r>
+              <a:rPr lang="ru-RU" sz="4100" dirty="0"/>
+              <a:t>разработчик </a:t>
+            </a:r>
+            <a:r>
+              <a:rPr lang="ru-RU" i="1" dirty="0">
+                <a:solidFill>
+                  <a:schemeClr val="tx1">
+                    <a:lumMod val="65000"/>
+                    <a:lumOff val="35000"/>
+                  </a:schemeClr>
+                </a:solidFill>
+              </a:rPr>
+              <a:t/>
+            </a:r>
+            <a:br>
+              <a:rPr lang="ru-RU" i="1" dirty="0">
+                <a:solidFill>
+                  <a:schemeClr val="tx1">
+                    <a:lumMod val="65000"/>
+                    <a:lumOff val="35000"/>
+                  </a:schemeClr>
+                </a:solidFill>
+              </a:rPr>
+            </a:br>
+            <a:endParaRPr lang="ru-RU" dirty="0"/>
+          </a:p>
+        </p:txBody>
+      </p:sp>
+      <p:pic>
+        <p:nvPicPr>
+          <p:cNvPr id="10" name="Рисунок 9"/>
+          <p:cNvPicPr>
+            <a:picLocks noChangeAspect="1"/>
+          </p:cNvPicPr>
+          <p:nvPr/>
+        </p:nvPicPr>
+        <p:blipFill>
+          <a:blip r:embed="rId2">
+            <a:extLst>
+              <a:ext uri="{28A0092B-C50C-407E-A947-70E740481C1C}">
+                <a14:useLocalDpi xmlns:a14="http://schemas.microsoft.com/office/drawing/2010/main" val="0"/>
+              </a:ext>
+            </a:extLst>
+          </a:blip>
+          <a:stretch>
+            <a:fillRect/>
+          </a:stretch>
+        </p:blipFill>
+        <p:spPr>
+          <a:xfrm>
+            <a:off x="7879542" y="1996906"/>
+            <a:ext cx="4115708" cy="3582785"/>
+          </a:xfrm>
+          <a:prstGeom prst="rect">
+            <a:avLst/>
+          </a:prstGeom>
+        </p:spPr>
+      </p:pic>
+      <p:pic>
+        <p:nvPicPr>
+          <p:cNvPr id="12" name="Рисунок 11"/>
+          <p:cNvPicPr>
+            <a:picLocks noChangeAspect="1"/>
+          </p:cNvPicPr>
+          <p:nvPr/>
+        </p:nvPicPr>
+        <p:blipFill>
+          <a:blip r:embed="rId3">
+            <a:extLst>
+              <a:ext uri="{28A0092B-C50C-407E-A947-70E740481C1C}">
+                <a14:useLocalDpi xmlns:a14="http://schemas.microsoft.com/office/drawing/2010/main" val="0"/>
+              </a:ext>
+            </a:extLst>
+          </a:blip>
+          <a:stretch>
+            <a:fillRect/>
+          </a:stretch>
+        </p:blipFill>
+        <p:spPr>
+          <a:xfrm>
+            <a:off x="109579" y="1782619"/>
+            <a:ext cx="7626029" cy="4448848"/>
+          </a:xfrm>
+          <a:prstGeom prst="rect">
+            <a:avLst/>
+          </a:prstGeom>
+        </p:spPr>
+      </p:pic>
+      <p:sp>
+        <p:nvSpPr>
+          <p:cNvPr id="5" name="Скругленный прямоугольник 4"/>
+          <p:cNvSpPr/>
+          <p:nvPr/>
+        </p:nvSpPr>
+        <p:spPr>
+          <a:xfrm>
+            <a:off x="4975782" y="1996906"/>
+            <a:ext cx="2701637" cy="931027"/>
+          </a:xfrm>
+          <a:prstGeom prst="roundRect">
+            <a:avLst/>
+          </a:prstGeom>
+          <a:noFill/>
+          <a:ln>
+            <a:noFill/>
+          </a:ln>
+        </p:spPr>
+        <p:style>
+          <a:lnRef idx="2">
+            <a:schemeClr val="accent1">
+              <a:shade val="50000"/>
+            </a:schemeClr>
+          </a:lnRef>
+          <a:fillRef idx="1">
+            <a:schemeClr val="accent1"/>
+          </a:fillRef>
+          <a:effectRef idx="0">
+            <a:schemeClr val="accent1"/>
+          </a:effectRef>
+          <a:fontRef idx="minor">
+            <a:schemeClr val="lt1"/>
+          </a:fontRef>
+        </p:style>
+        <p:txBody>
+          <a:bodyPr rtlCol="0" anchor="ctr"/>
+          <a:lstStyle/>
+          <a:p>
+            <a:pPr algn="ctr"/>
+            <a:r>
+              <a:rPr lang="ru-RU" dirty="0" smtClean="0">
+                <a:solidFill>
+                  <a:schemeClr val="tx1">
+                    <a:lumMod val="50000"/>
+                    <a:lumOff val="50000"/>
+                  </a:schemeClr>
+                </a:solidFill>
+              </a:rPr>
+              <a:t>Лидером по количеству размещенных вакансий является г. Москва</a:t>
+            </a:r>
+            <a:endParaRPr lang="ru-RU" dirty="0">
+              <a:solidFill>
+                <a:schemeClr val="tx1">
+                  <a:lumMod val="50000"/>
+                  <a:lumOff val="50000"/>
+                </a:schemeClr>
+              </a:solidFill>
+            </a:endParaRPr>
+          </a:p>
+        </p:txBody>
+      </p:sp>
+      <p:sp>
+        <p:nvSpPr>
+          <p:cNvPr id="6" name="Скругленный прямоугольник 5"/>
+          <p:cNvSpPr/>
+          <p:nvPr/>
+        </p:nvSpPr>
+        <p:spPr>
+          <a:xfrm>
+            <a:off x="9418320" y="1507373"/>
+            <a:ext cx="2435629" cy="550491"/>
+          </a:xfrm>
+          <a:prstGeom prst="roundRect">
+            <a:avLst/>
+          </a:prstGeom>
+          <a:noFill/>
+          <a:ln>
+            <a:noFill/>
+          </a:ln>
+        </p:spPr>
+        <p:style>
+          <a:lnRef idx="2">
+            <a:schemeClr val="accent1">
+              <a:shade val="50000"/>
+            </a:schemeClr>
+          </a:lnRef>
+          <a:fillRef idx="1">
+            <a:schemeClr val="accent1"/>
+          </a:fillRef>
+          <a:effectRef idx="0">
+            <a:schemeClr val="accent1"/>
+          </a:effectRef>
+          <a:fontRef idx="minor">
+            <a:schemeClr val="lt1"/>
+          </a:fontRef>
+        </p:style>
+        <p:txBody>
+          <a:bodyPr rtlCol="0" anchor="ctr"/>
+          <a:lstStyle/>
+          <a:p>
+            <a:pPr algn="r"/>
+            <a:r>
+              <a:rPr lang="ru-RU" sz="2000" dirty="0">
+                <a:solidFill>
+                  <a:schemeClr val="tx1">
+                    <a:lumMod val="50000"/>
+                    <a:lumOff val="50000"/>
+                  </a:schemeClr>
+                </a:solidFill>
+              </a:rPr>
+              <a:t>Общее количество вакансий - 909</a:t>
+            </a:r>
+          </a:p>
+        </p:txBody>
+      </p:sp>
+    </p:spTree>
+    <p:extLst>
+      <p:ext uri="{BB962C8B-B14F-4D97-AF65-F5344CB8AC3E}">
+        <p14:creationId xmlns:p14="http://schemas.microsoft.com/office/powerpoint/2010/main" val="2759376095"/>
+      </p:ext>
+    </p:extLst>
+  </p:cSld>
+  <p:clrMapOvr>
+    <a:masterClrMapping/>
+  </p:clrMapOvr>
+  <p:timing>
+    <p:tnLst>
+      <p:par>
+        <p:cTn id="1" dur="indefinite" restart="never" nodeType="tmRoot"/>
+      </p:par>
+    </p:tnLst>
+  </p:timing>
+</p:sld>
+</file>
+
+<file path=ppt/slides/slide6.xml><?xml version="1.0" encoding="utf-8"?>
+<p:sld xmlns:a="http://schemas.openxmlformats.org/drawingml/2006/main" xmlns:r="http://schemas.openxmlformats.org/officeDocument/2006/relationships" xmlns:p="http://schemas.openxmlformats.org/presentationml/2006/main">
+  <p:cSld>
+    <p:spTree>
+      <p:nvGrpSpPr>
+        <p:cNvPr id="1" name=""/>
+        <p:cNvGrpSpPr/>
+        <p:nvPr/>
+      </p:nvGrpSpPr>
+      <p:grpSpPr>
+        <a:xfrm>
+          <a:off x="0" y="0"/>
+          <a:ext cx="0" cy="0"/>
+          <a:chOff x="0" y="0"/>
+          <a:chExt cx="0" cy="0"/>
+        </a:xfrm>
+      </p:grpSpPr>
+      <p:sp>
+        <p:nvSpPr>
+          <p:cNvPr id="2" name="Заголовок 1"/>
+          <p:cNvSpPr>
+            <a:spLocks noGrp="1"/>
+          </p:cNvSpPr>
+          <p:nvPr>
+            <p:ph type="title"/>
+          </p:nvPr>
+        </p:nvSpPr>
+        <p:spPr>
+          <a:xfrm>
+            <a:off x="768458" y="466725"/>
+            <a:ext cx="10515600" cy="752475"/>
+          </a:xfrm>
+        </p:spPr>
+        <p:txBody>
+          <a:bodyPr>
+            <a:normAutofit fontScale="90000"/>
+          </a:bodyPr>
+          <a:lstStyle/>
+          <a:p>
+            <a:r>
+              <a:rPr lang="ru-RU" sz="4100" dirty="0"/>
+              <a:t>Топ-10 работодателей</a:t>
+            </a:r>
+            <a:r>
+              <a:rPr lang="ru-RU" i="1" dirty="0">
+                <a:solidFill>
+                  <a:schemeClr val="tx1">
+                    <a:lumMod val="65000"/>
+                    <a:lumOff val="35000"/>
+                  </a:schemeClr>
+                </a:solidFill>
+              </a:rPr>
+              <a:t/>
+            </a:r>
+            <a:br>
+              <a:rPr lang="ru-RU" i="1" dirty="0">
+                <a:solidFill>
+                  <a:schemeClr val="tx1">
+                    <a:lumMod val="65000"/>
+                    <a:lumOff val="35000"/>
+                  </a:schemeClr>
+                </a:solidFill>
+              </a:rPr>
+            </a:br>
+            <a:endParaRPr lang="ru-RU" dirty="0"/>
+          </a:p>
+        </p:txBody>
+      </p:sp>
+      <p:pic>
+        <p:nvPicPr>
+          <p:cNvPr id="5" name="Рисунок 4"/>
+          <p:cNvPicPr>
+            <a:picLocks noChangeAspect="1"/>
+          </p:cNvPicPr>
+          <p:nvPr/>
+        </p:nvPicPr>
+        <p:blipFill>
+          <a:blip r:embed="rId2">
+            <a:extLst>
+              <a:ext uri="{28A0092B-C50C-407E-A947-70E740481C1C}">
+                <a14:useLocalDpi xmlns:a14="http://schemas.microsoft.com/office/drawing/2010/main" val="0"/>
+              </a:ext>
+            </a:extLst>
+          </a:blip>
+          <a:stretch>
+            <a:fillRect/>
+          </a:stretch>
+        </p:blipFill>
+        <p:spPr>
+          <a:xfrm>
+            <a:off x="1281837" y="1574800"/>
+            <a:ext cx="9488841" cy="4852888"/>
+          </a:xfrm>
+          <a:prstGeom prst="rect">
+            <a:avLst/>
+          </a:prstGeom>
+        </p:spPr>
+      </p:pic>
+      <p:sp>
+        <p:nvSpPr>
+          <p:cNvPr id="6" name="Скругленный прямоугольник 5"/>
+          <p:cNvSpPr/>
+          <p:nvPr/>
+        </p:nvSpPr>
+        <p:spPr>
+          <a:xfrm>
+            <a:off x="6974378" y="1654231"/>
+            <a:ext cx="3466408" cy="1080655"/>
+          </a:xfrm>
+          <a:prstGeom prst="roundRect">
+            <a:avLst/>
+          </a:prstGeom>
+          <a:noFill/>
+          <a:ln>
+            <a:noFill/>
+          </a:ln>
+        </p:spPr>
+        <p:style>
+          <a:lnRef idx="2">
+            <a:schemeClr val="accent1">
+              <a:shade val="50000"/>
+            </a:schemeClr>
+          </a:lnRef>
+          <a:fillRef idx="1">
+            <a:schemeClr val="accent1"/>
+          </a:fillRef>
+          <a:effectRef idx="0">
+            <a:schemeClr val="accent1"/>
+          </a:effectRef>
+          <a:fontRef idx="minor">
+            <a:schemeClr val="lt1"/>
+          </a:fontRef>
+        </p:style>
+        <p:txBody>
+          <a:bodyPr rtlCol="0" anchor="ctr"/>
+          <a:lstStyle/>
+          <a:p>
+            <a:pPr algn="ctr"/>
+            <a:r>
+              <a:rPr lang="ru-RU" dirty="0">
+                <a:solidFill>
+                  <a:schemeClr val="tx1">
+                    <a:lumMod val="50000"/>
+                    <a:lumOff val="50000"/>
+                  </a:schemeClr>
+                </a:solidFill>
+              </a:rPr>
+              <a:t>СБЕР – рекордсмен по количеству размещенных вакансий «</a:t>
+            </a:r>
+            <a:r>
+              <a:rPr lang="en-US">
+                <a:solidFill>
+                  <a:schemeClr val="tx1">
+                    <a:lumMod val="50000"/>
+                    <a:lumOff val="50000"/>
+                  </a:schemeClr>
+                </a:solidFill>
+              </a:rPr>
+              <a:t>Python Backend dev</a:t>
+            </a:r>
+            <a:r>
+              <a:rPr lang="ru-RU">
+                <a:solidFill>
+                  <a:schemeClr val="tx1">
+                    <a:lumMod val="50000"/>
+                    <a:lumOff val="50000"/>
+                  </a:schemeClr>
+                </a:solidFill>
+              </a:rPr>
+              <a:t>»</a:t>
+            </a:r>
+          </a:p>
+        </p:txBody>
+      </p:sp>
+      <p:sp>
+        <p:nvSpPr>
+          <p:cNvPr id="7" name="Скругленный прямоугольник 6"/>
+          <p:cNvSpPr/>
+          <p:nvPr/>
+        </p:nvSpPr>
+        <p:spPr>
+          <a:xfrm>
+            <a:off x="2302625" y="1936865"/>
+            <a:ext cx="548640" cy="440575"/>
+          </a:xfrm>
+          <a:prstGeom prst="roundRect">
+            <a:avLst/>
+          </a:prstGeom>
+          <a:noFill/>
+          <a:ln>
+            <a:noFill/>
+          </a:ln>
+        </p:spPr>
+        <p:style>
+          <a:lnRef idx="2">
+            <a:schemeClr val="accent1">
+              <a:shade val="50000"/>
+            </a:schemeClr>
+          </a:lnRef>
+          <a:fillRef idx="1">
+            <a:schemeClr val="accent1"/>
+          </a:fillRef>
+          <a:effectRef idx="0">
+            <a:schemeClr val="accent1"/>
+          </a:effectRef>
+          <a:fontRef idx="minor">
+            <a:schemeClr val="lt1"/>
+          </a:fontRef>
+        </p:style>
+        <p:txBody>
+          <a:bodyPr rtlCol="0" anchor="ctr"/>
+          <a:lstStyle/>
+          <a:p>
+            <a:pPr algn="ctr"/>
+            <a:r>
+              <a:rPr lang="en-US">
+                <a:ln w="0"/>
+                <a:solidFill>
+                  <a:schemeClr val="tx1">
+                    <a:lumMod val="75000"/>
+                    <a:lumOff val="25000"/>
+                  </a:schemeClr>
+                </a:solidFill>
+                <a:effectLst>
+                  <a:outerShdw blurRad="38100" dist="19050" dir="2700000" algn="tl" rotWithShape="0">
+                    <a:schemeClr val="dk1">
+                      <a:alpha val="40000"/>
+                    </a:schemeClr>
+                  </a:outerShdw>
+                </a:effectLst>
+              </a:rPr>
+              <a:t>32</a:t>
+            </a:r>
+            <a:endParaRPr lang="ru-RU">
+              <a:ln w="0"/>
+              <a:solidFill>
+                <a:schemeClr val="tx1">
+                  <a:lumMod val="75000"/>
+                  <a:lumOff val="25000"/>
+                </a:schemeClr>
+              </a:solidFill>
+              <a:effectLst>
+                <a:outerShdw blurRad="38100" dist="19050" dir="2700000" algn="tl" rotWithShape="0">
+                  <a:schemeClr val="dk1">
+                    <a:alpha val="40000"/>
+                  </a:schemeClr>
+                </a:outerShdw>
+              </a:effectLst>
+            </a:endParaRPr>
+          </a:p>
+        </p:txBody>
+      </p:sp>
+    </p:spTree>
+    <p:extLst>
+      <p:ext uri="{BB962C8B-B14F-4D97-AF65-F5344CB8AC3E}">
+        <p14:creationId xmlns:p14="http://schemas.microsoft.com/office/powerpoint/2010/main" val="3403298184"/>
+      </p:ext>
+    </p:extLst>
+  </p:cSld>
+  <p:clrMapOvr>
+    <a:masterClrMapping/>
+  </p:clrMapOvr>
+  <p:timing>
+    <p:tnLst>
+      <p:par>
+        <p:cTn id="1" dur="indefinite" restart="never" nodeType="tmRoot"/>
+      </p:par>
+    </p:tnLst>
+  </p:timing>
+</p:sld>
+</file>
+
+<file path=ppt/slides/slide7.xml><?xml version="1.0" encoding="utf-8"?>
+<p:sld xmlns:a="http://schemas.openxmlformats.org/drawingml/2006/main" xmlns:r="http://schemas.openxmlformats.org/officeDocument/2006/relationships" xmlns:p="http://schemas.openxmlformats.org/presentationml/2006/main">
+  <p:cSld>
+    <p:spTree>
+      <p:nvGrpSpPr>
+        <p:cNvPr id="1" name=""/>
+        <p:cNvGrpSpPr/>
+        <p:nvPr/>
+      </p:nvGrpSpPr>
+      <p:grpSpPr>
+        <a:xfrm>
+          <a:off x="0" y="0"/>
+          <a:ext cx="0" cy="0"/>
+          <a:chOff x="0" y="0"/>
+          <a:chExt cx="0" cy="0"/>
+        </a:xfrm>
+      </p:grpSpPr>
+      <p:sp>
+        <p:nvSpPr>
+          <p:cNvPr id="2" name="Заголовок 1"/>
+          <p:cNvSpPr>
+            <a:spLocks noGrp="1"/>
+          </p:cNvSpPr>
+          <p:nvPr>
+            <p:ph type="title"/>
+          </p:nvPr>
+        </p:nvSpPr>
+        <p:spPr>
+          <a:xfrm>
+            <a:off x="830451" y="517525"/>
+            <a:ext cx="10515600" cy="752475"/>
+          </a:xfrm>
+        </p:spPr>
+        <p:txBody>
+          <a:bodyPr>
+            <a:normAutofit fontScale="90000"/>
+          </a:bodyPr>
+          <a:lstStyle/>
+          <a:p>
+            <a:r>
+              <a:rPr lang="ru-RU" sz="4100" dirty="0"/>
+              <a:t>Анализ количества вакансий и средних зарплат по формату работы</a:t>
+            </a:r>
+            <a:r>
+              <a:rPr lang="ru-RU" i="1" dirty="0">
+                <a:solidFill>
+                  <a:schemeClr val="tx1">
+                    <a:lumMod val="65000"/>
+                    <a:lumOff val="35000"/>
+                  </a:schemeClr>
+                </a:solidFill>
+              </a:rPr>
+              <a:t/>
+            </a:r>
+            <a:br>
+              <a:rPr lang="ru-RU" i="1" dirty="0">
+                <a:solidFill>
+                  <a:schemeClr val="tx1">
+                    <a:lumMod val="65000"/>
+                    <a:lumOff val="35000"/>
+                  </a:schemeClr>
+                </a:solidFill>
+              </a:rPr>
+            </a:br>
+            <a:endParaRPr lang="ru-RU" dirty="0"/>
+          </a:p>
+        </p:txBody>
+      </p:sp>
+      <p:sp>
+        <p:nvSpPr>
+          <p:cNvPr id="3" name="Объект 2"/>
+          <p:cNvSpPr>
+            <a:spLocks noGrp="1"/>
+          </p:cNvSpPr>
+          <p:nvPr>
+            <p:ph idx="1"/>
+          </p:nvPr>
+        </p:nvSpPr>
+        <p:spPr>
+          <a:xfrm>
+            <a:off x="830451" y="1383923"/>
+            <a:ext cx="10515600" cy="4351338"/>
+          </a:xfrm>
+        </p:spPr>
+        <p:txBody>
+          <a:bodyPr/>
+          <a:lstStyle/>
+          <a:p>
+            <a:endParaRPr lang="ru-RU" i="1" dirty="0">
+              <a:solidFill>
+                <a:schemeClr val="tx1">
+                  <a:lumMod val="65000"/>
+                  <a:lumOff val="35000"/>
+                </a:schemeClr>
+              </a:solidFill>
+            </a:endParaRPr>
+          </a:p>
+          <a:p>
+            <a:pPr marL="0" indent="0">
+              <a:buNone/>
+            </a:pPr>
+            <a:endParaRPr lang="ru-RU" dirty="0"/>
+          </a:p>
+        </p:txBody>
+      </p:sp>
+      <p:pic>
+        <p:nvPicPr>
+          <p:cNvPr id="7" name="Рисунок 6"/>
+          <p:cNvPicPr>
+            <a:picLocks noChangeAspect="1"/>
+          </p:cNvPicPr>
+          <p:nvPr/>
+        </p:nvPicPr>
+        <p:blipFill>
+          <a:blip r:embed="rId2">
+            <a:extLst>
+              <a:ext uri="{28A0092B-C50C-407E-A947-70E740481C1C}">
+                <a14:useLocalDpi xmlns:a14="http://schemas.microsoft.com/office/drawing/2010/main" val="0"/>
+              </a:ext>
+            </a:extLst>
+          </a:blip>
+          <a:stretch>
+            <a:fillRect/>
+          </a:stretch>
+        </p:blipFill>
+        <p:spPr>
+          <a:xfrm>
+            <a:off x="103087" y="2209800"/>
+            <a:ext cx="5918662" cy="3795317"/>
+          </a:xfrm>
+          <a:prstGeom prst="rect">
+            <a:avLst/>
+          </a:prstGeom>
+        </p:spPr>
+      </p:pic>
+      <p:pic>
+        <p:nvPicPr>
+          <p:cNvPr id="8" name="Рисунок 7"/>
+          <p:cNvPicPr>
+            <a:picLocks noChangeAspect="1"/>
+          </p:cNvPicPr>
+          <p:nvPr/>
+        </p:nvPicPr>
+        <p:blipFill>
+          <a:blip r:embed="rId3">
+            <a:extLst>
+              <a:ext uri="{28A0092B-C50C-407E-A947-70E740481C1C}">
+                <a14:useLocalDpi xmlns:a14="http://schemas.microsoft.com/office/drawing/2010/main" val="0"/>
+              </a:ext>
+            </a:extLst>
+          </a:blip>
+          <a:stretch>
+            <a:fillRect/>
+          </a:stretch>
+        </p:blipFill>
+        <p:spPr>
+          <a:xfrm>
+            <a:off x="6209607" y="2318935"/>
+            <a:ext cx="5863808" cy="3416326"/>
+          </a:xfrm>
+          <a:prstGeom prst="rect">
+            <a:avLst/>
+          </a:prstGeom>
+        </p:spPr>
+      </p:pic>
+      <p:graphicFrame>
+        <p:nvGraphicFramePr>
+          <p:cNvPr id="5" name="Таблица 4"/>
+          <p:cNvGraphicFramePr>
+            <a:graphicFrameLocks noGrp="1"/>
+          </p:cNvGraphicFramePr>
+          <p:nvPr>
+            <p:extLst>
+              <p:ext uri="{D42A27DB-BD31-4B8C-83A1-F6EECF244321}">
+                <p14:modId xmlns:p14="http://schemas.microsoft.com/office/powerpoint/2010/main" val="1337331983"/>
+              </p:ext>
+            </p:extLst>
+          </p:nvPr>
+        </p:nvGraphicFramePr>
+        <p:xfrm>
+          <a:off x="548640" y="2717742"/>
+          <a:ext cx="2006600" cy="763905"/>
+        </p:xfrm>
+        <a:graphic>
+          <a:graphicData uri="http://schemas.openxmlformats.org/drawingml/2006/table">
+            <a:tbl>
+              <a:tblPr>
+                <a:tableStyleId>{C083E6E3-FA7D-4D7B-A595-EF9225AFEA82}</a:tableStyleId>
+              </a:tblPr>
+              <a:tblGrid>
+                <a:gridCol w="1206500">
+                  <a:extLst>
+                    <a:ext uri="{9D8B030D-6E8A-4147-A177-3AD203B41FA5}">
+                      <a16:colId xmlns:a16="http://schemas.microsoft.com/office/drawing/2014/main" val="2065413775"/>
+                    </a:ext>
+                  </a:extLst>
+                </a:gridCol>
+                <a:gridCol w="800100">
+                  <a:extLst>
+                    <a:ext uri="{9D8B030D-6E8A-4147-A177-3AD203B41FA5}">
+                      <a16:colId xmlns:a16="http://schemas.microsoft.com/office/drawing/2014/main" val="1413111897"/>
+                    </a:ext>
+                  </a:extLst>
+                </a:gridCol>
+              </a:tblGrid>
+              <a:tr h="0">
+                <a:tc>
+                  <a:txBody>
+                    <a:bodyPr/>
+                    <a:lstStyle/>
+                    <a:p>
+                      <a:pPr algn="ctr" fontAlgn="t"/>
+                      <a:r>
+                        <a:rPr lang="ru-RU" sz="1200" b="1" u="none" strike="noStrike">
+                          <a:effectLst/>
+                        </a:rPr>
+                        <a:t>Формат работы</a:t>
+                      </a:r>
+                      <a:endParaRPr lang="ru-RU" sz="1200" b="1" i="0" u="none" strike="noStrike">
+                        <a:solidFill>
+                          <a:srgbClr val="000000"/>
+                        </a:solidFill>
+                        <a:effectLst/>
+                        <a:latin typeface="Calibri" panose="020F0502020204030204" pitchFamily="34" charset="0"/>
+                      </a:endParaRPr>
+                    </a:p>
+                  </a:txBody>
+                  <a:tcPr marL="9525" marR="9525" marT="9525" marB="0">
+                    <a:solidFill>
+                      <a:schemeClr val="bg1"/>
+                    </a:solidFill>
+                  </a:tcPr>
+                </a:tc>
+                <a:tc>
+                  <a:txBody>
+                    <a:bodyPr/>
+                    <a:lstStyle/>
+                    <a:p>
+                      <a:pPr algn="ctr" fontAlgn="t"/>
+                      <a:r>
+                        <a:rPr lang="ru-RU" sz="1200" b="1" u="none" strike="noStrike" dirty="0">
+                          <a:effectLst/>
+                        </a:rPr>
+                        <a:t>Средняя </a:t>
+                      </a:r>
+                      <a:r>
+                        <a:rPr lang="ru-RU" sz="1200" b="1" u="none" strike="noStrike" dirty="0" err="1">
+                          <a:effectLst/>
+                        </a:rPr>
+                        <a:t>зп</a:t>
+                      </a:r>
+                      <a:endParaRPr lang="ru-RU" sz="1200" b="1" i="0" u="none" strike="noStrike" dirty="0">
+                        <a:solidFill>
+                          <a:srgbClr val="000000"/>
+                        </a:solidFill>
+                        <a:effectLst/>
+                        <a:latin typeface="Calibri" panose="020F0502020204030204" pitchFamily="34" charset="0"/>
+                      </a:endParaRPr>
+                    </a:p>
+                  </a:txBody>
+                  <a:tcPr marL="9525" marR="9525" marT="9525" marB="0">
+                    <a:solidFill>
+                      <a:schemeClr val="bg1"/>
+                    </a:solidFill>
+                  </a:tcPr>
+                </a:tc>
+                <a:extLst>
+                  <a:ext uri="{0D108BD9-81ED-4DB2-BD59-A6C34878D82A}">
+                    <a16:rowId xmlns:a16="http://schemas.microsoft.com/office/drawing/2014/main" val="2811187048"/>
+                  </a:ext>
+                </a:extLst>
+              </a:tr>
+              <a:tr h="190500">
+                <a:tc>
+                  <a:txBody>
+                    <a:bodyPr/>
+                    <a:lstStyle/>
+                    <a:p>
+                      <a:pPr algn="ctr" fontAlgn="t"/>
+                      <a:r>
+                        <a:rPr lang="ru-RU" sz="1100" u="none" strike="noStrike" dirty="0">
+                          <a:effectLst/>
+                        </a:rPr>
+                        <a:t>Гибкий график</a:t>
+                      </a:r>
+                      <a:endParaRPr lang="ru-RU" sz="1100" b="1" i="0" u="none" strike="noStrike" dirty="0">
+                        <a:solidFill>
+                          <a:srgbClr val="000000"/>
+                        </a:solidFill>
+                        <a:effectLst/>
+                        <a:latin typeface="Calibri" panose="020F0502020204030204" pitchFamily="34" charset="0"/>
+                      </a:endParaRPr>
+                    </a:p>
+                  </a:txBody>
+                  <a:tcPr marL="9525" marR="9525" marT="9525" marB="0">
+                    <a:solidFill>
+                      <a:schemeClr val="bg1"/>
+                    </a:solidFill>
+                  </a:tcPr>
+                </a:tc>
+                <a:tc>
+                  <a:txBody>
+                    <a:bodyPr/>
+                    <a:lstStyle/>
+                    <a:p>
+                      <a:pPr algn="r" fontAlgn="b"/>
+                      <a:r>
+                        <a:rPr lang="ru-RU" sz="1100" u="none" strike="noStrike">
+                          <a:effectLst/>
+                        </a:rPr>
+                        <a:t>188 728 ₽</a:t>
+                      </a:r>
+                      <a:endParaRPr lang="ru-RU" sz="1100" b="0" i="0" u="none" strike="noStrike">
+                        <a:solidFill>
+                          <a:srgbClr val="000000"/>
+                        </a:solidFill>
+                        <a:effectLst/>
+                        <a:latin typeface="Calibri" panose="020F0502020204030204" pitchFamily="34" charset="0"/>
+                      </a:endParaRPr>
+                    </a:p>
+                  </a:txBody>
+                  <a:tcPr marL="9525" marR="9525" marT="9525" marB="0" anchor="b">
+                    <a:solidFill>
+                      <a:schemeClr val="bg1"/>
+                    </a:solidFill>
+                  </a:tcPr>
+                </a:tc>
+                <a:extLst>
+                  <a:ext uri="{0D108BD9-81ED-4DB2-BD59-A6C34878D82A}">
+                    <a16:rowId xmlns:a16="http://schemas.microsoft.com/office/drawing/2014/main" val="358328119"/>
+                  </a:ext>
+                </a:extLst>
+              </a:tr>
+              <a:tr h="190500">
+                <a:tc>
+                  <a:txBody>
+                    <a:bodyPr/>
+                    <a:lstStyle/>
+                    <a:p>
+                      <a:pPr algn="ctr" fontAlgn="t"/>
+                      <a:r>
+                        <a:rPr lang="ru-RU" sz="1100" u="none" strike="noStrike" dirty="0">
+                          <a:effectLst/>
+                        </a:rPr>
+                        <a:t>Полный день</a:t>
+                      </a:r>
+                      <a:endParaRPr lang="ru-RU" sz="1100" b="1" i="0" u="none" strike="noStrike" dirty="0">
+                        <a:solidFill>
+                          <a:srgbClr val="000000"/>
+                        </a:solidFill>
+                        <a:effectLst/>
+                        <a:latin typeface="Calibri" panose="020F0502020204030204" pitchFamily="34" charset="0"/>
+                      </a:endParaRPr>
+                    </a:p>
+                  </a:txBody>
+                  <a:tcPr marL="9525" marR="9525" marT="9525" marB="0">
+                    <a:solidFill>
+                      <a:schemeClr val="bg1"/>
+                    </a:solidFill>
+                  </a:tcPr>
+                </a:tc>
+                <a:tc>
+                  <a:txBody>
+                    <a:bodyPr/>
+                    <a:lstStyle/>
+                    <a:p>
+                      <a:pPr algn="r" fontAlgn="b"/>
+                      <a:r>
+                        <a:rPr lang="ru-RU" sz="1100" u="none" strike="noStrike" dirty="0">
+                          <a:effectLst/>
+                        </a:rPr>
+                        <a:t>167 582 ₽</a:t>
+                      </a:r>
+                      <a:endParaRPr lang="ru-RU" sz="1100" b="0" i="0" u="none" strike="noStrike" dirty="0">
+                        <a:solidFill>
+                          <a:srgbClr val="000000"/>
+                        </a:solidFill>
+                        <a:effectLst/>
+                        <a:latin typeface="Calibri" panose="020F0502020204030204" pitchFamily="34" charset="0"/>
+                      </a:endParaRPr>
+                    </a:p>
+                  </a:txBody>
+                  <a:tcPr marL="9525" marR="9525" marT="9525" marB="0" anchor="b">
+                    <a:solidFill>
+                      <a:schemeClr val="bg1"/>
+                    </a:solidFill>
+                  </a:tcPr>
+                </a:tc>
+                <a:extLst>
+                  <a:ext uri="{0D108BD9-81ED-4DB2-BD59-A6C34878D82A}">
+                    <a16:rowId xmlns:a16="http://schemas.microsoft.com/office/drawing/2014/main" val="699116981"/>
+                  </a:ext>
+                </a:extLst>
+              </a:tr>
+              <a:tr h="190500">
+                <a:tc>
+                  <a:txBody>
+                    <a:bodyPr/>
+                    <a:lstStyle/>
+                    <a:p>
+                      <a:pPr algn="ctr" fontAlgn="t"/>
+                      <a:r>
+                        <a:rPr lang="ru-RU" sz="1100" u="none" strike="noStrike">
+                          <a:effectLst/>
+                        </a:rPr>
+                        <a:t>Удаленная работа</a:t>
+                      </a:r>
+                      <a:endParaRPr lang="ru-RU" sz="1100" b="1" i="0" u="none" strike="noStrike">
+                        <a:solidFill>
+                          <a:srgbClr val="000000"/>
+                        </a:solidFill>
+                        <a:effectLst/>
+                        <a:latin typeface="Calibri" panose="020F0502020204030204" pitchFamily="34" charset="0"/>
+                      </a:endParaRPr>
+                    </a:p>
+                  </a:txBody>
+                  <a:tcPr marL="9525" marR="9525" marT="9525" marB="0">
+                    <a:solidFill>
+                      <a:schemeClr val="bg1"/>
+                    </a:solidFill>
+                  </a:tcPr>
+                </a:tc>
+                <a:tc>
+                  <a:txBody>
+                    <a:bodyPr/>
+                    <a:lstStyle/>
+                    <a:p>
+                      <a:pPr algn="r" fontAlgn="b"/>
+                      <a:r>
+                        <a:rPr lang="ru-RU" sz="1100" b="1" u="none" strike="noStrike" dirty="0">
+                          <a:effectLst/>
+                        </a:rPr>
+                        <a:t>198 568 ₽</a:t>
+                      </a:r>
+                      <a:endParaRPr lang="ru-RU" sz="1100" b="1" i="0" u="none" strike="noStrike" dirty="0">
+                        <a:solidFill>
+                          <a:srgbClr val="000000"/>
+                        </a:solidFill>
+                        <a:effectLst/>
+                        <a:latin typeface="Calibri" panose="020F0502020204030204" pitchFamily="34" charset="0"/>
+                      </a:endParaRPr>
+                    </a:p>
+                  </a:txBody>
+                  <a:tcPr marL="9525" marR="9525" marT="9525" marB="0" anchor="b">
+                    <a:solidFill>
+                      <a:schemeClr val="bg1"/>
+                    </a:solidFill>
+                  </a:tcPr>
+                </a:tc>
+                <a:extLst>
+                  <a:ext uri="{0D108BD9-81ED-4DB2-BD59-A6C34878D82A}">
+                    <a16:rowId xmlns:a16="http://schemas.microsoft.com/office/drawing/2014/main" val="1011347963"/>
+                  </a:ext>
+                </a:extLst>
+              </a:tr>
+            </a:tbl>
+          </a:graphicData>
+        </a:graphic>
+      </p:graphicFrame>
+    </p:spTree>
+    <p:extLst>
+      <p:ext uri="{BB962C8B-B14F-4D97-AF65-F5344CB8AC3E}">
+        <p14:creationId xmlns:p14="http://schemas.microsoft.com/office/powerpoint/2010/main" val="1142612502"/>
+      </p:ext>
+    </p:extLst>
+  </p:cSld>
+  <p:clrMapOvr>
+    <a:masterClrMapping/>
+  </p:clrMapOvr>
+  <p:timing>
+    <p:tnLst>
+      <p:par>
+        <p:cTn id="1" dur="indefinite" restart="never" nodeType="tmRoot"/>
+      </p:par>
+    </p:tnLst>
+  </p:timing>
+</p:sld>
+</file>
+
+<file path=ppt/slides/slide8.xml><?xml version="1.0" encoding="utf-8"?>
+<p:sld xmlns:a="http://schemas.openxmlformats.org/drawingml/2006/main" xmlns:r="http://schemas.openxmlformats.org/officeDocument/2006/relationships" xmlns:p="http://schemas.openxmlformats.org/presentationml/2006/main">
+  <p:cSld>
+    <p:spTree>
+      <p:nvGrpSpPr>
+        <p:cNvPr id="1" name=""/>
+        <p:cNvGrpSpPr/>
+        <p:nvPr/>
+      </p:nvGrpSpPr>
+      <p:grpSpPr>
+        <a:xfrm>
+          <a:off x="0" y="0"/>
+          <a:ext cx="0" cy="0"/>
+          <a:chOff x="0" y="0"/>
+          <a:chExt cx="0" cy="0"/>
+        </a:xfrm>
+      </p:grpSpPr>
+      <p:sp>
+        <p:nvSpPr>
+          <p:cNvPr id="2" name="Заголовок 1"/>
+          <p:cNvSpPr>
+            <a:spLocks noGrp="1"/>
+          </p:cNvSpPr>
+          <p:nvPr>
+            <p:ph type="title"/>
+          </p:nvPr>
+        </p:nvSpPr>
+        <p:spPr>
+          <a:xfrm>
+            <a:off x="838200" y="84667"/>
+            <a:ext cx="3835400" cy="1032933"/>
+          </a:xfrm>
+        </p:spPr>
+        <p:txBody>
+          <a:bodyPr>
+            <a:noAutofit/>
+          </a:bodyPr>
+          <a:lstStyle/>
+          <a:p>
+            <a:r>
+              <a:rPr lang="ru-RU" sz="3700" dirty="0"/>
+              <a:t>Анализ зарплат </a:t>
+            </a:r>
+            <a:r>
+              <a:rPr lang="ru-RU" sz="3700" dirty="0"/>
+              <a:t/>
+            </a:r>
+            <a:br>
+              <a:rPr lang="ru-RU" sz="3700" dirty="0"/>
+            </a:br>
+            <a:r>
+              <a:rPr lang="ru-RU" sz="3700" dirty="0"/>
+              <a:t>по </a:t>
+            </a:r>
+            <a:r>
+              <a:rPr lang="ru-RU" sz="3700" dirty="0"/>
+              <a:t>городам</a:t>
+            </a:r>
+          </a:p>
+        </p:txBody>
+      </p:sp>
+      <p:pic>
+        <p:nvPicPr>
+          <p:cNvPr id="6" name="Рисунок 5"/>
+          <p:cNvPicPr>
+            <a:picLocks noChangeAspect="1"/>
+          </p:cNvPicPr>
+          <p:nvPr/>
+        </p:nvPicPr>
+        <p:blipFill>
+          <a:blip r:embed="rId2">
+            <a:extLst>
+              <a:ext uri="{28A0092B-C50C-407E-A947-70E740481C1C}">
+                <a14:useLocalDpi xmlns:a14="http://schemas.microsoft.com/office/drawing/2010/main" val="0"/>
+              </a:ext>
+            </a:extLst>
+          </a:blip>
+          <a:stretch>
+            <a:fillRect/>
+          </a:stretch>
+        </p:blipFill>
+        <p:spPr>
+          <a:xfrm>
+            <a:off x="4455622" y="997528"/>
+            <a:ext cx="6974972" cy="5793971"/>
+          </a:xfrm>
+          <a:prstGeom prst="rect">
+            <a:avLst/>
+          </a:prstGeom>
+        </p:spPr>
+      </p:pic>
+      <p:pic>
+        <p:nvPicPr>
+          <p:cNvPr id="5" name="Рисунок 4"/>
+          <p:cNvPicPr>
+            <a:picLocks noChangeAspect="1"/>
+          </p:cNvPicPr>
+          <p:nvPr/>
+        </p:nvPicPr>
+        <p:blipFill>
+          <a:blip r:embed="rId3">
+            <a:extLst>
+              <a:ext uri="{28A0092B-C50C-407E-A947-70E740481C1C}">
+                <a14:useLocalDpi xmlns:a14="http://schemas.microsoft.com/office/drawing/2010/main" val="0"/>
+              </a:ext>
+            </a:extLst>
+          </a:blip>
+          <a:stretch>
+            <a:fillRect/>
+          </a:stretch>
+        </p:blipFill>
+        <p:spPr>
+          <a:xfrm>
+            <a:off x="982133" y="1312333"/>
+            <a:ext cx="3335867" cy="5299841"/>
+          </a:xfrm>
+          <a:prstGeom prst="rect">
+            <a:avLst/>
+          </a:prstGeom>
+        </p:spPr>
+      </p:pic>
+    </p:spTree>
+    <p:extLst>
+      <p:ext uri="{BB962C8B-B14F-4D97-AF65-F5344CB8AC3E}">
+        <p14:creationId xmlns:p14="http://schemas.microsoft.com/office/powerpoint/2010/main" val="3095051438"/>
+      </p:ext>
+    </p:extLst>
+  </p:cSld>
+  <p:clrMapOvr>
+    <a:masterClrMapping/>
+  </p:clrMapOvr>
+  <p:timing>
+    <p:tnLst>
+      <p:par>
+        <p:cTn id="1" dur="indefinite" restart="never" nodeType="tmRoot"/>
+      </p:par>
+    </p:tnLst>
+  </p:timing>
+</p:sld>
+</file>
+
+<file path=ppt/slides/slide9.xml><?xml version="1.0" encoding="utf-8"?>
+<p:sld xmlns:a="http://schemas.openxmlformats.org/drawingml/2006/main" xmlns:r="http://schemas.openxmlformats.org/officeDocument/2006/relationships" xmlns:p="http://schemas.openxmlformats.org/presentationml/2006/main">
+  <p:cSld>
+    <p:spTree>
+      <p:nvGrpSpPr>
+        <p:cNvPr id="1" name=""/>
+        <p:cNvGrpSpPr/>
+        <p:nvPr/>
+      </p:nvGrpSpPr>
+      <p:grpSpPr>
+        <a:xfrm>
+          <a:off x="0" y="0"/>
+          <a:ext cx="0" cy="0"/>
+          <a:chOff x="0" y="0"/>
+          <a:chExt cx="0" cy="0"/>
+        </a:xfrm>
+      </p:grpSpPr>
+      <p:sp>
+        <p:nvSpPr>
+          <p:cNvPr id="2" name="Заголовок 1"/>
+          <p:cNvSpPr>
+            <a:spLocks noGrp="1"/>
+          </p:cNvSpPr>
+          <p:nvPr>
+            <p:ph type="title"/>
+          </p:nvPr>
+        </p:nvSpPr>
+        <p:spPr>
+          <a:xfrm>
+            <a:off x="764918" y="178859"/>
+            <a:ext cx="10515600" cy="752475"/>
+          </a:xfrm>
+        </p:spPr>
+        <p:txBody>
+          <a:bodyPr>
+            <a:normAutofit/>
+          </a:bodyPr>
+          <a:lstStyle/>
+          <a:p>
+            <a:r>
+              <a:rPr lang="ru-RU" sz="3700" dirty="0"/>
+              <a:t>Ключевые навыки </a:t>
+            </a:r>
+            <a:r>
+              <a:rPr lang="en-US" sz="3700" dirty="0"/>
+              <a:t>Python Backend-</a:t>
+            </a:r>
+            <a:r>
+              <a:rPr lang="ru-RU" sz="3700" dirty="0"/>
+              <a:t>разработчика</a:t>
+            </a:r>
+          </a:p>
+        </p:txBody>
+      </p:sp>
+      <p:pic>
+        <p:nvPicPr>
+          <p:cNvPr id="6" name="Рисунок 5"/>
+          <p:cNvPicPr>
+            <a:picLocks noChangeAspect="1"/>
+          </p:cNvPicPr>
+          <p:nvPr/>
+        </p:nvPicPr>
+        <p:blipFill>
+          <a:blip r:embed="rId2" cstate="print">
+            <a:extLst>
+              <a:ext uri="{28A0092B-C50C-407E-A947-70E740481C1C}">
+                <a14:useLocalDpi xmlns:a14="http://schemas.microsoft.com/office/drawing/2010/main" val="0"/>
+              </a:ext>
+            </a:extLst>
+          </a:blip>
+          <a:stretch>
+            <a:fillRect/>
+          </a:stretch>
+        </p:blipFill>
+        <p:spPr>
+          <a:xfrm>
+            <a:off x="297320" y="1761067"/>
+            <a:ext cx="5190522" cy="4723176"/>
+          </a:xfrm>
+          <a:prstGeom prst="rect">
+            <a:avLst/>
+          </a:prstGeom>
+        </p:spPr>
+      </p:pic>
+      <p:sp>
+        <p:nvSpPr>
+          <p:cNvPr id="5" name="Скругленный прямоугольник 4"/>
+          <p:cNvSpPr/>
+          <p:nvPr/>
+        </p:nvSpPr>
+        <p:spPr>
+          <a:xfrm>
+            <a:off x="3192088" y="1953493"/>
+            <a:ext cx="2086494" cy="831272"/>
+          </a:xfrm>
+          <a:prstGeom prst="roundRect">
+            <a:avLst/>
+          </a:prstGeom>
+          <a:noFill/>
+          <a:ln>
+            <a:noFill/>
+          </a:ln>
+        </p:spPr>
+        <p:style>
+          <a:lnRef idx="2">
+            <a:schemeClr val="accent1">
+              <a:shade val="50000"/>
+            </a:schemeClr>
+          </a:lnRef>
+          <a:fillRef idx="1">
+            <a:schemeClr val="accent1"/>
+          </a:fillRef>
+          <a:effectRef idx="0">
+            <a:schemeClr val="accent1"/>
+          </a:effectRef>
+          <a:fontRef idx="minor">
+            <a:schemeClr val="lt1"/>
+          </a:fontRef>
+        </p:style>
+        <p:txBody>
+          <a:bodyPr rtlCol="0" anchor="ctr"/>
+          <a:lstStyle/>
+          <a:p>
+            <a:pPr algn="ctr"/>
+            <a:r>
+              <a:rPr lang="ru-RU" dirty="0">
+                <a:solidFill>
+                  <a:schemeClr val="tx1">
+                    <a:lumMod val="50000"/>
+                    <a:lumOff val="50000"/>
+                  </a:schemeClr>
+                </a:solidFill>
+              </a:rPr>
+              <a:t>В 62% вакансий требуется знать </a:t>
+            </a:r>
+            <a:r>
+              <a:rPr lang="en-US">
+                <a:solidFill>
+                  <a:schemeClr val="tx1">
+                    <a:lumMod val="50000"/>
+                    <a:lumOff val="50000"/>
+                  </a:schemeClr>
+                </a:solidFill>
+              </a:rPr>
+              <a:t>SQL</a:t>
+            </a:r>
+            <a:endParaRPr lang="ru-RU">
+              <a:solidFill>
+                <a:schemeClr val="tx1">
+                  <a:lumMod val="50000"/>
+                  <a:lumOff val="50000"/>
+                </a:schemeClr>
+              </a:solidFill>
+            </a:endParaRPr>
+          </a:p>
+        </p:txBody>
+      </p:sp>
+      <p:pic>
+        <p:nvPicPr>
+          <p:cNvPr id="7" name="Рисунок 6"/>
+          <p:cNvPicPr>
+            <a:picLocks noChangeAspect="1"/>
+          </p:cNvPicPr>
+          <p:nvPr/>
+        </p:nvPicPr>
+        <p:blipFill>
+          <a:blip r:embed="rId3">
+            <a:extLst>
+              <a:ext uri="{28A0092B-C50C-407E-A947-70E740481C1C}">
+                <a14:useLocalDpi xmlns:a14="http://schemas.microsoft.com/office/drawing/2010/main" val="0"/>
+              </a:ext>
+            </a:extLst>
+          </a:blip>
+          <a:stretch>
+            <a:fillRect/>
+          </a:stretch>
+        </p:blipFill>
+        <p:spPr>
+          <a:xfrm>
+            <a:off x="5947903" y="1761067"/>
+            <a:ext cx="5797980" cy="4372921"/>
+          </a:xfrm>
+          <a:prstGeom prst="rect">
+            <a:avLst/>
+          </a:prstGeom>
+        </p:spPr>
+      </p:pic>
+    </p:spTree>
+    <p:extLst>
+      <p:ext uri="{BB962C8B-B14F-4D97-AF65-F5344CB8AC3E}">
+        <p14:creationId xmlns:p14="http://schemas.microsoft.com/office/powerpoint/2010/main" val="2467624200"/>
       </p:ext>
     </p:extLst>
   </p:cSld>

--- a/Школа_DA_Презентация_проекта.pptx
+++ b/Школа_DA_Презентация_проекта.pptx
@@ -4450,18 +4450,7 @@
                   </a:schemeClr>
                 </a:solidFill>
               </a:rPr>
-              <a:t> </a:t>
-            </a:r>
-            <a:r>
-              <a:rPr lang="ru-RU" i="1" dirty="0" smtClean="0">
-                <a:solidFill>
-                  <a:schemeClr val="tx1">
-                    <a:lumMod val="65000"/>
-                    <a:lumOff val="35000"/>
-                  </a:schemeClr>
-                </a:solidFill>
-              </a:rPr>
-              <a:t>– построение </a:t>
+              <a:t> – построение </a:t>
             </a:r>
             <a:r>
               <a:rPr lang="ru-RU" i="1" smtClean="0">
@@ -4855,10 +4844,10 @@
                   </a:schemeClr>
                 </a:solidFill>
               </a:rPr>
-              <a:t>Самарский Государственный Технический </a:t>
-            </a:r>
-            <a:r>
-              <a:rPr lang="ru-RU" i="1" dirty="0" smtClean="0">
+              <a:t>Самарский Государственный Технический Университет</a:t>
+            </a:r>
+            <a:r>
+              <a:rPr lang="en-US" i="1" dirty="0" smtClean="0">
                 <a:solidFill>
                   <a:schemeClr val="tx1">
                     <a:lumMod val="65000"/>
@@ -4866,10 +4855,10 @@
                   </a:schemeClr>
                 </a:solidFill>
               </a:rPr>
-              <a:t>Университет</a:t>
-            </a:r>
-            <a:r>
-              <a:rPr lang="en-US" i="1" dirty="0" smtClean="0">
+              <a:t>, </a:t>
+            </a:r>
+            <a:r>
+              <a:rPr lang="ru-RU" i="1" dirty="0" smtClean="0">
                 <a:solidFill>
                   <a:schemeClr val="tx1">
                     <a:lumMod val="65000"/>
@@ -4877,10 +4866,10 @@
                   </a:schemeClr>
                 </a:solidFill>
               </a:rPr>
-              <a:t>, </a:t>
-            </a:r>
-            <a:r>
-              <a:rPr lang="ru-RU" i="1" dirty="0" smtClean="0">
+              <a:t>магистр.</a:t>
+            </a:r>
+            <a:r>
+              <a:rPr lang="ru-RU" i="1" dirty="0">
                 <a:solidFill>
                   <a:schemeClr val="tx1">
                     <a:lumMod val="65000"/>
@@ -4888,10 +4877,10 @@
                   </a:schemeClr>
                 </a:solidFill>
               </a:rPr>
-              <a:t>магистр.</a:t>
-            </a:r>
-            <a:r>
-              <a:rPr lang="ru-RU" i="1" dirty="0">
+              <a:t> </a:t>
+            </a:r>
+            <a:r>
+              <a:rPr lang="ru-RU" i="1" dirty="0" smtClean="0">
                 <a:solidFill>
                   <a:schemeClr val="tx1">
                     <a:lumMod val="65000"/>
@@ -4899,29 +4888,7 @@
                   </a:schemeClr>
                 </a:solidFill>
               </a:rPr>
-              <a:t> </a:t>
-            </a:r>
-            <a:r>
-              <a:rPr lang="ru-RU" i="1" dirty="0" smtClean="0">
-                <a:solidFill>
-                  <a:schemeClr val="tx1">
-                    <a:lumMod val="65000"/>
-                    <a:lumOff val="35000"/>
-                  </a:schemeClr>
-                </a:solidFill>
-              </a:rPr>
-              <a:t>Специальность </a:t>
-            </a:r>
-            <a:r>
-              <a:rPr lang="ru-RU" i="1" dirty="0" smtClean="0">
-                <a:solidFill>
-                  <a:schemeClr val="tx1">
-                    <a:lumMod val="65000"/>
-                    <a:lumOff val="35000"/>
-                  </a:schemeClr>
-                </a:solidFill>
-              </a:rPr>
-              <a:t>«Управление в технических системах»</a:t>
+              <a:t>Специальность «Управление в технических системах»</a:t>
             </a:r>
             <a:endParaRPr lang="ru-RU" i="1" dirty="0">
               <a:solidFill>
@@ -6053,8 +6020,8 @@
         </p:blipFill>
         <p:spPr>
           <a:xfrm>
-            <a:off x="1281837" y="1574800"/>
-            <a:ext cx="9488841" cy="4852888"/>
+            <a:off x="467191" y="1936865"/>
+            <a:ext cx="8022182" cy="4102793"/>
           </a:xfrm>
           <a:prstGeom prst="rect">
             <a:avLst/>
@@ -6069,7 +6036,7 @@
         </p:nvSpPr>
         <p:spPr>
           <a:xfrm>
-            <a:off x="6974378" y="1654231"/>
+            <a:off x="4946073" y="2128055"/>
             <a:ext cx="3466408" cy="1080655"/>
           </a:xfrm>
           <a:prstGeom prst="roundRect">
@@ -6113,7 +6080,7 @@
               <a:t>СБЕР – рекордсмен по количеству размещенных вакансий «</a:t>
             </a:r>
             <a:r>
-              <a:rPr lang="en-US">
+              <a:rPr lang="en-US" dirty="0">
                 <a:solidFill>
                   <a:schemeClr val="tx1">
                     <a:lumMod val="50000"/>
@@ -6124,7 +6091,7 @@
               <a:t>Python Backend dev</a:t>
             </a:r>
             <a:r>
-              <a:rPr lang="ru-RU">
+              <a:rPr lang="ru-RU" dirty="0">
                 <a:solidFill>
                   <a:schemeClr val="tx1">
                     <a:lumMod val="50000"/>
@@ -6145,7 +6112,7 @@
         </p:nvSpPr>
         <p:spPr>
           <a:xfrm>
-            <a:off x="2302625" y="1936865"/>
+            <a:off x="1271846" y="2227808"/>
             <a:ext cx="548640" cy="440575"/>
           </a:xfrm>
           <a:prstGeom prst="roundRect">
@@ -6178,7 +6145,7 @@
           <a:p>
             <a:pPr algn="ctr"/>
             <a:r>
-              <a:rPr lang="en-US">
+              <a:rPr lang="en-US" dirty="0">
                 <a:ln w="0"/>
                 <a:solidFill>
                   <a:schemeClr val="tx1">
@@ -6196,7 +6163,7 @@
               </a:rPr>
               <a:t>32</a:t>
             </a:r>
-            <a:endParaRPr lang="ru-RU">
+            <a:endParaRPr lang="ru-RU" dirty="0">
               <a:ln w="0"/>
               <a:solidFill>
                 <a:schemeClr val="tx1">
@@ -6215,6 +6182,36 @@
           </a:p>
         </p:txBody>
       </p:sp>
+      <p:pic>
+        <p:nvPicPr>
+          <p:cNvPr id="8" name="Рисунок 7"/>
+          <p:cNvPicPr>
+            <a:picLocks noChangeAspect="1"/>
+          </p:cNvPicPr>
+          <p:nvPr/>
+        </p:nvPicPr>
+        <p:blipFill>
+          <a:blip r:embed="rId3" cstate="print">
+            <a:extLst>
+              <a:ext uri="{28A0092B-C50C-407E-A947-70E740481C1C}">
+                <a14:useLocalDpi xmlns:a14="http://schemas.microsoft.com/office/drawing/2010/main" val="0"/>
+              </a:ext>
+            </a:extLst>
+          </a:blip>
+          <a:stretch>
+            <a:fillRect/>
+          </a:stretch>
+        </p:blipFill>
+        <p:spPr>
+          <a:xfrm>
+            <a:off x="8955023" y="1936865"/>
+            <a:ext cx="2329035" cy="3700242"/>
+          </a:xfrm>
+          <a:prstGeom prst="rect">
+            <a:avLst/>
+          </a:prstGeom>
+        </p:spPr>
+      </p:pic>
     </p:spTree>
     <p:extLst>
       <p:ext uri="{BB962C8B-B14F-4D97-AF65-F5344CB8AC3E}">
@@ -6757,20 +6754,12 @@
               <a:rPr lang="ru-RU" sz="3700" dirty="0"/>
               <a:t>Анализ зарплат </a:t>
             </a:r>
-            <a:r>
-              <a:rPr lang="ru-RU" sz="3700" dirty="0"/>
-              <a:t/>
-            </a:r>
             <a:br>
               <a:rPr lang="ru-RU" sz="3700" dirty="0"/>
             </a:br>
             <a:r>
               <a:rPr lang="ru-RU" sz="3700" dirty="0"/>
-              <a:t>по </a:t>
-            </a:r>
-            <a:r>
-              <a:rPr lang="ru-RU" sz="3700" dirty="0"/>
-              <a:t>городам</a:t>
+              <a:t>по городам</a:t>
             </a:r>
           </a:p>
         </p:txBody>
@@ -6805,36 +6794,957 @@
           </a:prstGeom>
         </p:spPr>
       </p:pic>
-      <p:pic>
-        <p:nvPicPr>
-          <p:cNvPr id="5" name="Рисунок 4"/>
-          <p:cNvPicPr>
-            <a:picLocks noChangeAspect="1"/>
-          </p:cNvPicPr>
-          <p:nvPr/>
-        </p:nvPicPr>
-        <p:blipFill>
-          <a:blip r:embed="rId3">
-            <a:extLst>
-              <a:ext uri="{28A0092B-C50C-407E-A947-70E740481C1C}">
-                <a14:useLocalDpi xmlns:a14="http://schemas.microsoft.com/office/drawing/2010/main" val="0"/>
-              </a:ext>
-            </a:extLst>
-          </a:blip>
-          <a:stretch>
-            <a:fillRect/>
-          </a:stretch>
-        </p:blipFill>
-        <p:spPr>
-          <a:xfrm>
-            <a:off x="982133" y="1312333"/>
-            <a:ext cx="3335867" cy="5299841"/>
-          </a:xfrm>
-          <a:prstGeom prst="rect">
-            <a:avLst/>
-          </a:prstGeom>
-        </p:spPr>
-      </p:pic>
+      <p:graphicFrame>
+        <p:nvGraphicFramePr>
+          <p:cNvPr id="4" name="Таблица 3"/>
+          <p:cNvGraphicFramePr>
+            <a:graphicFrameLocks noGrp="1"/>
+          </p:cNvGraphicFramePr>
+          <p:nvPr>
+            <p:extLst>
+              <p:ext uri="{D42A27DB-BD31-4B8C-83A1-F6EECF244321}">
+                <p14:modId xmlns:p14="http://schemas.microsoft.com/office/powerpoint/2010/main" val="448277105"/>
+              </p:ext>
+            </p:extLst>
+          </p:nvPr>
+        </p:nvGraphicFramePr>
+        <p:xfrm>
+          <a:off x="980209" y="1712427"/>
+          <a:ext cx="3333404" cy="4364172"/>
+        </p:xfrm>
+        <a:graphic>
+          <a:graphicData uri="http://schemas.openxmlformats.org/drawingml/2006/table">
+            <a:tbl>
+              <a:tblPr>
+                <a:tableStyleId>{5C22544A-7EE6-4342-B048-85BDC9FD1C3A}</a:tableStyleId>
+              </a:tblPr>
+              <a:tblGrid>
+                <a:gridCol w="1666702">
+                  <a:extLst>
+                    <a:ext uri="{9D8B030D-6E8A-4147-A177-3AD203B41FA5}">
+                      <a16:colId xmlns:a16="http://schemas.microsoft.com/office/drawing/2014/main" val="619505348"/>
+                    </a:ext>
+                  </a:extLst>
+                </a:gridCol>
+                <a:gridCol w="1666702">
+                  <a:extLst>
+                    <a:ext uri="{9D8B030D-6E8A-4147-A177-3AD203B41FA5}">
+                      <a16:colId xmlns:a16="http://schemas.microsoft.com/office/drawing/2014/main" val="2231108991"/>
+                    </a:ext>
+                  </a:extLst>
+                </a:gridCol>
+              </a:tblGrid>
+              <a:tr h="256716">
+                <a:tc>
+                  <a:txBody>
+                    <a:bodyPr/>
+                    <a:lstStyle/>
+                    <a:p>
+                      <a:pPr algn="ctr" fontAlgn="t"/>
+                      <a:r>
+                        <a:rPr lang="ru-RU" sz="1400" b="1" u="none" strike="noStrike">
+                          <a:effectLst/>
+                        </a:rPr>
+                        <a:t>Город/Страна</a:t>
+                      </a:r>
+                      <a:endParaRPr lang="ru-RU" sz="1400" b="1" i="0" u="none" strike="noStrike">
+                        <a:solidFill>
+                          <a:srgbClr val="000000"/>
+                        </a:solidFill>
+                        <a:effectLst/>
+                        <a:latin typeface="Calibri" panose="020F0502020204030204" pitchFamily="34" charset="0"/>
+                      </a:endParaRPr>
+                    </a:p>
+                  </a:txBody>
+                  <a:tcPr marL="9525" marR="9525" marT="9525" marB="0"/>
+                </a:tc>
+                <a:tc>
+                  <a:txBody>
+                    <a:bodyPr/>
+                    <a:lstStyle/>
+                    <a:p>
+                      <a:pPr algn="ctr" fontAlgn="t"/>
+                      <a:r>
+                        <a:rPr lang="ru-RU" sz="1400" b="1" u="none" strike="noStrike" dirty="0">
+                          <a:effectLst/>
+                        </a:rPr>
+                        <a:t>Средняя </a:t>
+                      </a:r>
+                      <a:r>
+                        <a:rPr lang="ru-RU" sz="1400" b="1" u="none" strike="noStrike" dirty="0" err="1">
+                          <a:effectLst/>
+                        </a:rPr>
+                        <a:t>зп</a:t>
+                      </a:r>
+                      <a:endParaRPr lang="ru-RU" sz="1400" b="1" i="0" u="none" strike="noStrike" dirty="0">
+                        <a:solidFill>
+                          <a:srgbClr val="000000"/>
+                        </a:solidFill>
+                        <a:effectLst/>
+                        <a:latin typeface="Calibri" panose="020F0502020204030204" pitchFamily="34" charset="0"/>
+                      </a:endParaRPr>
+                    </a:p>
+                  </a:txBody>
+                  <a:tcPr marL="9525" marR="9525" marT="9525" marB="0"/>
+                </a:tc>
+                <a:extLst>
+                  <a:ext uri="{0D108BD9-81ED-4DB2-BD59-A6C34878D82A}">
+                    <a16:rowId xmlns:a16="http://schemas.microsoft.com/office/drawing/2014/main" val="1544437899"/>
+                  </a:ext>
+                </a:extLst>
+              </a:tr>
+              <a:tr h="256716">
+                <a:tc>
+                  <a:txBody>
+                    <a:bodyPr/>
+                    <a:lstStyle/>
+                    <a:p>
+                      <a:pPr algn="ctr" fontAlgn="t"/>
+                      <a:r>
+                        <a:rPr lang="ru-RU" sz="1100" u="none" strike="noStrike">
+                          <a:effectLst/>
+                        </a:rPr>
+                        <a:t>ОАЭ</a:t>
+                      </a:r>
+                      <a:endParaRPr lang="ru-RU" sz="1100" b="1" i="0" u="none" strike="noStrike">
+                        <a:solidFill>
+                          <a:srgbClr val="000000"/>
+                        </a:solidFill>
+                        <a:effectLst/>
+                        <a:latin typeface="Calibri" panose="020F0502020204030204" pitchFamily="34" charset="0"/>
+                      </a:endParaRPr>
+                    </a:p>
+                  </a:txBody>
+                  <a:tcPr marL="9525" marR="9525" marT="9525" marB="0"/>
+                </a:tc>
+                <a:tc>
+                  <a:txBody>
+                    <a:bodyPr/>
+                    <a:lstStyle/>
+                    <a:p>
+                      <a:pPr algn="r" fontAlgn="b"/>
+                      <a:r>
+                        <a:rPr lang="ru-RU" sz="1100" u="none" strike="noStrike">
+                          <a:effectLst/>
+                        </a:rPr>
+                        <a:t>338240</a:t>
+                      </a:r>
+                      <a:endParaRPr lang="ru-RU" sz="1100" b="0" i="0" u="none" strike="noStrike">
+                        <a:solidFill>
+                          <a:srgbClr val="000000"/>
+                        </a:solidFill>
+                        <a:effectLst/>
+                        <a:latin typeface="Calibri" panose="020F0502020204030204" pitchFamily="34" charset="0"/>
+                      </a:endParaRPr>
+                    </a:p>
+                  </a:txBody>
+                  <a:tcPr marL="9525" marR="9525" marT="9525" marB="0" anchor="b"/>
+                </a:tc>
+                <a:extLst>
+                  <a:ext uri="{0D108BD9-81ED-4DB2-BD59-A6C34878D82A}">
+                    <a16:rowId xmlns:a16="http://schemas.microsoft.com/office/drawing/2014/main" val="2182661606"/>
+                  </a:ext>
+                </a:extLst>
+              </a:tr>
+              <a:tr h="256716">
+                <a:tc>
+                  <a:txBody>
+                    <a:bodyPr/>
+                    <a:lstStyle/>
+                    <a:p>
+                      <a:pPr algn="ctr" fontAlgn="t"/>
+                      <a:r>
+                        <a:rPr lang="ru-RU" sz="1100" u="none" strike="noStrike">
+                          <a:effectLst/>
+                        </a:rPr>
+                        <a:t>Батуми</a:t>
+                      </a:r>
+                      <a:endParaRPr lang="ru-RU" sz="1100" b="1" i="0" u="none" strike="noStrike">
+                        <a:solidFill>
+                          <a:srgbClr val="000000"/>
+                        </a:solidFill>
+                        <a:effectLst/>
+                        <a:latin typeface="Calibri" panose="020F0502020204030204" pitchFamily="34" charset="0"/>
+                      </a:endParaRPr>
+                    </a:p>
+                  </a:txBody>
+                  <a:tcPr marL="9525" marR="9525" marT="9525" marB="0"/>
+                </a:tc>
+                <a:tc>
+                  <a:txBody>
+                    <a:bodyPr/>
+                    <a:lstStyle/>
+                    <a:p>
+                      <a:pPr algn="r" fontAlgn="b"/>
+                      <a:r>
+                        <a:rPr lang="ru-RU" sz="1100" u="none" strike="noStrike">
+                          <a:effectLst/>
+                        </a:rPr>
+                        <a:t>301731</a:t>
+                      </a:r>
+                      <a:endParaRPr lang="ru-RU" sz="1100" b="0" i="0" u="none" strike="noStrike">
+                        <a:solidFill>
+                          <a:srgbClr val="000000"/>
+                        </a:solidFill>
+                        <a:effectLst/>
+                        <a:latin typeface="Calibri" panose="020F0502020204030204" pitchFamily="34" charset="0"/>
+                      </a:endParaRPr>
+                    </a:p>
+                  </a:txBody>
+                  <a:tcPr marL="9525" marR="9525" marT="9525" marB="0" anchor="b"/>
+                </a:tc>
+                <a:extLst>
+                  <a:ext uri="{0D108BD9-81ED-4DB2-BD59-A6C34878D82A}">
+                    <a16:rowId xmlns:a16="http://schemas.microsoft.com/office/drawing/2014/main" val="2096617288"/>
+                  </a:ext>
+                </a:extLst>
+              </a:tr>
+              <a:tr h="256716">
+                <a:tc>
+                  <a:txBody>
+                    <a:bodyPr/>
+                    <a:lstStyle/>
+                    <a:p>
+                      <a:pPr algn="ctr" fontAlgn="t"/>
+                      <a:r>
+                        <a:rPr lang="ru-RU" sz="1100" u="none" strike="noStrike">
+                          <a:effectLst/>
+                        </a:rPr>
+                        <a:t>Баку</a:t>
+                      </a:r>
+                      <a:endParaRPr lang="ru-RU" sz="1100" b="1" i="0" u="none" strike="noStrike">
+                        <a:solidFill>
+                          <a:srgbClr val="000000"/>
+                        </a:solidFill>
+                        <a:effectLst/>
+                        <a:latin typeface="Calibri" panose="020F0502020204030204" pitchFamily="34" charset="0"/>
+                      </a:endParaRPr>
+                    </a:p>
+                  </a:txBody>
+                  <a:tcPr marL="9525" marR="9525" marT="9525" marB="0"/>
+                </a:tc>
+                <a:tc>
+                  <a:txBody>
+                    <a:bodyPr/>
+                    <a:lstStyle/>
+                    <a:p>
+                      <a:pPr algn="r" fontAlgn="b"/>
+                      <a:r>
+                        <a:rPr lang="ru-RU" sz="1100" u="none" strike="noStrike">
+                          <a:effectLst/>
+                        </a:rPr>
+                        <a:t>281687,3</a:t>
+                      </a:r>
+                      <a:endParaRPr lang="ru-RU" sz="1100" b="0" i="0" u="none" strike="noStrike">
+                        <a:solidFill>
+                          <a:srgbClr val="000000"/>
+                        </a:solidFill>
+                        <a:effectLst/>
+                        <a:latin typeface="Calibri" panose="020F0502020204030204" pitchFamily="34" charset="0"/>
+                      </a:endParaRPr>
+                    </a:p>
+                  </a:txBody>
+                  <a:tcPr marL="9525" marR="9525" marT="9525" marB="0" anchor="b"/>
+                </a:tc>
+                <a:extLst>
+                  <a:ext uri="{0D108BD9-81ED-4DB2-BD59-A6C34878D82A}">
+                    <a16:rowId xmlns:a16="http://schemas.microsoft.com/office/drawing/2014/main" val="2505684499"/>
+                  </a:ext>
+                </a:extLst>
+              </a:tr>
+              <a:tr h="256716">
+                <a:tc>
+                  <a:txBody>
+                    <a:bodyPr/>
+                    <a:lstStyle/>
+                    <a:p>
+                      <a:pPr algn="ctr" fontAlgn="t"/>
+                      <a:r>
+                        <a:rPr lang="ru-RU" sz="1100" u="none" strike="noStrike">
+                          <a:effectLst/>
+                        </a:rPr>
+                        <a:t>Минск</a:t>
+                      </a:r>
+                      <a:endParaRPr lang="ru-RU" sz="1100" b="1" i="0" u="none" strike="noStrike">
+                        <a:solidFill>
+                          <a:srgbClr val="000000"/>
+                        </a:solidFill>
+                        <a:effectLst/>
+                        <a:latin typeface="Calibri" panose="020F0502020204030204" pitchFamily="34" charset="0"/>
+                      </a:endParaRPr>
+                    </a:p>
+                  </a:txBody>
+                  <a:tcPr marL="9525" marR="9525" marT="9525" marB="0"/>
+                </a:tc>
+                <a:tc>
+                  <a:txBody>
+                    <a:bodyPr/>
+                    <a:lstStyle/>
+                    <a:p>
+                      <a:pPr algn="r" fontAlgn="b"/>
+                      <a:r>
+                        <a:rPr lang="ru-RU" sz="1100" u="none" strike="noStrike">
+                          <a:effectLst/>
+                        </a:rPr>
+                        <a:t>271800</a:t>
+                      </a:r>
+                      <a:endParaRPr lang="ru-RU" sz="1100" b="0" i="0" u="none" strike="noStrike">
+                        <a:solidFill>
+                          <a:srgbClr val="000000"/>
+                        </a:solidFill>
+                        <a:effectLst/>
+                        <a:latin typeface="Calibri" panose="020F0502020204030204" pitchFamily="34" charset="0"/>
+                      </a:endParaRPr>
+                    </a:p>
+                  </a:txBody>
+                  <a:tcPr marL="9525" marR="9525" marT="9525" marB="0" anchor="b"/>
+                </a:tc>
+                <a:extLst>
+                  <a:ext uri="{0D108BD9-81ED-4DB2-BD59-A6C34878D82A}">
+                    <a16:rowId xmlns:a16="http://schemas.microsoft.com/office/drawing/2014/main" val="4066159503"/>
+                  </a:ext>
+                </a:extLst>
+              </a:tr>
+              <a:tr h="256716">
+                <a:tc>
+                  <a:txBody>
+                    <a:bodyPr/>
+                    <a:lstStyle/>
+                    <a:p>
+                      <a:pPr algn="ctr" fontAlgn="t"/>
+                      <a:r>
+                        <a:rPr lang="ru-RU" sz="1100" u="none" strike="noStrike">
+                          <a:effectLst/>
+                        </a:rPr>
+                        <a:t>Сербия</a:t>
+                      </a:r>
+                      <a:endParaRPr lang="ru-RU" sz="1100" b="1" i="0" u="none" strike="noStrike">
+                        <a:solidFill>
+                          <a:srgbClr val="000000"/>
+                        </a:solidFill>
+                        <a:effectLst/>
+                        <a:latin typeface="Calibri" panose="020F0502020204030204" pitchFamily="34" charset="0"/>
+                      </a:endParaRPr>
+                    </a:p>
+                  </a:txBody>
+                  <a:tcPr marL="9525" marR="9525" marT="9525" marB="0"/>
+                </a:tc>
+                <a:tc>
+                  <a:txBody>
+                    <a:bodyPr/>
+                    <a:lstStyle/>
+                    <a:p>
+                      <a:pPr algn="r" fontAlgn="b"/>
+                      <a:r>
+                        <a:rPr lang="ru-RU" sz="1100" u="none" strike="noStrike">
+                          <a:effectLst/>
+                        </a:rPr>
+                        <a:t>265734</a:t>
+                      </a:r>
+                      <a:endParaRPr lang="ru-RU" sz="1100" b="0" i="0" u="none" strike="noStrike">
+                        <a:solidFill>
+                          <a:srgbClr val="000000"/>
+                        </a:solidFill>
+                        <a:effectLst/>
+                        <a:latin typeface="Calibri" panose="020F0502020204030204" pitchFamily="34" charset="0"/>
+                      </a:endParaRPr>
+                    </a:p>
+                  </a:txBody>
+                  <a:tcPr marL="9525" marR="9525" marT="9525" marB="0" anchor="b"/>
+                </a:tc>
+                <a:extLst>
+                  <a:ext uri="{0D108BD9-81ED-4DB2-BD59-A6C34878D82A}">
+                    <a16:rowId xmlns:a16="http://schemas.microsoft.com/office/drawing/2014/main" val="4039281491"/>
+                  </a:ext>
+                </a:extLst>
+              </a:tr>
+              <a:tr h="256716">
+                <a:tc>
+                  <a:txBody>
+                    <a:bodyPr/>
+                    <a:lstStyle/>
+                    <a:p>
+                      <a:pPr algn="ctr" fontAlgn="t"/>
+                      <a:r>
+                        <a:rPr lang="ru-RU" sz="1100" u="none" strike="noStrike">
+                          <a:effectLst/>
+                        </a:rPr>
+                        <a:t>Томск</a:t>
+                      </a:r>
+                      <a:endParaRPr lang="ru-RU" sz="1100" b="1" i="0" u="none" strike="noStrike">
+                        <a:solidFill>
+                          <a:srgbClr val="000000"/>
+                        </a:solidFill>
+                        <a:effectLst/>
+                        <a:latin typeface="Calibri" panose="020F0502020204030204" pitchFamily="34" charset="0"/>
+                      </a:endParaRPr>
+                    </a:p>
+                  </a:txBody>
+                  <a:tcPr marL="9525" marR="9525" marT="9525" marB="0"/>
+                </a:tc>
+                <a:tc>
+                  <a:txBody>
+                    <a:bodyPr/>
+                    <a:lstStyle/>
+                    <a:p>
+                      <a:pPr algn="r" fontAlgn="b"/>
+                      <a:r>
+                        <a:rPr lang="ru-RU" sz="1100" u="none" strike="noStrike">
+                          <a:effectLst/>
+                        </a:rPr>
+                        <a:t>250000</a:t>
+                      </a:r>
+                      <a:endParaRPr lang="ru-RU" sz="1100" b="0" i="0" u="none" strike="noStrike">
+                        <a:solidFill>
+                          <a:srgbClr val="000000"/>
+                        </a:solidFill>
+                        <a:effectLst/>
+                        <a:latin typeface="Calibri" panose="020F0502020204030204" pitchFamily="34" charset="0"/>
+                      </a:endParaRPr>
+                    </a:p>
+                  </a:txBody>
+                  <a:tcPr marL="9525" marR="9525" marT="9525" marB="0" anchor="b"/>
+                </a:tc>
+                <a:extLst>
+                  <a:ext uri="{0D108BD9-81ED-4DB2-BD59-A6C34878D82A}">
+                    <a16:rowId xmlns:a16="http://schemas.microsoft.com/office/drawing/2014/main" val="1730777682"/>
+                  </a:ext>
+                </a:extLst>
+              </a:tr>
+              <a:tr h="256716">
+                <a:tc>
+                  <a:txBody>
+                    <a:bodyPr/>
+                    <a:lstStyle/>
+                    <a:p>
+                      <a:pPr algn="ctr" fontAlgn="t"/>
+                      <a:r>
+                        <a:rPr lang="ru-RU" sz="1100" u="none" strike="noStrike">
+                          <a:effectLst/>
+                        </a:rPr>
+                        <a:t>Тбилиси</a:t>
+                      </a:r>
+                      <a:endParaRPr lang="ru-RU" sz="1100" b="1" i="0" u="none" strike="noStrike">
+                        <a:solidFill>
+                          <a:srgbClr val="000000"/>
+                        </a:solidFill>
+                        <a:effectLst/>
+                        <a:latin typeface="Calibri" panose="020F0502020204030204" pitchFamily="34" charset="0"/>
+                      </a:endParaRPr>
+                    </a:p>
+                  </a:txBody>
+                  <a:tcPr marL="9525" marR="9525" marT="9525" marB="0"/>
+                </a:tc>
+                <a:tc>
+                  <a:txBody>
+                    <a:bodyPr/>
+                    <a:lstStyle/>
+                    <a:p>
+                      <a:pPr algn="r" fontAlgn="b"/>
+                      <a:r>
+                        <a:rPr lang="ru-RU" sz="1100" u="none" strike="noStrike">
+                          <a:effectLst/>
+                        </a:rPr>
+                        <a:t>217106,2</a:t>
+                      </a:r>
+                      <a:endParaRPr lang="ru-RU" sz="1100" b="0" i="0" u="none" strike="noStrike">
+                        <a:solidFill>
+                          <a:srgbClr val="000000"/>
+                        </a:solidFill>
+                        <a:effectLst/>
+                        <a:latin typeface="Calibri" panose="020F0502020204030204" pitchFamily="34" charset="0"/>
+                      </a:endParaRPr>
+                    </a:p>
+                  </a:txBody>
+                  <a:tcPr marL="9525" marR="9525" marT="9525" marB="0" anchor="b"/>
+                </a:tc>
+                <a:extLst>
+                  <a:ext uri="{0D108BD9-81ED-4DB2-BD59-A6C34878D82A}">
+                    <a16:rowId xmlns:a16="http://schemas.microsoft.com/office/drawing/2014/main" val="2562839736"/>
+                  </a:ext>
+                </a:extLst>
+              </a:tr>
+              <a:tr h="256716">
+                <a:tc>
+                  <a:txBody>
+                    <a:bodyPr/>
+                    <a:lstStyle/>
+                    <a:p>
+                      <a:pPr algn="ctr" fontAlgn="t"/>
+                      <a:r>
+                        <a:rPr lang="ru-RU" sz="1100" u="none" strike="noStrike">
+                          <a:effectLst/>
+                        </a:rPr>
+                        <a:t>Москва</a:t>
+                      </a:r>
+                      <a:endParaRPr lang="ru-RU" sz="1100" b="1" i="0" u="none" strike="noStrike">
+                        <a:solidFill>
+                          <a:srgbClr val="000000"/>
+                        </a:solidFill>
+                        <a:effectLst/>
+                        <a:latin typeface="Calibri" panose="020F0502020204030204" pitchFamily="34" charset="0"/>
+                      </a:endParaRPr>
+                    </a:p>
+                  </a:txBody>
+                  <a:tcPr marL="9525" marR="9525" marT="9525" marB="0"/>
+                </a:tc>
+                <a:tc>
+                  <a:txBody>
+                    <a:bodyPr/>
+                    <a:lstStyle/>
+                    <a:p>
+                      <a:pPr algn="r" fontAlgn="b"/>
+                      <a:r>
+                        <a:rPr lang="ru-RU" sz="1100" u="none" strike="noStrike">
+                          <a:effectLst/>
+                        </a:rPr>
+                        <a:t>213313,3</a:t>
+                      </a:r>
+                      <a:endParaRPr lang="ru-RU" sz="1100" b="0" i="0" u="none" strike="noStrike">
+                        <a:solidFill>
+                          <a:srgbClr val="000000"/>
+                        </a:solidFill>
+                        <a:effectLst/>
+                        <a:latin typeface="Calibri" panose="020F0502020204030204" pitchFamily="34" charset="0"/>
+                      </a:endParaRPr>
+                    </a:p>
+                  </a:txBody>
+                  <a:tcPr marL="9525" marR="9525" marT="9525" marB="0" anchor="b"/>
+                </a:tc>
+                <a:extLst>
+                  <a:ext uri="{0D108BD9-81ED-4DB2-BD59-A6C34878D82A}">
+                    <a16:rowId xmlns:a16="http://schemas.microsoft.com/office/drawing/2014/main" val="3714245417"/>
+                  </a:ext>
+                </a:extLst>
+              </a:tr>
+              <a:tr h="256716">
+                <a:tc>
+                  <a:txBody>
+                    <a:bodyPr/>
+                    <a:lstStyle/>
+                    <a:p>
+                      <a:pPr algn="ctr" fontAlgn="t"/>
+                      <a:r>
+                        <a:rPr lang="ru-RU" sz="1100" u="none" strike="noStrike">
+                          <a:effectLst/>
+                        </a:rPr>
+                        <a:t>Астана</a:t>
+                      </a:r>
+                      <a:endParaRPr lang="ru-RU" sz="1100" b="1" i="0" u="none" strike="noStrike">
+                        <a:solidFill>
+                          <a:srgbClr val="000000"/>
+                        </a:solidFill>
+                        <a:effectLst/>
+                        <a:latin typeface="Calibri" panose="020F0502020204030204" pitchFamily="34" charset="0"/>
+                      </a:endParaRPr>
+                    </a:p>
+                  </a:txBody>
+                  <a:tcPr marL="9525" marR="9525" marT="9525" marB="0"/>
+                </a:tc>
+                <a:tc>
+                  <a:txBody>
+                    <a:bodyPr/>
+                    <a:lstStyle/>
+                    <a:p>
+                      <a:pPr algn="r" fontAlgn="b"/>
+                      <a:r>
+                        <a:rPr lang="ru-RU" sz="1100" u="none" strike="noStrike">
+                          <a:effectLst/>
+                        </a:rPr>
+                        <a:t>192380</a:t>
+                      </a:r>
+                      <a:endParaRPr lang="ru-RU" sz="1100" b="0" i="0" u="none" strike="noStrike">
+                        <a:solidFill>
+                          <a:srgbClr val="000000"/>
+                        </a:solidFill>
+                        <a:effectLst/>
+                        <a:latin typeface="Calibri" panose="020F0502020204030204" pitchFamily="34" charset="0"/>
+                      </a:endParaRPr>
+                    </a:p>
+                  </a:txBody>
+                  <a:tcPr marL="9525" marR="9525" marT="9525" marB="0" anchor="b"/>
+                </a:tc>
+                <a:extLst>
+                  <a:ext uri="{0D108BD9-81ED-4DB2-BD59-A6C34878D82A}">
+                    <a16:rowId xmlns:a16="http://schemas.microsoft.com/office/drawing/2014/main" val="415235064"/>
+                  </a:ext>
+                </a:extLst>
+              </a:tr>
+              <a:tr h="256716">
+                <a:tc>
+                  <a:txBody>
+                    <a:bodyPr/>
+                    <a:lstStyle/>
+                    <a:p>
+                      <a:pPr algn="ctr" fontAlgn="t"/>
+                      <a:r>
+                        <a:rPr lang="ru-RU" sz="1100" u="none" strike="noStrike">
+                          <a:effectLst/>
+                        </a:rPr>
+                        <a:t>Санкт-Петербург</a:t>
+                      </a:r>
+                      <a:endParaRPr lang="ru-RU" sz="1100" b="1" i="0" u="none" strike="noStrike">
+                        <a:solidFill>
+                          <a:srgbClr val="000000"/>
+                        </a:solidFill>
+                        <a:effectLst/>
+                        <a:latin typeface="Calibri" panose="020F0502020204030204" pitchFamily="34" charset="0"/>
+                      </a:endParaRPr>
+                    </a:p>
+                  </a:txBody>
+                  <a:tcPr marL="9525" marR="9525" marT="9525" marB="0"/>
+                </a:tc>
+                <a:tc>
+                  <a:txBody>
+                    <a:bodyPr/>
+                    <a:lstStyle/>
+                    <a:p>
+                      <a:pPr algn="r" fontAlgn="b"/>
+                      <a:r>
+                        <a:rPr lang="ru-RU" sz="1100" u="none" strike="noStrike">
+                          <a:effectLst/>
+                        </a:rPr>
+                        <a:t>186740,7</a:t>
+                      </a:r>
+                      <a:endParaRPr lang="ru-RU" sz="1100" b="0" i="0" u="none" strike="noStrike">
+                        <a:solidFill>
+                          <a:srgbClr val="000000"/>
+                        </a:solidFill>
+                        <a:effectLst/>
+                        <a:latin typeface="Calibri" panose="020F0502020204030204" pitchFamily="34" charset="0"/>
+                      </a:endParaRPr>
+                    </a:p>
+                  </a:txBody>
+                  <a:tcPr marL="9525" marR="9525" marT="9525" marB="0" anchor="b"/>
+                </a:tc>
+                <a:extLst>
+                  <a:ext uri="{0D108BD9-81ED-4DB2-BD59-A6C34878D82A}">
+                    <a16:rowId xmlns:a16="http://schemas.microsoft.com/office/drawing/2014/main" val="239021237"/>
+                  </a:ext>
+                </a:extLst>
+              </a:tr>
+              <a:tr h="256716">
+                <a:tc>
+                  <a:txBody>
+                    <a:bodyPr/>
+                    <a:lstStyle/>
+                    <a:p>
+                      <a:pPr algn="ctr" fontAlgn="t"/>
+                      <a:r>
+                        <a:rPr lang="ru-RU" sz="1100" u="none" strike="noStrike">
+                          <a:effectLst/>
+                        </a:rPr>
+                        <a:t>Новосибирск</a:t>
+                      </a:r>
+                      <a:endParaRPr lang="ru-RU" sz="1100" b="1" i="0" u="none" strike="noStrike">
+                        <a:solidFill>
+                          <a:srgbClr val="000000"/>
+                        </a:solidFill>
+                        <a:effectLst/>
+                        <a:latin typeface="Calibri" panose="020F0502020204030204" pitchFamily="34" charset="0"/>
+                      </a:endParaRPr>
+                    </a:p>
+                  </a:txBody>
+                  <a:tcPr marL="9525" marR="9525" marT="9525" marB="0"/>
+                </a:tc>
+                <a:tc>
+                  <a:txBody>
+                    <a:bodyPr/>
+                    <a:lstStyle/>
+                    <a:p>
+                      <a:pPr algn="r" fontAlgn="b"/>
+                      <a:r>
+                        <a:rPr lang="ru-RU" sz="1100" u="none" strike="noStrike">
+                          <a:effectLst/>
+                        </a:rPr>
+                        <a:t>159371,4</a:t>
+                      </a:r>
+                      <a:endParaRPr lang="ru-RU" sz="1100" b="0" i="0" u="none" strike="noStrike">
+                        <a:solidFill>
+                          <a:srgbClr val="000000"/>
+                        </a:solidFill>
+                        <a:effectLst/>
+                        <a:latin typeface="Calibri" panose="020F0502020204030204" pitchFamily="34" charset="0"/>
+                      </a:endParaRPr>
+                    </a:p>
+                  </a:txBody>
+                  <a:tcPr marL="9525" marR="9525" marT="9525" marB="0" anchor="b"/>
+                </a:tc>
+                <a:extLst>
+                  <a:ext uri="{0D108BD9-81ED-4DB2-BD59-A6C34878D82A}">
+                    <a16:rowId xmlns:a16="http://schemas.microsoft.com/office/drawing/2014/main" val="1811239435"/>
+                  </a:ext>
+                </a:extLst>
+              </a:tr>
+              <a:tr h="256716">
+                <a:tc>
+                  <a:txBody>
+                    <a:bodyPr/>
+                    <a:lstStyle/>
+                    <a:p>
+                      <a:pPr algn="ctr" fontAlgn="t"/>
+                      <a:r>
+                        <a:rPr lang="ru-RU" sz="1100" u="none" strike="noStrike">
+                          <a:effectLst/>
+                        </a:rPr>
+                        <a:t>Казань</a:t>
+                      </a:r>
+                      <a:endParaRPr lang="ru-RU" sz="1100" b="1" i="0" u="none" strike="noStrike">
+                        <a:solidFill>
+                          <a:srgbClr val="000000"/>
+                        </a:solidFill>
+                        <a:effectLst/>
+                        <a:latin typeface="Calibri" panose="020F0502020204030204" pitchFamily="34" charset="0"/>
+                      </a:endParaRPr>
+                    </a:p>
+                  </a:txBody>
+                  <a:tcPr marL="9525" marR="9525" marT="9525" marB="0"/>
+                </a:tc>
+                <a:tc>
+                  <a:txBody>
+                    <a:bodyPr/>
+                    <a:lstStyle/>
+                    <a:p>
+                      <a:pPr algn="r" fontAlgn="b"/>
+                      <a:r>
+                        <a:rPr lang="ru-RU" sz="1100" u="none" strike="noStrike">
+                          <a:effectLst/>
+                        </a:rPr>
+                        <a:t>146428,6</a:t>
+                      </a:r>
+                      <a:endParaRPr lang="ru-RU" sz="1100" b="0" i="0" u="none" strike="noStrike">
+                        <a:solidFill>
+                          <a:srgbClr val="000000"/>
+                        </a:solidFill>
+                        <a:effectLst/>
+                        <a:latin typeface="Calibri" panose="020F0502020204030204" pitchFamily="34" charset="0"/>
+                      </a:endParaRPr>
+                    </a:p>
+                  </a:txBody>
+                  <a:tcPr marL="9525" marR="9525" marT="9525" marB="0" anchor="b"/>
+                </a:tc>
+                <a:extLst>
+                  <a:ext uri="{0D108BD9-81ED-4DB2-BD59-A6C34878D82A}">
+                    <a16:rowId xmlns:a16="http://schemas.microsoft.com/office/drawing/2014/main" val="2039834544"/>
+                  </a:ext>
+                </a:extLst>
+              </a:tr>
+              <a:tr h="256716">
+                <a:tc>
+                  <a:txBody>
+                    <a:bodyPr/>
+                    <a:lstStyle/>
+                    <a:p>
+                      <a:pPr algn="ctr" fontAlgn="t"/>
+                      <a:r>
+                        <a:rPr lang="ru-RU" sz="1100" u="none" strike="noStrike">
+                          <a:effectLst/>
+                        </a:rPr>
+                        <a:t>Ростов-на-Дону</a:t>
+                      </a:r>
+                      <a:endParaRPr lang="ru-RU" sz="1100" b="1" i="0" u="none" strike="noStrike">
+                        <a:solidFill>
+                          <a:srgbClr val="000000"/>
+                        </a:solidFill>
+                        <a:effectLst/>
+                        <a:latin typeface="Calibri" panose="020F0502020204030204" pitchFamily="34" charset="0"/>
+                      </a:endParaRPr>
+                    </a:p>
+                  </a:txBody>
+                  <a:tcPr marL="9525" marR="9525" marT="9525" marB="0"/>
+                </a:tc>
+                <a:tc>
+                  <a:txBody>
+                    <a:bodyPr/>
+                    <a:lstStyle/>
+                    <a:p>
+                      <a:pPr algn="r" fontAlgn="b"/>
+                      <a:r>
+                        <a:rPr lang="ru-RU" sz="1100" u="none" strike="noStrike">
+                          <a:effectLst/>
+                        </a:rPr>
+                        <a:t>142000</a:t>
+                      </a:r>
+                      <a:endParaRPr lang="ru-RU" sz="1100" b="0" i="0" u="none" strike="noStrike">
+                        <a:solidFill>
+                          <a:srgbClr val="000000"/>
+                        </a:solidFill>
+                        <a:effectLst/>
+                        <a:latin typeface="Calibri" panose="020F0502020204030204" pitchFamily="34" charset="0"/>
+                      </a:endParaRPr>
+                    </a:p>
+                  </a:txBody>
+                  <a:tcPr marL="9525" marR="9525" marT="9525" marB="0" anchor="b"/>
+                </a:tc>
+                <a:extLst>
+                  <a:ext uri="{0D108BD9-81ED-4DB2-BD59-A6C34878D82A}">
+                    <a16:rowId xmlns:a16="http://schemas.microsoft.com/office/drawing/2014/main" val="2854345085"/>
+                  </a:ext>
+                </a:extLst>
+              </a:tr>
+              <a:tr h="256716">
+                <a:tc>
+                  <a:txBody>
+                    <a:bodyPr/>
+                    <a:lstStyle/>
+                    <a:p>
+                      <a:pPr algn="ctr" fontAlgn="t"/>
+                      <a:r>
+                        <a:rPr lang="ru-RU" sz="1100" u="none" strike="noStrike">
+                          <a:effectLst/>
+                        </a:rPr>
+                        <a:t>Алматы</a:t>
+                      </a:r>
+                      <a:endParaRPr lang="ru-RU" sz="1100" b="1" i="0" u="none" strike="noStrike">
+                        <a:solidFill>
+                          <a:srgbClr val="000000"/>
+                        </a:solidFill>
+                        <a:effectLst/>
+                        <a:latin typeface="Calibri" panose="020F0502020204030204" pitchFamily="34" charset="0"/>
+                      </a:endParaRPr>
+                    </a:p>
+                  </a:txBody>
+                  <a:tcPr marL="9525" marR="9525" marT="9525" marB="0"/>
+                </a:tc>
+                <a:tc>
+                  <a:txBody>
+                    <a:bodyPr/>
+                    <a:lstStyle/>
+                    <a:p>
+                      <a:pPr algn="r" fontAlgn="b"/>
+                      <a:r>
+                        <a:rPr lang="ru-RU" sz="1100" u="none" strike="noStrike">
+                          <a:effectLst/>
+                        </a:rPr>
+                        <a:t>83213,89</a:t>
+                      </a:r>
+                      <a:endParaRPr lang="ru-RU" sz="1100" b="0" i="0" u="none" strike="noStrike">
+                        <a:solidFill>
+                          <a:srgbClr val="000000"/>
+                        </a:solidFill>
+                        <a:effectLst/>
+                        <a:latin typeface="Calibri" panose="020F0502020204030204" pitchFamily="34" charset="0"/>
+                      </a:endParaRPr>
+                    </a:p>
+                  </a:txBody>
+                  <a:tcPr marL="9525" marR="9525" marT="9525" marB="0" anchor="b"/>
+                </a:tc>
+                <a:extLst>
+                  <a:ext uri="{0D108BD9-81ED-4DB2-BD59-A6C34878D82A}">
+                    <a16:rowId xmlns:a16="http://schemas.microsoft.com/office/drawing/2014/main" val="3346990178"/>
+                  </a:ext>
+                </a:extLst>
+              </a:tr>
+              <a:tr h="256716">
+                <a:tc>
+                  <a:txBody>
+                    <a:bodyPr/>
+                    <a:lstStyle/>
+                    <a:p>
+                      <a:pPr algn="ctr" fontAlgn="t"/>
+                      <a:r>
+                        <a:rPr lang="ru-RU" sz="1100" u="none" strike="noStrike">
+                          <a:effectLst/>
+                        </a:rPr>
+                        <a:t>Екатеринбург</a:t>
+                      </a:r>
+                      <a:endParaRPr lang="ru-RU" sz="1100" b="1" i="0" u="none" strike="noStrike">
+                        <a:solidFill>
+                          <a:srgbClr val="000000"/>
+                        </a:solidFill>
+                        <a:effectLst/>
+                        <a:latin typeface="Calibri" panose="020F0502020204030204" pitchFamily="34" charset="0"/>
+                      </a:endParaRPr>
+                    </a:p>
+                  </a:txBody>
+                  <a:tcPr marL="9525" marR="9525" marT="9525" marB="0"/>
+                </a:tc>
+                <a:tc>
+                  <a:txBody>
+                    <a:bodyPr/>
+                    <a:lstStyle/>
+                    <a:p>
+                      <a:pPr algn="r" fontAlgn="b"/>
+                      <a:r>
+                        <a:rPr lang="ru-RU" sz="1100" u="none" strike="noStrike">
+                          <a:effectLst/>
+                        </a:rPr>
+                        <a:t>65000</a:t>
+                      </a:r>
+                      <a:endParaRPr lang="ru-RU" sz="1100" b="0" i="0" u="none" strike="noStrike">
+                        <a:solidFill>
+                          <a:srgbClr val="000000"/>
+                        </a:solidFill>
+                        <a:effectLst/>
+                        <a:latin typeface="Calibri" panose="020F0502020204030204" pitchFamily="34" charset="0"/>
+                      </a:endParaRPr>
+                    </a:p>
+                  </a:txBody>
+                  <a:tcPr marL="9525" marR="9525" marT="9525" marB="0" anchor="b"/>
+                </a:tc>
+                <a:extLst>
+                  <a:ext uri="{0D108BD9-81ED-4DB2-BD59-A6C34878D82A}">
+                    <a16:rowId xmlns:a16="http://schemas.microsoft.com/office/drawing/2014/main" val="1130810365"/>
+                  </a:ext>
+                </a:extLst>
+              </a:tr>
+              <a:tr h="256716">
+                <a:tc>
+                  <a:txBody>
+                    <a:bodyPr/>
+                    <a:lstStyle/>
+                    <a:p>
+                      <a:pPr algn="ctr" fontAlgn="t"/>
+                      <a:r>
+                        <a:rPr lang="ru-RU" sz="1100" u="none" strike="noStrike">
+                          <a:effectLst/>
+                        </a:rPr>
+                        <a:t>Наро-Фоминск</a:t>
+                      </a:r>
+                      <a:endParaRPr lang="ru-RU" sz="1100" b="1" i="0" u="none" strike="noStrike">
+                        <a:solidFill>
+                          <a:srgbClr val="000000"/>
+                        </a:solidFill>
+                        <a:effectLst/>
+                        <a:latin typeface="Calibri" panose="020F0502020204030204" pitchFamily="34" charset="0"/>
+                      </a:endParaRPr>
+                    </a:p>
+                  </a:txBody>
+                  <a:tcPr marL="9525" marR="9525" marT="9525" marB="0"/>
+                </a:tc>
+                <a:tc>
+                  <a:txBody>
+                    <a:bodyPr/>
+                    <a:lstStyle/>
+                    <a:p>
+                      <a:pPr algn="r" fontAlgn="b"/>
+                      <a:r>
+                        <a:rPr lang="ru-RU" sz="1100" u="none" strike="noStrike" dirty="0">
+                          <a:effectLst/>
+                        </a:rPr>
+                        <a:t>13000</a:t>
+                      </a:r>
+                      <a:endParaRPr lang="ru-RU" sz="1100" b="0" i="0" u="none" strike="noStrike" dirty="0">
+                        <a:solidFill>
+                          <a:srgbClr val="000000"/>
+                        </a:solidFill>
+                        <a:effectLst/>
+                        <a:latin typeface="Calibri" panose="020F0502020204030204" pitchFamily="34" charset="0"/>
+                      </a:endParaRPr>
+                    </a:p>
+                  </a:txBody>
+                  <a:tcPr marL="9525" marR="9525" marT="9525" marB="0" anchor="b"/>
+                </a:tc>
+                <a:extLst>
+                  <a:ext uri="{0D108BD9-81ED-4DB2-BD59-A6C34878D82A}">
+                    <a16:rowId xmlns:a16="http://schemas.microsoft.com/office/drawing/2014/main" val="3644097026"/>
+                  </a:ext>
+                </a:extLst>
+              </a:tr>
+            </a:tbl>
+          </a:graphicData>
+        </a:graphic>
+      </p:graphicFrame>
     </p:spTree>
     <p:extLst>
       <p:ext uri="{BB962C8B-B14F-4D97-AF65-F5344CB8AC3E}">

--- a/Школа_DA_Презентация_проекта.pptx
+++ b/Школа_DA_Презентация_проекта.pptx
@@ -3138,316 +3138,6 @@
           <a:chExt cx="0" cy="0"/>
         </a:xfrm>
       </p:grpSpPr>
-      <p:graphicFrame>
-        <p:nvGraphicFramePr>
-          <p:cNvPr id="7" name="Объект 6"/>
-          <p:cNvGraphicFramePr>
-            <a:graphicFrameLocks noGrp="1"/>
-          </p:cNvGraphicFramePr>
-          <p:nvPr>
-            <p:ph idx="1"/>
-            <p:extLst>
-              <p:ext uri="{D42A27DB-BD31-4B8C-83A1-F6EECF244321}">
-                <p14:modId xmlns:p14="http://schemas.microsoft.com/office/powerpoint/2010/main" val="3419259585"/>
-              </p:ext>
-            </p:extLst>
-          </p:nvPr>
-        </p:nvGraphicFramePr>
-        <p:xfrm>
-          <a:off x="7708436" y="2502952"/>
-          <a:ext cx="3522057" cy="1985920"/>
-        </p:xfrm>
-        <a:graphic>
-          <a:graphicData uri="http://schemas.openxmlformats.org/drawingml/2006/table">
-            <a:tbl>
-              <a:tblPr>
-                <a:tableStyleId>{5C22544A-7EE6-4342-B048-85BDC9FD1C3A}</a:tableStyleId>
-              </a:tblPr>
-              <a:tblGrid>
-                <a:gridCol w="1724793">
-                  <a:extLst>
-                    <a:ext uri="{9D8B030D-6E8A-4147-A177-3AD203B41FA5}">
-                      <a16:colId xmlns:a16="http://schemas.microsoft.com/office/drawing/2014/main" val="439501054"/>
-                    </a:ext>
-                  </a:extLst>
-                </a:gridCol>
-                <a:gridCol w="1797264">
-                  <a:extLst>
-                    <a:ext uri="{9D8B030D-6E8A-4147-A177-3AD203B41FA5}">
-                      <a16:colId xmlns:a16="http://schemas.microsoft.com/office/drawing/2014/main" val="713959478"/>
-                    </a:ext>
-                  </a:extLst>
-                </a:gridCol>
-              </a:tblGrid>
-              <a:tr h="397184">
-                <a:tc>
-                  <a:txBody>
-                    <a:bodyPr/>
-                    <a:lstStyle/>
-                    <a:p>
-                      <a:pPr algn="ctr" fontAlgn="t"/>
-                      <a:r>
-                        <a:rPr lang="ru-RU" sz="1400" b="1" u="none" strike="noStrike" dirty="0">
-                          <a:effectLst/>
-                        </a:rPr>
-                        <a:t>Стаж работы</a:t>
-                      </a:r>
-                      <a:endParaRPr lang="ru-RU" sz="1400" b="1" i="0" u="none" strike="noStrike" dirty="0">
-                        <a:solidFill>
-                          <a:srgbClr val="000000"/>
-                        </a:solidFill>
-                        <a:effectLst/>
-                        <a:latin typeface="Calibri" panose="020F0502020204030204" pitchFamily="34" charset="0"/>
-                      </a:endParaRPr>
-                    </a:p>
-                  </a:txBody>
-                  <a:tcPr marL="9525" marR="9525" marT="9525" marB="0"/>
-                </a:tc>
-                <a:tc>
-                  <a:txBody>
-                    <a:bodyPr/>
-                    <a:lstStyle/>
-                    <a:p>
-                      <a:pPr algn="ctr" fontAlgn="t"/>
-                      <a:r>
-                        <a:rPr lang="ru-RU" sz="1400" b="1" u="none" strike="noStrike" dirty="0">
-                          <a:effectLst/>
-                        </a:rPr>
-                        <a:t>Средняя Зарплата</a:t>
-                      </a:r>
-                      <a:endParaRPr lang="ru-RU" sz="1400" b="1" i="0" u="none" strike="noStrike" dirty="0">
-                        <a:solidFill>
-                          <a:srgbClr val="000000"/>
-                        </a:solidFill>
-                        <a:effectLst/>
-                        <a:latin typeface="Calibri" panose="020F0502020204030204" pitchFamily="34" charset="0"/>
-                      </a:endParaRPr>
-                    </a:p>
-                  </a:txBody>
-                  <a:tcPr marL="9525" marR="9525" marT="9525" marB="0"/>
-                </a:tc>
-                <a:extLst>
-                  <a:ext uri="{0D108BD9-81ED-4DB2-BD59-A6C34878D82A}">
-                    <a16:rowId xmlns:a16="http://schemas.microsoft.com/office/drawing/2014/main" val="377702309"/>
-                  </a:ext>
-                </a:extLst>
-              </a:tr>
-              <a:tr h="397184">
-                <a:tc>
-                  <a:txBody>
-                    <a:bodyPr/>
-                    <a:lstStyle/>
-                    <a:p>
-                      <a:pPr algn="ctr" fontAlgn="t"/>
-                      <a:r>
-                        <a:rPr lang="ru-RU" sz="1100" u="none" strike="noStrike" dirty="0">
-                          <a:effectLst/>
-                        </a:rPr>
-                        <a:t>Более 6 лет</a:t>
-                      </a:r>
-                      <a:endParaRPr lang="ru-RU" sz="1100" b="0" i="0" u="none" strike="noStrike" dirty="0">
-                        <a:solidFill>
-                          <a:srgbClr val="000000"/>
-                        </a:solidFill>
-                        <a:effectLst/>
-                        <a:latin typeface="Calibri" panose="020F0502020204030204" pitchFamily="34" charset="0"/>
-                      </a:endParaRPr>
-                    </a:p>
-                  </a:txBody>
-                  <a:tcPr marL="9525" marR="9525" marT="9525" marB="0"/>
-                </a:tc>
-                <a:tc>
-                  <a:txBody>
-                    <a:bodyPr/>
-                    <a:lstStyle/>
-                    <a:p>
-                      <a:pPr algn="r" fontAlgn="b"/>
-                      <a:r>
-                        <a:rPr lang="ru-RU" sz="1100" u="none" strike="noStrike" dirty="0">
-                          <a:effectLst/>
-                        </a:rPr>
-                        <a:t>250 616 ₽</a:t>
-                      </a:r>
-                      <a:endParaRPr lang="ru-RU" sz="1100" b="0" i="0" u="none" strike="noStrike" dirty="0">
-                        <a:solidFill>
-                          <a:srgbClr val="000000"/>
-                        </a:solidFill>
-                        <a:effectLst/>
-                        <a:latin typeface="Calibri" panose="020F0502020204030204" pitchFamily="34" charset="0"/>
-                      </a:endParaRPr>
-                    </a:p>
-                  </a:txBody>
-                  <a:tcPr marL="9525" marR="9525" marT="9525" marB="0" anchor="b"/>
-                </a:tc>
-                <a:extLst>
-                  <a:ext uri="{0D108BD9-81ED-4DB2-BD59-A6C34878D82A}">
-                    <a16:rowId xmlns:a16="http://schemas.microsoft.com/office/drawing/2014/main" val="3176010926"/>
-                  </a:ext>
-                </a:extLst>
-              </a:tr>
-              <a:tr h="397184">
-                <a:tc>
-                  <a:txBody>
-                    <a:bodyPr/>
-                    <a:lstStyle/>
-                    <a:p>
-                      <a:pPr algn="ctr" fontAlgn="t"/>
-                      <a:r>
-                        <a:rPr lang="ru-RU" sz="1100" u="none" strike="noStrike" dirty="0">
-                          <a:effectLst/>
-                        </a:rPr>
-                        <a:t>Нет опыта</a:t>
-                      </a:r>
-                      <a:endParaRPr lang="ru-RU" sz="1100" b="0" i="0" u="none" strike="noStrike" dirty="0">
-                        <a:solidFill>
-                          <a:srgbClr val="000000"/>
-                        </a:solidFill>
-                        <a:effectLst/>
-                        <a:latin typeface="Calibri" panose="020F0502020204030204" pitchFamily="34" charset="0"/>
-                      </a:endParaRPr>
-                    </a:p>
-                  </a:txBody>
-                  <a:tcPr marL="9525" marR="9525" marT="9525" marB="0"/>
-                </a:tc>
-                <a:tc>
-                  <a:txBody>
-                    <a:bodyPr/>
-                    <a:lstStyle/>
-                    <a:p>
-                      <a:pPr algn="r" fontAlgn="b"/>
-                      <a:r>
-                        <a:rPr lang="ru-RU" sz="1100" u="none" strike="noStrike" dirty="0">
-                          <a:effectLst/>
-                        </a:rPr>
-                        <a:t>61 372 ₽</a:t>
-                      </a:r>
-                      <a:endParaRPr lang="ru-RU" sz="1100" b="0" i="0" u="none" strike="noStrike" dirty="0">
-                        <a:solidFill>
-                          <a:srgbClr val="000000"/>
-                        </a:solidFill>
-                        <a:effectLst/>
-                        <a:latin typeface="Calibri" panose="020F0502020204030204" pitchFamily="34" charset="0"/>
-                      </a:endParaRPr>
-                    </a:p>
-                  </a:txBody>
-                  <a:tcPr marL="9525" marR="9525" marT="9525" marB="0" anchor="b"/>
-                </a:tc>
-                <a:extLst>
-                  <a:ext uri="{0D108BD9-81ED-4DB2-BD59-A6C34878D82A}">
-                    <a16:rowId xmlns:a16="http://schemas.microsoft.com/office/drawing/2014/main" val="3877311332"/>
-                  </a:ext>
-                </a:extLst>
-              </a:tr>
-              <a:tr h="397184">
-                <a:tc>
-                  <a:txBody>
-                    <a:bodyPr/>
-                    <a:lstStyle/>
-                    <a:p>
-                      <a:pPr algn="ctr" fontAlgn="t"/>
-                      <a:r>
-                        <a:rPr lang="ru-RU" sz="1100" u="none" strike="noStrike">
-                          <a:effectLst/>
-                        </a:rPr>
-                        <a:t>От 1 года до 3 лет</a:t>
-                      </a:r>
-                      <a:endParaRPr lang="ru-RU" sz="1100" b="0" i="0" u="none" strike="noStrike">
-                        <a:solidFill>
-                          <a:srgbClr val="000000"/>
-                        </a:solidFill>
-                        <a:effectLst/>
-                        <a:latin typeface="Calibri" panose="020F0502020204030204" pitchFamily="34" charset="0"/>
-                      </a:endParaRPr>
-                    </a:p>
-                  </a:txBody>
-                  <a:tcPr marL="9525" marR="9525" marT="9525" marB="0"/>
-                </a:tc>
-                <a:tc>
-                  <a:txBody>
-                    <a:bodyPr/>
-                    <a:lstStyle/>
-                    <a:p>
-                      <a:pPr algn="r" fontAlgn="b"/>
-                      <a:r>
-                        <a:rPr lang="ru-RU" sz="1100" u="none" strike="noStrike" dirty="0">
-                          <a:effectLst/>
-                        </a:rPr>
-                        <a:t>130 243 ₽</a:t>
-                      </a:r>
-                      <a:endParaRPr lang="ru-RU" sz="1100" b="0" i="0" u="none" strike="noStrike" dirty="0">
-                        <a:solidFill>
-                          <a:srgbClr val="000000"/>
-                        </a:solidFill>
-                        <a:effectLst/>
-                        <a:latin typeface="Calibri" panose="020F0502020204030204" pitchFamily="34" charset="0"/>
-                      </a:endParaRPr>
-                    </a:p>
-                  </a:txBody>
-                  <a:tcPr marL="9525" marR="9525" marT="9525" marB="0" anchor="b"/>
-                </a:tc>
-                <a:extLst>
-                  <a:ext uri="{0D108BD9-81ED-4DB2-BD59-A6C34878D82A}">
-                    <a16:rowId xmlns:a16="http://schemas.microsoft.com/office/drawing/2014/main" val="2734387609"/>
-                  </a:ext>
-                </a:extLst>
-              </a:tr>
-              <a:tr h="397184">
-                <a:tc>
-                  <a:txBody>
-                    <a:bodyPr/>
-                    <a:lstStyle/>
-                    <a:p>
-                      <a:pPr algn="ctr" fontAlgn="t"/>
-                      <a:r>
-                        <a:rPr lang="ru-RU" sz="1100" u="none" strike="noStrike">
-                          <a:effectLst/>
-                        </a:rPr>
-                        <a:t>От 3 до 6 лет</a:t>
-                      </a:r>
-                      <a:endParaRPr lang="ru-RU" sz="1100" b="0" i="0" u="none" strike="noStrike">
-                        <a:solidFill>
-                          <a:srgbClr val="000000"/>
-                        </a:solidFill>
-                        <a:effectLst/>
-                        <a:latin typeface="Calibri" panose="020F0502020204030204" pitchFamily="34" charset="0"/>
-                      </a:endParaRPr>
-                    </a:p>
-                  </a:txBody>
-                  <a:tcPr marL="9525" marR="9525" marT="9525" marB="0"/>
-                </a:tc>
-                <a:tc>
-                  <a:txBody>
-                    <a:bodyPr/>
-                    <a:lstStyle/>
-                    <a:p>
-                      <a:pPr algn="r" fontAlgn="b"/>
-                      <a:r>
-                        <a:rPr lang="ru-RU" sz="1100" u="none" strike="noStrike" dirty="0">
-                          <a:effectLst/>
-                        </a:rPr>
-                        <a:t>223 671 ₽</a:t>
-                      </a:r>
-                      <a:endParaRPr lang="ru-RU" sz="1100" b="0" i="0" u="none" strike="noStrike" dirty="0">
-                        <a:solidFill>
-                          <a:srgbClr val="000000"/>
-                        </a:solidFill>
-                        <a:effectLst/>
-                        <a:latin typeface="Calibri" panose="020F0502020204030204" pitchFamily="34" charset="0"/>
-                      </a:endParaRPr>
-                    </a:p>
-                  </a:txBody>
-                  <a:tcPr marL="9525" marR="9525" marT="9525" marB="0" anchor="b"/>
-                </a:tc>
-                <a:extLst>
-                  <a:ext uri="{0D108BD9-81ED-4DB2-BD59-A6C34878D82A}">
-                    <a16:rowId xmlns:a16="http://schemas.microsoft.com/office/drawing/2014/main" val="3193810553"/>
-                  </a:ext>
-                </a:extLst>
-              </a:tr>
-            </a:tbl>
-          </a:graphicData>
-        </a:graphic>
-      </p:graphicFrame>
       <p:pic>
         <p:nvPicPr>
           <p:cNvPr id="8" name="Рисунок 7"/>
@@ -3526,6 +3216,315 @@
           </a:p>
         </p:txBody>
       </p:sp>
+      <p:graphicFrame>
+        <p:nvGraphicFramePr>
+          <p:cNvPr id="2" name="Таблица 1"/>
+          <p:cNvGraphicFramePr>
+            <a:graphicFrameLocks noGrp="1"/>
+          </p:cNvGraphicFramePr>
+          <p:nvPr>
+            <p:extLst>
+              <p:ext uri="{D42A27DB-BD31-4B8C-83A1-F6EECF244321}">
+                <p14:modId xmlns:p14="http://schemas.microsoft.com/office/powerpoint/2010/main" val="4105300902"/>
+              </p:ext>
+            </p:extLst>
+          </p:nvPr>
+        </p:nvGraphicFramePr>
+        <p:xfrm>
+          <a:off x="7980219" y="2000683"/>
+          <a:ext cx="3466406" cy="3186458"/>
+        </p:xfrm>
+        <a:graphic>
+          <a:graphicData uri="http://schemas.openxmlformats.org/drawingml/2006/table">
+            <a:tbl>
+              <a:tblPr>
+                <a:tableStyleId>{5C22544A-7EE6-4342-B048-85BDC9FD1C3A}</a:tableStyleId>
+              </a:tblPr>
+              <a:tblGrid>
+                <a:gridCol w="1746850">
+                  <a:extLst>
+                    <a:ext uri="{9D8B030D-6E8A-4147-A177-3AD203B41FA5}">
+                      <a16:colId xmlns:a16="http://schemas.microsoft.com/office/drawing/2014/main" val="4219386901"/>
+                    </a:ext>
+                  </a:extLst>
+                </a:gridCol>
+                <a:gridCol w="1719556">
+                  <a:extLst>
+                    <a:ext uri="{9D8B030D-6E8A-4147-A177-3AD203B41FA5}">
+                      <a16:colId xmlns:a16="http://schemas.microsoft.com/office/drawing/2014/main" val="4238490607"/>
+                    </a:ext>
+                  </a:extLst>
+                </a:gridCol>
+              </a:tblGrid>
+              <a:tr h="1214462">
+                <a:tc>
+                  <a:txBody>
+                    <a:bodyPr/>
+                    <a:lstStyle/>
+                    <a:p>
+                      <a:pPr algn="ctr" rtl="0" fontAlgn="t"/>
+                      <a:r>
+                        <a:rPr lang="ru-RU" sz="1800" b="1" u="none" strike="noStrike" dirty="0">
+                          <a:effectLst/>
+                        </a:rPr>
+                        <a:t>Стаж работы</a:t>
+                      </a:r>
+                      <a:endParaRPr lang="ru-RU" sz="1800" b="1" i="0" u="none" strike="noStrike" dirty="0">
+                        <a:solidFill>
+                          <a:srgbClr val="000000"/>
+                        </a:solidFill>
+                        <a:effectLst/>
+                        <a:latin typeface="Calibri" panose="020F0502020204030204" pitchFamily="34" charset="0"/>
+                      </a:endParaRPr>
+                    </a:p>
+                  </a:txBody>
+                  <a:tcPr marL="9525" marR="9525" marT="9525" marB="0"/>
+                </a:tc>
+                <a:tc>
+                  <a:txBody>
+                    <a:bodyPr/>
+                    <a:lstStyle/>
+                    <a:p>
+                      <a:pPr algn="ctr" rtl="0" fontAlgn="t"/>
+                      <a:r>
+                        <a:rPr lang="ru-RU" sz="1800" b="1" u="none" strike="noStrike" dirty="0">
+                          <a:effectLst/>
+                        </a:rPr>
+                        <a:t>Средняя Зарплата</a:t>
+                      </a:r>
+                      <a:endParaRPr lang="ru-RU" sz="1800" b="1" i="0" u="none" strike="noStrike" dirty="0">
+                        <a:solidFill>
+                          <a:srgbClr val="000000"/>
+                        </a:solidFill>
+                        <a:effectLst/>
+                        <a:latin typeface="Calibri" panose="020F0502020204030204" pitchFamily="34" charset="0"/>
+                      </a:endParaRPr>
+                    </a:p>
+                  </a:txBody>
+                  <a:tcPr marL="9525" marR="9525" marT="9525" marB="0"/>
+                </a:tc>
+                <a:extLst>
+                  <a:ext uri="{0D108BD9-81ED-4DB2-BD59-A6C34878D82A}">
+                    <a16:rowId xmlns:a16="http://schemas.microsoft.com/office/drawing/2014/main" val="3110742576"/>
+                  </a:ext>
+                </a:extLst>
+              </a:tr>
+              <a:tr h="492999">
+                <a:tc>
+                  <a:txBody>
+                    <a:bodyPr/>
+                    <a:lstStyle/>
+                    <a:p>
+                      <a:pPr algn="ctr" rtl="0" fontAlgn="t"/>
+                      <a:r>
+                        <a:rPr lang="ru-RU" sz="1100" u="none" strike="noStrike" dirty="0">
+                          <a:effectLst/>
+                        </a:rPr>
+                        <a:t>Более 6 лет</a:t>
+                      </a:r>
+                      <a:endParaRPr lang="ru-RU" sz="1100" b="0" i="0" u="none" strike="noStrike" dirty="0">
+                        <a:solidFill>
+                          <a:srgbClr val="000000"/>
+                        </a:solidFill>
+                        <a:effectLst/>
+                        <a:latin typeface="Calibri" panose="020F0502020204030204" pitchFamily="34" charset="0"/>
+                      </a:endParaRPr>
+                    </a:p>
+                  </a:txBody>
+                  <a:tcPr marL="9525" marR="9525" marT="9525" marB="0" anchor="ctr"/>
+                </a:tc>
+                <a:tc>
+                  <a:txBody>
+                    <a:bodyPr/>
+                    <a:lstStyle/>
+                    <a:p>
+                      <a:pPr algn="ctr" rtl="0" fontAlgn="b"/>
+                      <a:r>
+                        <a:rPr lang="ru-RU" sz="1100" u="none" strike="noStrike" dirty="0">
+                          <a:effectLst/>
+                        </a:rPr>
+                        <a:t>250 616 ₽</a:t>
+                      </a:r>
+                      <a:endParaRPr lang="ru-RU" sz="1100" b="0" i="0" u="none" strike="noStrike" dirty="0">
+                        <a:solidFill>
+                          <a:srgbClr val="000000"/>
+                        </a:solidFill>
+                        <a:effectLst/>
+                        <a:latin typeface="Calibri" panose="020F0502020204030204" pitchFamily="34" charset="0"/>
+                      </a:endParaRPr>
+                    </a:p>
+                  </a:txBody>
+                  <a:tcPr marL="9525" marR="9525" marT="9525" marB="0" anchor="ctr"/>
+                </a:tc>
+                <a:extLst>
+                  <a:ext uri="{0D108BD9-81ED-4DB2-BD59-A6C34878D82A}">
+                    <a16:rowId xmlns:a16="http://schemas.microsoft.com/office/drawing/2014/main" val="1957510572"/>
+                  </a:ext>
+                </a:extLst>
+              </a:tr>
+              <a:tr h="492999">
+                <a:tc>
+                  <a:txBody>
+                    <a:bodyPr/>
+                    <a:lstStyle/>
+                    <a:p>
+                      <a:pPr algn="ctr" rtl="0" fontAlgn="t"/>
+                      <a:r>
+                        <a:rPr lang="ru-RU" sz="1100" u="none" strike="noStrike" dirty="0">
+                          <a:effectLst/>
+                        </a:rPr>
+                        <a:t>От 3 до 6 лет</a:t>
+                      </a:r>
+                      <a:endParaRPr lang="ru-RU" sz="1100" b="0" i="0" u="none" strike="noStrike" dirty="0">
+                        <a:solidFill>
+                          <a:srgbClr val="000000"/>
+                        </a:solidFill>
+                        <a:effectLst/>
+                        <a:latin typeface="Calibri" panose="020F0502020204030204" pitchFamily="34" charset="0"/>
+                      </a:endParaRPr>
+                    </a:p>
+                  </a:txBody>
+                  <a:tcPr marL="9525" marR="9525" marT="9525" marB="0" anchor="ctr"/>
+                </a:tc>
+                <a:tc>
+                  <a:txBody>
+                    <a:bodyPr/>
+                    <a:lstStyle/>
+                    <a:p>
+                      <a:pPr algn="ctr" rtl="0" fontAlgn="b"/>
+                      <a:r>
+                        <a:rPr lang="ru-RU" sz="1100" u="none" strike="noStrike" dirty="0">
+                          <a:effectLst/>
+                        </a:rPr>
+                        <a:t>223 671 ₽</a:t>
+                      </a:r>
+                      <a:endParaRPr lang="ru-RU" sz="1100" b="0" i="0" u="none" strike="noStrike" dirty="0">
+                        <a:solidFill>
+                          <a:srgbClr val="000000"/>
+                        </a:solidFill>
+                        <a:effectLst/>
+                        <a:latin typeface="Calibri" panose="020F0502020204030204" pitchFamily="34" charset="0"/>
+                      </a:endParaRPr>
+                    </a:p>
+                  </a:txBody>
+                  <a:tcPr marL="9525" marR="9525" marT="9525" marB="0" anchor="ctr"/>
+                </a:tc>
+                <a:extLst>
+                  <a:ext uri="{0D108BD9-81ED-4DB2-BD59-A6C34878D82A}">
+                    <a16:rowId xmlns:a16="http://schemas.microsoft.com/office/drawing/2014/main" val="1359066654"/>
+                  </a:ext>
+                </a:extLst>
+              </a:tr>
+              <a:tr h="492999">
+                <a:tc>
+                  <a:txBody>
+                    <a:bodyPr/>
+                    <a:lstStyle/>
+                    <a:p>
+                      <a:pPr algn="ctr" rtl="0" fontAlgn="t"/>
+                      <a:r>
+                        <a:rPr lang="ru-RU" sz="1100" u="none" strike="noStrike" dirty="0">
+                          <a:effectLst/>
+                        </a:rPr>
+                        <a:t>От 1 года до 3 лет</a:t>
+                      </a:r>
+                      <a:endParaRPr lang="ru-RU" sz="1100" b="0" i="0" u="none" strike="noStrike" dirty="0">
+                        <a:solidFill>
+                          <a:srgbClr val="000000"/>
+                        </a:solidFill>
+                        <a:effectLst/>
+                        <a:latin typeface="Calibri" panose="020F0502020204030204" pitchFamily="34" charset="0"/>
+                      </a:endParaRPr>
+                    </a:p>
+                  </a:txBody>
+                  <a:tcPr marL="9525" marR="9525" marT="9525" marB="0" anchor="ctr"/>
+                </a:tc>
+                <a:tc>
+                  <a:txBody>
+                    <a:bodyPr/>
+                    <a:lstStyle/>
+                    <a:p>
+                      <a:pPr algn="ctr" rtl="0" fontAlgn="b"/>
+                      <a:r>
+                        <a:rPr lang="ru-RU" sz="1100" u="none" strike="noStrike" dirty="0">
+                          <a:effectLst/>
+                        </a:rPr>
+                        <a:t>130 243 ₽</a:t>
+                      </a:r>
+                      <a:endParaRPr lang="ru-RU" sz="1100" b="0" i="0" u="none" strike="noStrike" dirty="0">
+                        <a:solidFill>
+                          <a:srgbClr val="000000"/>
+                        </a:solidFill>
+                        <a:effectLst/>
+                        <a:latin typeface="Calibri" panose="020F0502020204030204" pitchFamily="34" charset="0"/>
+                      </a:endParaRPr>
+                    </a:p>
+                  </a:txBody>
+                  <a:tcPr marL="9525" marR="9525" marT="9525" marB="0" anchor="ctr"/>
+                </a:tc>
+                <a:extLst>
+                  <a:ext uri="{0D108BD9-81ED-4DB2-BD59-A6C34878D82A}">
+                    <a16:rowId xmlns:a16="http://schemas.microsoft.com/office/drawing/2014/main" val="1455672254"/>
+                  </a:ext>
+                </a:extLst>
+              </a:tr>
+              <a:tr h="492999">
+                <a:tc>
+                  <a:txBody>
+                    <a:bodyPr/>
+                    <a:lstStyle/>
+                    <a:p>
+                      <a:pPr algn="ctr" rtl="0" fontAlgn="t"/>
+                      <a:r>
+                        <a:rPr lang="ru-RU" sz="1100" u="none" strike="noStrike" dirty="0">
+                          <a:effectLst/>
+                        </a:rPr>
+                        <a:t>Нет опыта</a:t>
+                      </a:r>
+                      <a:endParaRPr lang="ru-RU" sz="1100" b="0" i="0" u="none" strike="noStrike" dirty="0">
+                        <a:solidFill>
+                          <a:srgbClr val="000000"/>
+                        </a:solidFill>
+                        <a:effectLst/>
+                        <a:latin typeface="Calibri" panose="020F0502020204030204" pitchFamily="34" charset="0"/>
+                      </a:endParaRPr>
+                    </a:p>
+                  </a:txBody>
+                  <a:tcPr marL="9525" marR="9525" marT="9525" marB="0" anchor="ctr"/>
+                </a:tc>
+                <a:tc>
+                  <a:txBody>
+                    <a:bodyPr/>
+                    <a:lstStyle/>
+                    <a:p>
+                      <a:pPr algn="ctr" rtl="0" fontAlgn="b"/>
+                      <a:r>
+                        <a:rPr lang="ru-RU" sz="1100" u="none" strike="noStrike" dirty="0">
+                          <a:effectLst/>
+                        </a:rPr>
+                        <a:t>61 372 ₽</a:t>
+                      </a:r>
+                      <a:endParaRPr lang="ru-RU" sz="1100" b="0" i="0" u="none" strike="noStrike" dirty="0">
+                        <a:solidFill>
+                          <a:srgbClr val="000000"/>
+                        </a:solidFill>
+                        <a:effectLst/>
+                        <a:latin typeface="Calibri" panose="020F0502020204030204" pitchFamily="34" charset="0"/>
+                      </a:endParaRPr>
+                    </a:p>
+                  </a:txBody>
+                  <a:tcPr marL="9525" marR="9525" marT="9525" marB="0" anchor="ctr"/>
+                </a:tc>
+                <a:extLst>
+                  <a:ext uri="{0D108BD9-81ED-4DB2-BD59-A6C34878D82A}">
+                    <a16:rowId xmlns:a16="http://schemas.microsoft.com/office/drawing/2014/main" val="994374580"/>
+                  </a:ext>
+                </a:extLst>
+              </a:tr>
+            </a:tbl>
+          </a:graphicData>
+        </a:graphic>
+      </p:graphicFrame>
     </p:spTree>
     <p:extLst>
       <p:ext uri="{BB962C8B-B14F-4D97-AF65-F5344CB8AC3E}">
@@ -3625,58 +3624,58 @@
       </p:pic>
       <p:graphicFrame>
         <p:nvGraphicFramePr>
-          <p:cNvPr id="5" name="Таблица 4"/>
+          <p:cNvPr id="3" name="Таблица 2"/>
           <p:cNvGraphicFramePr>
             <a:graphicFrameLocks noGrp="1"/>
           </p:cNvGraphicFramePr>
           <p:nvPr>
             <p:extLst>
               <p:ext uri="{D42A27DB-BD31-4B8C-83A1-F6EECF244321}">
-                <p14:modId xmlns:p14="http://schemas.microsoft.com/office/powerpoint/2010/main" val="3694217957"/>
+                <p14:modId xmlns:p14="http://schemas.microsoft.com/office/powerpoint/2010/main" val="2678705056"/>
               </p:ext>
             </p:extLst>
           </p:nvPr>
         </p:nvGraphicFramePr>
         <p:xfrm>
-          <a:off x="283209" y="2901115"/>
-          <a:ext cx="2750936" cy="1638300"/>
+          <a:off x="432262" y="2038004"/>
+          <a:ext cx="2485506" cy="3962400"/>
         </p:xfrm>
         <a:graphic>
           <a:graphicData uri="http://schemas.openxmlformats.org/drawingml/2006/table">
             <a:tbl>
               <a:tblPr>
-                <a:tableStyleId>{7DF18680-E054-41AD-8BC1-D1AEF772440D}</a:tableStyleId>
+                <a:tableStyleId>{5C22544A-7EE6-4342-B048-85BDC9FD1C3A}</a:tableStyleId>
               </a:tblPr>
               <a:tblGrid>
-                <a:gridCol w="1211421">
+                <a:gridCol w="1242753">
                   <a:extLst>
                     <a:ext uri="{9D8B030D-6E8A-4147-A177-3AD203B41FA5}">
-                      <a16:colId xmlns:a16="http://schemas.microsoft.com/office/drawing/2014/main" val="3248420745"/>
+                      <a16:colId xmlns:a16="http://schemas.microsoft.com/office/drawing/2014/main" val="3970413566"/>
                     </a:ext>
                   </a:extLst>
                 </a:gridCol>
-                <a:gridCol w="1539515">
+                <a:gridCol w="1242753">
                   <a:extLst>
                     <a:ext uri="{9D8B030D-6E8A-4147-A177-3AD203B41FA5}">
-                      <a16:colId xmlns:a16="http://schemas.microsoft.com/office/drawing/2014/main" val="2482507967"/>
+                      <a16:colId xmlns:a16="http://schemas.microsoft.com/office/drawing/2014/main" val="2156227109"/>
                     </a:ext>
                   </a:extLst>
                 </a:gridCol>
               </a:tblGrid>
-              <a:tr h="190500">
+              <a:tr h="485775">
                 <a:tc>
                   <a:txBody>
                     <a:bodyPr/>
                     <a:lstStyle/>
                     <a:p>
-                      <a:pPr algn="ctr" fontAlgn="t"/>
+                      <a:pPr algn="ctr" rtl="0" fontAlgn="t"/>
                       <a:r>
-                        <a:rPr lang="ru-RU" sz="1400" b="1" i="0" u="none" strike="noStrike" dirty="0">
+                        <a:rPr lang="ru-RU" sz="1400" b="1" u="none" strike="noStrike">
                           <a:effectLst/>
                         </a:rPr>
                         <a:t>Роль</a:t>
                       </a:r>
-                      <a:endParaRPr lang="ru-RU" sz="1400" b="1" i="0" u="none" strike="noStrike" dirty="0">
+                      <a:endParaRPr lang="ru-RU" sz="1400" b="1" i="0" u="none" strike="noStrike">
                         <a:solidFill>
                           <a:srgbClr val="000000"/>
                         </a:solidFill>
@@ -3692,15 +3691,15 @@
                     <a:bodyPr/>
                     <a:lstStyle/>
                     <a:p>
-                      <a:pPr algn="ctr" fontAlgn="t"/>
+                      <a:pPr algn="ctr" rtl="0" fontAlgn="t"/>
                       <a:r>
-                        <a:rPr lang="ru-RU" sz="1400" b="1" i="0" u="none" strike="noStrike" dirty="0">
+                        <a:rPr lang="ru-RU" sz="1400" b="1" u="none" strike="noStrike" dirty="0">
                           <a:effectLst/>
                         </a:rPr>
                         <a:t>Средняя </a:t>
                       </a:r>
                       <a:r>
-                        <a:rPr lang="ru-RU" sz="1400" b="1" i="0" u="none" strike="noStrike" dirty="0" err="1">
+                        <a:rPr lang="ru-RU" sz="1400" b="1" u="none" strike="noStrike" dirty="0" err="1">
                           <a:effectLst/>
                         </a:rPr>
                         <a:t>зп</a:t>
@@ -3718,131 +3717,19 @@
                 </a:tc>
                 <a:extLst>
                   <a:ext uri="{0D108BD9-81ED-4DB2-BD59-A6C34878D82A}">
-                    <a16:rowId xmlns:a16="http://schemas.microsoft.com/office/drawing/2014/main" val="2789796399"/>
+                    <a16:rowId xmlns:a16="http://schemas.microsoft.com/office/drawing/2014/main" val="2865795909"/>
                   </a:ext>
                 </a:extLst>
               </a:tr>
-              <a:tr h="190500">
+              <a:tr h="962025">
                 <a:tc>
                   <a:txBody>
                     <a:bodyPr/>
                     <a:lstStyle/>
                     <a:p>
-                      <a:pPr algn="ctr" fontAlgn="t"/>
+                      <a:pPr algn="ctr" rtl="0" fontAlgn="t"/>
                       <a:r>
-                        <a:rPr lang="en-US" sz="1100" b="1" u="none" strike="noStrike">
-                          <a:effectLst/>
-                        </a:rPr>
-                        <a:t>DevOps-</a:t>
-                      </a:r>
-                      <a:r>
-                        <a:rPr lang="ru-RU" sz="1100" b="1" u="none" strike="noStrike">
-                          <a:effectLst/>
-                        </a:rPr>
-                        <a:t>инженер</a:t>
-                      </a:r>
-                      <a:endParaRPr lang="ru-RU" sz="1100" b="1" i="0" u="none" strike="noStrike">
-                        <a:solidFill>
-                          <a:srgbClr val="000000"/>
-                        </a:solidFill>
-                        <a:effectLst/>
-                        <a:latin typeface="Calibri" panose="020F0502020204030204" pitchFamily="34" charset="0"/>
-                      </a:endParaRPr>
-                    </a:p>
-                  </a:txBody>
-                  <a:tcPr marL="9525" marR="9525" marT="9525" marB="0"/>
-                </a:tc>
-                <a:tc>
-                  <a:txBody>
-                    <a:bodyPr/>
-                    <a:lstStyle/>
-                    <a:p>
-                      <a:pPr algn="r" fontAlgn="b"/>
-                      <a:r>
-                        <a:rPr lang="ru-RU" sz="1100" b="1" u="none" strike="noStrike" dirty="0">
-                          <a:effectLst/>
-                        </a:rPr>
-                        <a:t>273 500 ₽</a:t>
-                      </a:r>
-                      <a:endParaRPr lang="ru-RU" sz="1100" b="1" i="0" u="none" strike="noStrike" dirty="0">
-                        <a:solidFill>
-                          <a:srgbClr val="000000"/>
-                        </a:solidFill>
-                        <a:effectLst/>
-                        <a:latin typeface="Calibri" panose="020F0502020204030204" pitchFamily="34" charset="0"/>
-                      </a:endParaRPr>
-                    </a:p>
-                  </a:txBody>
-                  <a:tcPr marL="9525" marR="9525" marT="9525" marB="0" anchor="b"/>
-                </a:tc>
-                <a:extLst>
-                  <a:ext uri="{0D108BD9-81ED-4DB2-BD59-A6C34878D82A}">
-                    <a16:rowId xmlns:a16="http://schemas.microsoft.com/office/drawing/2014/main" val="1892327733"/>
-                  </a:ext>
-                </a:extLst>
-              </a:tr>
-              <a:tr h="190500">
-                <a:tc>
-                  <a:txBody>
-                    <a:bodyPr/>
-                    <a:lstStyle/>
-                    <a:p>
-                      <a:pPr algn="ctr" fontAlgn="t"/>
-                      <a:r>
-                        <a:rPr lang="ru-RU" sz="1100" u="none" strike="noStrike">
-                          <a:effectLst/>
-                        </a:rPr>
-                        <a:t>Программист, разработчик</a:t>
-                      </a:r>
-                      <a:endParaRPr lang="ru-RU" sz="1100" b="1" i="0" u="none" strike="noStrike">
-                        <a:solidFill>
-                          <a:srgbClr val="000000"/>
-                        </a:solidFill>
-                        <a:effectLst/>
-                        <a:latin typeface="Calibri" panose="020F0502020204030204" pitchFamily="34" charset="0"/>
-                      </a:endParaRPr>
-                    </a:p>
-                  </a:txBody>
-                  <a:tcPr marL="9525" marR="9525" marT="9525" marB="0"/>
-                </a:tc>
-                <a:tc>
-                  <a:txBody>
-                    <a:bodyPr/>
-                    <a:lstStyle/>
-                    <a:p>
-                      <a:pPr algn="r" fontAlgn="b"/>
-                      <a:r>
-                        <a:rPr lang="ru-RU" sz="1100" u="none" strike="noStrike">
-                          <a:effectLst/>
-                        </a:rPr>
-                        <a:t>178 497 ₽</a:t>
-                      </a:r>
-                      <a:endParaRPr lang="ru-RU" sz="1100" b="0" i="0" u="none" strike="noStrike">
-                        <a:solidFill>
-                          <a:srgbClr val="000000"/>
-                        </a:solidFill>
-                        <a:effectLst/>
-                        <a:latin typeface="Calibri" panose="020F0502020204030204" pitchFamily="34" charset="0"/>
-                      </a:endParaRPr>
-                    </a:p>
-                  </a:txBody>
-                  <a:tcPr marL="9525" marR="9525" marT="9525" marB="0" anchor="b"/>
-                </a:tc>
-                <a:extLst>
-                  <a:ext uri="{0D108BD9-81ED-4DB2-BD59-A6C34878D82A}">
-                    <a16:rowId xmlns:a16="http://schemas.microsoft.com/office/drawing/2014/main" val="2282850923"/>
-                  </a:ext>
-                </a:extLst>
-              </a:tr>
-              <a:tr h="190500">
-                <a:tc>
-                  <a:txBody>
-                    <a:bodyPr/>
-                    <a:lstStyle/>
-                    <a:p>
-                      <a:pPr algn="ctr" fontAlgn="t"/>
-                      <a:r>
-                        <a:rPr lang="ru-RU" sz="1100" b="1" u="none" strike="noStrike" dirty="0">
+                        <a:rPr lang="ru-RU" sz="1100" u="none" strike="noStrike" dirty="0">
                           <a:effectLst/>
                         </a:rPr>
                         <a:t>Руководитель группы разработки</a:t>
@@ -3856,16 +3743,16 @@
                       </a:endParaRPr>
                     </a:p>
                   </a:txBody>
-                  <a:tcPr marL="9525" marR="9525" marT="9525" marB="0"/>
+                  <a:tcPr marL="9525" marR="9525" marT="9525" marB="0" anchor="ctr"/>
                 </a:tc>
                 <a:tc>
                   <a:txBody>
                     <a:bodyPr/>
                     <a:lstStyle/>
                     <a:p>
-                      <a:pPr algn="r" fontAlgn="b"/>
+                      <a:pPr algn="r" rtl="0" fontAlgn="b"/>
                       <a:r>
-                        <a:rPr lang="ru-RU" sz="1100" b="1" u="none" strike="noStrike" dirty="0">
+                        <a:rPr lang="ru-RU" sz="1100" u="none" strike="noStrike" dirty="0">
                           <a:effectLst/>
                         </a:rPr>
                         <a:t>293 788 ₽</a:t>
@@ -3879,26 +3766,55 @@
                       </a:endParaRPr>
                     </a:p>
                   </a:txBody>
-                  <a:tcPr marL="9525" marR="9525" marT="9525" marB="0" anchor="b"/>
+                  <a:tcPr marL="9525" marR="9525" marT="9525" marB="0" anchor="ctr"/>
                 </a:tc>
                 <a:extLst>
                   <a:ext uri="{0D108BD9-81ED-4DB2-BD59-A6C34878D82A}">
-                    <a16:rowId xmlns:a16="http://schemas.microsoft.com/office/drawing/2014/main" val="2286315029"/>
+                    <a16:rowId xmlns:a16="http://schemas.microsoft.com/office/drawing/2014/main" val="1772091364"/>
                   </a:ext>
                 </a:extLst>
               </a:tr>
-              <a:tr h="190500">
+              <a:tr h="581025">
                 <a:tc>
                   <a:txBody>
                     <a:bodyPr/>
                     <a:lstStyle/>
                     <a:p>
-                      <a:pPr algn="ctr" fontAlgn="t"/>
+                      <a:pPr algn="ctr" rtl="0" fontAlgn="t"/>
+                      <a:r>
+                        <a:rPr lang="en-US" sz="1100" u="none" strike="noStrike" dirty="0">
+                          <a:effectLst/>
+                        </a:rPr>
+                        <a:t>DevOps-</a:t>
+                      </a:r>
+                      <a:r>
+                        <a:rPr lang="ru-RU" sz="1100" u="none" strike="noStrike" dirty="0">
+                          <a:effectLst/>
+                        </a:rPr>
+                        <a:t>инженер</a:t>
+                      </a:r>
+                      <a:endParaRPr lang="ru-RU" sz="1100" b="1" i="0" u="none" strike="noStrike" dirty="0">
+                        <a:solidFill>
+                          <a:srgbClr val="000000"/>
+                        </a:solidFill>
+                        <a:effectLst/>
+                        <a:latin typeface="Calibri" panose="020F0502020204030204" pitchFamily="34" charset="0"/>
+                      </a:endParaRPr>
+                    </a:p>
+                  </a:txBody>
+                  <a:tcPr marL="9525" marR="9525" marT="9525" marB="0" anchor="ctr"/>
+                </a:tc>
+                <a:tc>
+                  <a:txBody>
+                    <a:bodyPr/>
+                    <a:lstStyle/>
+                    <a:p>
+                      <a:pPr algn="r" rtl="0" fontAlgn="b"/>
                       <a:r>
                         <a:rPr lang="ru-RU" sz="1100" u="none" strike="noStrike">
                           <a:effectLst/>
                         </a:rPr>
-                        <a:t>Системный инженер</a:t>
+                        <a:t>273 500 ₽</a:t>
                       </a:r>
                       <a:endParaRPr lang="ru-RU" sz="1100" b="1" i="0" u="none" strike="noStrike">
                         <a:solidFill>
@@ -3909,19 +3825,79 @@
                       </a:endParaRPr>
                     </a:p>
                   </a:txBody>
-                  <a:tcPr marL="9525" marR="9525" marT="9525" marB="0"/>
+                  <a:tcPr marL="9525" marR="9525" marT="9525" marB="0" anchor="ctr"/>
+                </a:tc>
+                <a:extLst>
+                  <a:ext uri="{0D108BD9-81ED-4DB2-BD59-A6C34878D82A}">
+                    <a16:rowId xmlns:a16="http://schemas.microsoft.com/office/drawing/2014/main" val="2326284875"/>
+                  </a:ext>
+                </a:extLst>
+              </a:tr>
+              <a:tr h="771525">
+                <a:tc>
+                  <a:txBody>
+                    <a:bodyPr/>
+                    <a:lstStyle/>
+                    <a:p>
+                      <a:pPr algn="ctr" rtl="0" fontAlgn="t"/>
+                      <a:r>
+                        <a:rPr lang="ru-RU" sz="1100" u="none" strike="noStrike" dirty="0">
+                          <a:effectLst/>
+                        </a:rPr>
+                        <a:t>Системный инженер</a:t>
+                      </a:r>
+                      <a:endParaRPr lang="ru-RU" sz="1100" b="0" i="0" u="none" strike="noStrike" dirty="0">
+                        <a:solidFill>
+                          <a:srgbClr val="000000"/>
+                        </a:solidFill>
+                        <a:effectLst/>
+                        <a:latin typeface="Calibri" panose="020F0502020204030204" pitchFamily="34" charset="0"/>
+                      </a:endParaRPr>
+                    </a:p>
+                  </a:txBody>
+                  <a:tcPr marL="9525" marR="9525" marT="9525" marB="0" anchor="ctr"/>
                 </a:tc>
                 <a:tc>
                   <a:txBody>
                     <a:bodyPr/>
                     <a:lstStyle/>
                     <a:p>
-                      <a:pPr algn="r" fontAlgn="b"/>
+                      <a:pPr algn="r" rtl="0" fontAlgn="b"/>
+                      <a:r>
+                        <a:rPr lang="ru-RU" sz="1100" u="none" strike="noStrike" dirty="0">
+                          <a:effectLst/>
+                        </a:rPr>
+                        <a:t>208 550 ₽</a:t>
+                      </a:r>
+                      <a:endParaRPr lang="ru-RU" sz="1100" b="0" i="0" u="none" strike="noStrike" dirty="0">
+                        <a:solidFill>
+                          <a:srgbClr val="000000"/>
+                        </a:solidFill>
+                        <a:effectLst/>
+                        <a:latin typeface="Calibri" panose="020F0502020204030204" pitchFamily="34" charset="0"/>
+                      </a:endParaRPr>
+                    </a:p>
+                  </a:txBody>
+                  <a:tcPr marL="9525" marR="9525" marT="9525" marB="0" anchor="ctr"/>
+                </a:tc>
+                <a:extLst>
+                  <a:ext uri="{0D108BD9-81ED-4DB2-BD59-A6C34878D82A}">
+                    <a16:rowId xmlns:a16="http://schemas.microsoft.com/office/drawing/2014/main" val="1820396301"/>
+                  </a:ext>
+                </a:extLst>
+              </a:tr>
+              <a:tr h="771525">
+                <a:tc>
+                  <a:txBody>
+                    <a:bodyPr/>
+                    <a:lstStyle/>
+                    <a:p>
+                      <a:pPr algn="ctr" rtl="0" fontAlgn="t"/>
                       <a:r>
                         <a:rPr lang="ru-RU" sz="1100" u="none" strike="noStrike">
                           <a:effectLst/>
                         </a:rPr>
-                        <a:t>208 550 ₽</a:t>
+                        <a:t>Программист, разработчик</a:t>
                       </a:r>
                       <a:endParaRPr lang="ru-RU" sz="1100" b="0" i="0" u="none" strike="noStrike">
                         <a:solidFill>
@@ -3932,28 +3908,21 @@
                       </a:endParaRPr>
                     </a:p>
                   </a:txBody>
-                  <a:tcPr marL="9525" marR="9525" marT="9525" marB="0" anchor="b"/>
+                  <a:tcPr marL="9525" marR="9525" marT="9525" marB="0" anchor="ctr"/>
                 </a:tc>
-                <a:extLst>
-                  <a:ext uri="{0D108BD9-81ED-4DB2-BD59-A6C34878D82A}">
-                    <a16:rowId xmlns:a16="http://schemas.microsoft.com/office/drawing/2014/main" val="1104722640"/>
-                  </a:ext>
-                </a:extLst>
-              </a:tr>
-              <a:tr h="190500">
                 <a:tc>
                   <a:txBody>
                     <a:bodyPr/>
                     <a:lstStyle/>
                     <a:p>
-                      <a:pPr algn="ctr" fontAlgn="t"/>
+                      <a:pPr algn="r" rtl="0" fontAlgn="b"/>
                       <a:r>
-                        <a:rPr lang="ru-RU" sz="1100" u="none" strike="noStrike">
+                        <a:rPr lang="ru-RU" sz="1100" u="none" strike="noStrike" dirty="0">
                           <a:effectLst/>
                         </a:rPr>
-                        <a:t>Тестировщик</a:t>
+                        <a:t>178 497 ₽</a:t>
                       </a:r>
-                      <a:endParaRPr lang="ru-RU" sz="1100" b="1" i="0" u="none" strike="noStrike">
+                      <a:endParaRPr lang="ru-RU" sz="1100" b="0" i="0" u="none" strike="noStrike" dirty="0">
                         <a:solidFill>
                           <a:srgbClr val="000000"/>
                         </a:solidFill>
@@ -3962,14 +3931,44 @@
                       </a:endParaRPr>
                     </a:p>
                   </a:txBody>
-                  <a:tcPr marL="9525" marR="9525" marT="9525" marB="0"/>
+                  <a:tcPr marL="9525" marR="9525" marT="9525" marB="0" anchor="ctr"/>
+                </a:tc>
+                <a:extLst>
+                  <a:ext uri="{0D108BD9-81ED-4DB2-BD59-A6C34878D82A}">
+                    <a16:rowId xmlns:a16="http://schemas.microsoft.com/office/drawing/2014/main" val="4130548535"/>
+                  </a:ext>
+                </a:extLst>
+              </a:tr>
+              <a:tr h="390525">
+                <a:tc>
+                  <a:txBody>
+                    <a:bodyPr/>
+                    <a:lstStyle/>
+                    <a:p>
+                      <a:pPr algn="ctr" rtl="0" fontAlgn="t"/>
+                      <a:r>
+                        <a:rPr lang="ru-RU" sz="1100" u="none" strike="noStrike">
+                          <a:effectLst/>
+                        </a:rPr>
+                        <a:t>Тестировщик</a:t>
+                      </a:r>
+                      <a:endParaRPr lang="ru-RU" sz="1100" b="0" i="0" u="none" strike="noStrike">
+                        <a:solidFill>
+                          <a:srgbClr val="000000"/>
+                        </a:solidFill>
+                        <a:effectLst/>
+                        <a:latin typeface="Calibri" panose="020F0502020204030204" pitchFamily="34" charset="0"/>
+                      </a:endParaRPr>
+                    </a:p>
+                  </a:txBody>
+                  <a:tcPr marL="9525" marR="9525" marT="9525" marB="0" anchor="ctr"/>
                 </a:tc>
                 <a:tc>
                   <a:txBody>
                     <a:bodyPr/>
                     <a:lstStyle/>
                     <a:p>
-                      <a:pPr algn="r" fontAlgn="b"/>
+                      <a:pPr algn="r" rtl="0" fontAlgn="b"/>
                       <a:r>
                         <a:rPr lang="ru-RU" sz="1100" u="none" strike="noStrike" dirty="0">
                           <a:effectLst/>
@@ -3985,11 +3984,11 @@
                       </a:endParaRPr>
                     </a:p>
                   </a:txBody>
-                  <a:tcPr marL="9525" marR="9525" marT="9525" marB="0" anchor="b"/>
+                  <a:tcPr marL="9525" marR="9525" marT="9525" marB="0" anchor="ctr"/>
                 </a:tc>
                 <a:extLst>
                   <a:ext uri="{0D108BD9-81ED-4DB2-BD59-A6C34878D82A}">
-                    <a16:rowId xmlns:a16="http://schemas.microsoft.com/office/drawing/2014/main" val="98635332"/>
+                    <a16:rowId xmlns:a16="http://schemas.microsoft.com/office/drawing/2014/main" val="2612466537"/>
                   </a:ext>
                 </a:extLst>
               </a:tr>
@@ -4328,18 +4327,7 @@
               <a:t>DataFrame</a:t>
             </a:r>
             <a:r>
-              <a:rPr lang="ru-RU" i="1" dirty="0" smtClean="0">
-                <a:solidFill>
-                  <a:schemeClr val="tx1">
-                    <a:lumMod val="65000"/>
-                    <a:lumOff val="35000"/>
-                  </a:schemeClr>
-                </a:solidFill>
-              </a:rPr>
-              <a:t> </a:t>
-            </a:r>
-            <a:r>
-              <a:rPr lang="en-US" i="1" smtClean="0">
+              <a:rPr lang="en-US" i="1" dirty="0" smtClean="0">
                 <a:solidFill>
                   <a:schemeClr val="tx1">
                     <a:lumMod val="65000"/>
@@ -4450,10 +4438,10 @@
                   </a:schemeClr>
                 </a:solidFill>
               </a:rPr>
-              <a:t> – построение </a:t>
-            </a:r>
-            <a:r>
-              <a:rPr lang="ru-RU" i="1" smtClean="0">
+              <a:t> – построение облака слов</a:t>
+            </a:r>
+            <a:r>
+              <a:rPr lang="en-US" i="1" dirty="0" smtClean="0">
                 <a:solidFill>
                   <a:schemeClr val="tx1">
                     <a:lumMod val="65000"/>
@@ -4461,27 +4449,8 @@
                   </a:schemeClr>
                 </a:solidFill>
               </a:rPr>
-              <a:t>облака слов</a:t>
-            </a:r>
-            <a:r>
-              <a:rPr lang="en-US" i="1" smtClean="0">
-                <a:solidFill>
-                  <a:schemeClr val="tx1">
-                    <a:lumMod val="65000"/>
-                    <a:lumOff val="35000"/>
-                  </a:schemeClr>
-                </a:solidFill>
-              </a:rPr>
               <a:t>.</a:t>
             </a:r>
-            <a:endParaRPr lang="en-US" i="1" dirty="0" smtClean="0">
-              <a:solidFill>
-                <a:schemeClr val="tx1">
-                  <a:lumMod val="65000"/>
-                  <a:lumOff val="35000"/>
-                </a:schemeClr>
-              </a:solidFill>
-            </a:endParaRPr>
           </a:p>
           <a:p>
             <a:pPr marL="457200" lvl="1" indent="0">
@@ -4499,7 +4468,7 @@
               <a:t>Requests</a:t>
             </a:r>
             <a:r>
-              <a:rPr lang="ru-RU" i="1" smtClean="0">
+              <a:rPr lang="ru-RU" i="1" dirty="0" smtClean="0">
                 <a:solidFill>
                   <a:schemeClr val="tx1">
                     <a:lumMod val="65000"/>
@@ -4510,7 +4479,7 @@
               <a:t> – выполнение </a:t>
             </a:r>
             <a:r>
-              <a:rPr lang="en-US" i="1" smtClean="0">
+              <a:rPr lang="en-US" i="1" dirty="0" smtClean="0">
                 <a:solidFill>
                   <a:schemeClr val="tx1">
                     <a:lumMod val="65000"/>
@@ -4521,7 +4490,7 @@
               <a:t>HTTP </a:t>
             </a:r>
             <a:r>
-              <a:rPr lang="ru-RU" i="1" smtClean="0">
+              <a:rPr lang="ru-RU" i="1" dirty="0" smtClean="0">
                 <a:solidFill>
                   <a:schemeClr val="tx1">
                     <a:lumMod val="65000"/>
@@ -4532,7 +4501,7 @@
               <a:t>запросов</a:t>
             </a:r>
             <a:r>
-              <a:rPr lang="en-US" i="1" smtClean="0">
+              <a:rPr lang="en-US" i="1" dirty="0" smtClean="0">
                 <a:solidFill>
                   <a:schemeClr val="tx1">
                     <a:lumMod val="65000"/>
@@ -4567,7 +4536,7 @@
               <a:t>Tqdm</a:t>
             </a:r>
             <a:r>
-              <a:rPr lang="ru-RU" i="1" smtClean="0">
+              <a:rPr lang="ru-RU" i="1" dirty="0" smtClean="0">
                 <a:solidFill>
                   <a:schemeClr val="tx1">
                     <a:lumMod val="65000"/>
@@ -4578,7 +4547,7 @@
               <a:t> – </a:t>
             </a:r>
             <a:r>
-              <a:rPr lang="en-US" i="1" smtClean="0">
+              <a:rPr lang="en-US" i="1" dirty="0" err="1" smtClean="0">
                 <a:solidFill>
                   <a:schemeClr val="tx1">
                     <a:lumMod val="65000"/>
@@ -4586,10 +4555,10 @@
                   </a:schemeClr>
                 </a:solidFill>
               </a:rPr>
-              <a:t>progressbar </a:t>
-            </a:r>
-            <a:r>
-              <a:rPr lang="ru-RU" i="1" smtClean="0">
+              <a:t>progressbar</a:t>
+            </a:r>
+            <a:r>
+              <a:rPr lang="en-US" i="1" dirty="0" smtClean="0">
                 <a:solidFill>
                   <a:schemeClr val="tx1">
                     <a:lumMod val="65000"/>
@@ -4597,10 +4566,10 @@
                   </a:schemeClr>
                 </a:solidFill>
               </a:rPr>
-              <a:t>для </a:t>
-            </a:r>
-            <a:r>
-              <a:rPr lang="en-US" i="1" smtClean="0">
+              <a:t> </a:t>
+            </a:r>
+            <a:r>
+              <a:rPr lang="ru-RU" i="1" dirty="0" smtClean="0">
                 <a:solidFill>
                   <a:schemeClr val="tx1">
                     <a:lumMod val="65000"/>
@@ -4608,16 +4577,19 @@
                   </a:schemeClr>
                 </a:solidFill>
               </a:rPr>
+              <a:t>для </a:t>
+            </a:r>
+            <a:r>
+              <a:rPr lang="en-US" i="1" dirty="0" smtClean="0">
+                <a:solidFill>
+                  <a:schemeClr val="tx1">
+                    <a:lumMod val="65000"/>
+                    <a:lumOff val="35000"/>
+                  </a:schemeClr>
+                </a:solidFill>
+              </a:rPr>
               <a:t>Python.</a:t>
             </a:r>
-            <a:endParaRPr lang="en-US" i="1" dirty="0" smtClean="0">
-              <a:solidFill>
-                <a:schemeClr val="tx1">
-                  <a:lumMod val="65000"/>
-                  <a:lumOff val="35000"/>
-                </a:schemeClr>
-              </a:solidFill>
-            </a:endParaRPr>
           </a:p>
           <a:p>
             <a:pPr marL="457200" lvl="1" indent="0">
@@ -4646,7 +4618,7 @@
               <a:t> – </a:t>
             </a:r>
             <a:r>
-              <a:rPr lang="ru-RU" i="1" smtClean="0">
+              <a:rPr lang="ru-RU" i="1" dirty="0" smtClean="0">
                 <a:solidFill>
                   <a:schemeClr val="tx1">
                     <a:lumMod val="65000"/>
@@ -6399,58 +6371,58 @@
       </p:pic>
       <p:graphicFrame>
         <p:nvGraphicFramePr>
-          <p:cNvPr id="5" name="Таблица 4"/>
+          <p:cNvPr id="4" name="Таблица 3"/>
           <p:cNvGraphicFramePr>
             <a:graphicFrameLocks noGrp="1"/>
           </p:cNvGraphicFramePr>
           <p:nvPr>
             <p:extLst>
               <p:ext uri="{D42A27DB-BD31-4B8C-83A1-F6EECF244321}">
-                <p14:modId xmlns:p14="http://schemas.microsoft.com/office/powerpoint/2010/main" val="1337331983"/>
+                <p14:modId xmlns:p14="http://schemas.microsoft.com/office/powerpoint/2010/main" val="2521509841"/>
               </p:ext>
             </p:extLst>
           </p:nvPr>
         </p:nvGraphicFramePr>
         <p:xfrm>
-          <a:off x="548640" y="2717742"/>
-          <a:ext cx="2006600" cy="763905"/>
+          <a:off x="562231" y="2696052"/>
+          <a:ext cx="2247470" cy="738375"/>
         </p:xfrm>
         <a:graphic>
           <a:graphicData uri="http://schemas.openxmlformats.org/drawingml/2006/table">
             <a:tbl>
               <a:tblPr>
-                <a:tableStyleId>{C083E6E3-FA7D-4D7B-A595-EF9225AFEA82}</a:tableStyleId>
+                <a:tableStyleId>{F2DE63D5-997A-4646-A377-4702673A728D}</a:tableStyleId>
               </a:tblPr>
               <a:tblGrid>
-                <a:gridCol w="1206500">
+                <a:gridCol w="1391261">
                   <a:extLst>
                     <a:ext uri="{9D8B030D-6E8A-4147-A177-3AD203B41FA5}">
-                      <a16:colId xmlns:a16="http://schemas.microsoft.com/office/drawing/2014/main" val="2065413775"/>
+                      <a16:colId xmlns:a16="http://schemas.microsoft.com/office/drawing/2014/main" val="3796399685"/>
                     </a:ext>
                   </a:extLst>
                 </a:gridCol>
-                <a:gridCol w="800100">
+                <a:gridCol w="856209">
                   <a:extLst>
                     <a:ext uri="{9D8B030D-6E8A-4147-A177-3AD203B41FA5}">
-                      <a16:colId xmlns:a16="http://schemas.microsoft.com/office/drawing/2014/main" val="1413111897"/>
+                      <a16:colId xmlns:a16="http://schemas.microsoft.com/office/drawing/2014/main" val="460697622"/>
                     </a:ext>
                   </a:extLst>
                 </a:gridCol>
               </a:tblGrid>
-              <a:tr h="0">
+              <a:tr h="168555">
                 <a:tc>
                   <a:txBody>
                     <a:bodyPr/>
                     <a:lstStyle/>
                     <a:p>
-                      <a:pPr algn="ctr" fontAlgn="t"/>
+                      <a:pPr algn="ctr" rtl="0" fontAlgn="t"/>
                       <a:r>
-                        <a:rPr lang="ru-RU" sz="1200" b="1" u="none" strike="noStrike">
+                        <a:rPr lang="ru-RU" sz="1200" b="1" u="none" strike="noStrike" dirty="0">
                           <a:effectLst/>
                         </a:rPr>
                         <a:t>Формат работы</a:t>
                       </a:r>
-                      <a:endParaRPr lang="ru-RU" sz="1200" b="1" i="0" u="none" strike="noStrike">
+                      <a:endParaRPr lang="ru-RU" sz="1200" b="1" i="0" u="none" strike="noStrike" dirty="0">
                         <a:solidFill>
                           <a:srgbClr val="000000"/>
                         </a:solidFill>
@@ -6470,7 +6442,7 @@
                     <a:bodyPr/>
                     <a:lstStyle/>
                     <a:p>
-                      <a:pPr algn="ctr" fontAlgn="t"/>
+                      <a:pPr algn="ctr" rtl="0" fontAlgn="t"/>
                       <a:r>
                         <a:rPr lang="ru-RU" sz="1200" b="1" u="none" strike="noStrike" dirty="0">
                           <a:effectLst/>
@@ -6500,24 +6472,24 @@
                 </a:tc>
                 <a:extLst>
                   <a:ext uri="{0D108BD9-81ED-4DB2-BD59-A6C34878D82A}">
-                    <a16:rowId xmlns:a16="http://schemas.microsoft.com/office/drawing/2014/main" val="2811187048"/>
+                    <a16:rowId xmlns:a16="http://schemas.microsoft.com/office/drawing/2014/main" val="1089339488"/>
                   </a:ext>
                 </a:extLst>
               </a:tr>
-              <a:tr h="190500">
+              <a:tr h="191640">
                 <a:tc>
                   <a:txBody>
                     <a:bodyPr/>
                     <a:lstStyle/>
                     <a:p>
-                      <a:pPr algn="ctr" fontAlgn="t"/>
+                      <a:pPr algn="ctr" rtl="0" fontAlgn="t"/>
                       <a:r>
-                        <a:rPr lang="ru-RU" sz="1100" u="none" strike="noStrike" dirty="0">
+                        <a:rPr lang="ru-RU" sz="1100" u="none" strike="noStrike">
                           <a:effectLst/>
                         </a:rPr>
-                        <a:t>Гибкий график</a:t>
+                        <a:t>Удаленная работа</a:t>
                       </a:r>
-                      <a:endParaRPr lang="ru-RU" sz="1100" b="1" i="0" u="none" strike="noStrike" dirty="0">
+                      <a:endParaRPr lang="ru-RU" sz="1100" b="0" i="0" u="none" strike="noStrike">
                         <a:solidFill>
                           <a:srgbClr val="000000"/>
                         </a:solidFill>
@@ -6537,7 +6509,68 @@
                     <a:bodyPr/>
                     <a:lstStyle/>
                     <a:p>
-                      <a:pPr algn="r" fontAlgn="b"/>
+                      <a:pPr algn="r" rtl="0" fontAlgn="b"/>
+                      <a:r>
+                        <a:rPr lang="ru-RU" sz="1100" u="none" strike="noStrike" dirty="0">
+                          <a:effectLst/>
+                        </a:rPr>
+                        <a:t>198 568 ₽</a:t>
+                      </a:r>
+                      <a:endParaRPr lang="ru-RU" sz="1100" b="1" i="0" u="none" strike="noStrike" dirty="0">
+                        <a:solidFill>
+                          <a:srgbClr val="000000"/>
+                        </a:solidFill>
+                        <a:effectLst/>
+                        <a:latin typeface="Calibri" panose="020F0502020204030204" pitchFamily="34" charset="0"/>
+                      </a:endParaRPr>
+                    </a:p>
+                  </a:txBody>
+                  <a:tcPr marL="9525" marR="9525" marT="9525" marB="0" anchor="b">
+                    <a:solidFill>
+                      <a:schemeClr val="bg1"/>
+                    </a:solidFill>
+                  </a:tcPr>
+                </a:tc>
+                <a:extLst>
+                  <a:ext uri="{0D108BD9-81ED-4DB2-BD59-A6C34878D82A}">
+                    <a16:rowId xmlns:a16="http://schemas.microsoft.com/office/drawing/2014/main" val="1075227021"/>
+                  </a:ext>
+                </a:extLst>
+              </a:tr>
+              <a:tr h="155204">
+                <a:tc>
+                  <a:txBody>
+                    <a:bodyPr/>
+                    <a:lstStyle/>
+                    <a:p>
+                      <a:pPr algn="ctr" rtl="0" fontAlgn="t"/>
+                      <a:r>
+                        <a:rPr lang="ru-RU" sz="1100" u="none" strike="noStrike" dirty="0">
+                          <a:effectLst/>
+                        </a:rPr>
+                        <a:t>Гибкий график</a:t>
+                      </a:r>
+                      <a:endParaRPr lang="ru-RU" sz="1100" b="0" i="0" u="none" strike="noStrike" dirty="0">
+                        <a:solidFill>
+                          <a:srgbClr val="000000"/>
+                        </a:solidFill>
+                        <a:effectLst/>
+                        <a:latin typeface="Calibri" panose="020F0502020204030204" pitchFamily="34" charset="0"/>
+                      </a:endParaRPr>
+                    </a:p>
+                  </a:txBody>
+                  <a:tcPr marL="9525" marR="9525" marT="9525" marB="0">
+                    <a:solidFill>
+                      <a:schemeClr val="bg1"/>
+                    </a:solidFill>
+                  </a:tcPr>
+                </a:tc>
+                <a:tc>
+                  <a:txBody>
+                    <a:bodyPr/>
+                    <a:lstStyle/>
+                    <a:p>
+                      <a:pPr algn="r" rtl="0" fontAlgn="b"/>
                       <a:r>
                         <a:rPr lang="ru-RU" sz="1100" u="none" strike="noStrike">
                           <a:effectLst/>
@@ -6561,24 +6594,24 @@
                 </a:tc>
                 <a:extLst>
                   <a:ext uri="{0D108BD9-81ED-4DB2-BD59-A6C34878D82A}">
-                    <a16:rowId xmlns:a16="http://schemas.microsoft.com/office/drawing/2014/main" val="358328119"/>
+                    <a16:rowId xmlns:a16="http://schemas.microsoft.com/office/drawing/2014/main" val="1080878949"/>
                   </a:ext>
                 </a:extLst>
               </a:tr>
-              <a:tr h="190500">
+              <a:tr h="155204">
                 <a:tc>
                   <a:txBody>
                     <a:bodyPr/>
                     <a:lstStyle/>
                     <a:p>
-                      <a:pPr algn="ctr" fontAlgn="t"/>
+                      <a:pPr algn="ctr" rtl="0" fontAlgn="t"/>
                       <a:r>
-                        <a:rPr lang="ru-RU" sz="1100" u="none" strike="noStrike" dirty="0">
+                        <a:rPr lang="ru-RU" sz="1100" u="none" strike="noStrike">
                           <a:effectLst/>
                         </a:rPr>
                         <a:t>Полный день</a:t>
                       </a:r>
-                      <a:endParaRPr lang="ru-RU" sz="1100" b="1" i="0" u="none" strike="noStrike" dirty="0">
+                      <a:endParaRPr lang="ru-RU" sz="1100" b="0" i="0" u="none" strike="noStrike">
                         <a:solidFill>
                           <a:srgbClr val="000000"/>
                         </a:solidFill>
@@ -6598,7 +6631,7 @@
                     <a:bodyPr/>
                     <a:lstStyle/>
                     <a:p>
-                      <a:pPr algn="r" fontAlgn="b"/>
+                      <a:pPr algn="r" rtl="0" fontAlgn="b"/>
                       <a:r>
                         <a:rPr lang="ru-RU" sz="1100" u="none" strike="noStrike" dirty="0">
                           <a:effectLst/>
@@ -6622,68 +6655,7 @@
                 </a:tc>
                 <a:extLst>
                   <a:ext uri="{0D108BD9-81ED-4DB2-BD59-A6C34878D82A}">
-                    <a16:rowId xmlns:a16="http://schemas.microsoft.com/office/drawing/2014/main" val="699116981"/>
-                  </a:ext>
-                </a:extLst>
-              </a:tr>
-              <a:tr h="190500">
-                <a:tc>
-                  <a:txBody>
-                    <a:bodyPr/>
-                    <a:lstStyle/>
-                    <a:p>
-                      <a:pPr algn="ctr" fontAlgn="t"/>
-                      <a:r>
-                        <a:rPr lang="ru-RU" sz="1100" u="none" strike="noStrike">
-                          <a:effectLst/>
-                        </a:rPr>
-                        <a:t>Удаленная работа</a:t>
-                      </a:r>
-                      <a:endParaRPr lang="ru-RU" sz="1100" b="1" i="0" u="none" strike="noStrike">
-                        <a:solidFill>
-                          <a:srgbClr val="000000"/>
-                        </a:solidFill>
-                        <a:effectLst/>
-                        <a:latin typeface="Calibri" panose="020F0502020204030204" pitchFamily="34" charset="0"/>
-                      </a:endParaRPr>
-                    </a:p>
-                  </a:txBody>
-                  <a:tcPr marL="9525" marR="9525" marT="9525" marB="0">
-                    <a:solidFill>
-                      <a:schemeClr val="bg1"/>
-                    </a:solidFill>
-                  </a:tcPr>
-                </a:tc>
-                <a:tc>
-                  <a:txBody>
-                    <a:bodyPr/>
-                    <a:lstStyle/>
-                    <a:p>
-                      <a:pPr algn="r" fontAlgn="b"/>
-                      <a:r>
-                        <a:rPr lang="ru-RU" sz="1100" b="1" u="none" strike="noStrike" dirty="0">
-                          <a:effectLst/>
-                        </a:rPr>
-                        <a:t>198 568 ₽</a:t>
-                      </a:r>
-                      <a:endParaRPr lang="ru-RU" sz="1100" b="1" i="0" u="none" strike="noStrike" dirty="0">
-                        <a:solidFill>
-                          <a:srgbClr val="000000"/>
-                        </a:solidFill>
-                        <a:effectLst/>
-                        <a:latin typeface="Calibri" panose="020F0502020204030204" pitchFamily="34" charset="0"/>
-                      </a:endParaRPr>
-                    </a:p>
-                  </a:txBody>
-                  <a:tcPr marL="9525" marR="9525" marT="9525" marB="0" anchor="b">
-                    <a:solidFill>
-                      <a:schemeClr val="bg1"/>
-                    </a:solidFill>
-                  </a:tcPr>
-                </a:tc>
-                <a:extLst>
-                  <a:ext uri="{0D108BD9-81ED-4DB2-BD59-A6C34878D82A}">
-                    <a16:rowId xmlns:a16="http://schemas.microsoft.com/office/drawing/2014/main" val="1011347963"/>
+                    <a16:rowId xmlns:a16="http://schemas.microsoft.com/office/drawing/2014/main" val="3796770272"/>
                   </a:ext>
                 </a:extLst>
               </a:tr>
@@ -6803,14 +6775,14 @@
           <p:nvPr>
             <p:extLst>
               <p:ext uri="{D42A27DB-BD31-4B8C-83A1-F6EECF244321}">
-                <p14:modId xmlns:p14="http://schemas.microsoft.com/office/powerpoint/2010/main" val="448277105"/>
+                <p14:modId xmlns:p14="http://schemas.microsoft.com/office/powerpoint/2010/main" val="2250032437"/>
               </p:ext>
             </p:extLst>
           </p:nvPr>
         </p:nvGraphicFramePr>
         <p:xfrm>
           <a:off x="980209" y="1712427"/>
-          <a:ext cx="3333404" cy="4364172"/>
+          <a:ext cx="3333404" cy="4107456"/>
         </p:xfrm>
         <a:graphic>
           <a:graphicData uri="http://schemas.openxmlformats.org/drawingml/2006/table">
@@ -6901,12 +6873,12 @@
                     <a:p>
                       <a:pPr algn="ctr" fontAlgn="t"/>
                       <a:r>
-                        <a:rPr lang="ru-RU" sz="1100" u="none" strike="noStrike">
+                        <a:rPr lang="ru-RU" sz="1100" u="none" strike="noStrike" dirty="0">
                           <a:effectLst/>
                         </a:rPr>
-                        <a:t>ОАЭ</a:t>
+                        <a:t>Батуми</a:t>
                       </a:r>
-                      <a:endParaRPr lang="ru-RU" sz="1100" b="1" i="0" u="none" strike="noStrike">
+                      <a:endParaRPr lang="ru-RU" sz="1100" b="1" i="0" u="none" strike="noStrike" dirty="0">
                         <a:solidFill>
                           <a:srgbClr val="000000"/>
                         </a:solidFill>
@@ -6924,12 +6896,12 @@
                     <a:p>
                       <a:pPr algn="r" fontAlgn="b"/>
                       <a:r>
-                        <a:rPr lang="ru-RU" sz="1100" u="none" strike="noStrike">
+                        <a:rPr lang="ru-RU" sz="1100" u="none" strike="noStrike" dirty="0">
                           <a:effectLst/>
                         </a:rPr>
-                        <a:t>338240</a:t>
+                        <a:t>301731</a:t>
                       </a:r>
-                      <a:endParaRPr lang="ru-RU" sz="1100" b="0" i="0" u="none" strike="noStrike">
+                      <a:endParaRPr lang="ru-RU" sz="1100" b="0" i="0" u="none" strike="noStrike" dirty="0">
                         <a:solidFill>
                           <a:srgbClr val="000000"/>
                         </a:solidFill>
@@ -6938,60 +6910,7 @@
                       </a:endParaRPr>
                     </a:p>
                   </a:txBody>
-                  <a:tcPr marL="9525" marR="9525" marT="9525" marB="0" anchor="b"/>
-                </a:tc>
-                <a:extLst>
-                  <a:ext uri="{0D108BD9-81ED-4DB2-BD59-A6C34878D82A}">
-                    <a16:rowId xmlns:a16="http://schemas.microsoft.com/office/drawing/2014/main" val="2182661606"/>
-                  </a:ext>
-                </a:extLst>
-              </a:tr>
-              <a:tr h="256716">
-                <a:tc>
-                  <a:txBody>
-                    <a:bodyPr/>
-                    <a:lstStyle/>
-                    <a:p>
-                      <a:pPr algn="ctr" fontAlgn="t"/>
-                      <a:r>
-                        <a:rPr lang="ru-RU" sz="1100" u="none" strike="noStrike">
-                          <a:effectLst/>
-                        </a:rPr>
-                        <a:t>Батуми</a:t>
-                      </a:r>
-                      <a:endParaRPr lang="ru-RU" sz="1100" b="1" i="0" u="none" strike="noStrike">
-                        <a:solidFill>
-                          <a:srgbClr val="000000"/>
-                        </a:solidFill>
-                        <a:effectLst/>
-                        <a:latin typeface="Calibri" panose="020F0502020204030204" pitchFamily="34" charset="0"/>
-                      </a:endParaRPr>
-                    </a:p>
-                  </a:txBody>
-                  <a:tcPr marL="9525" marR="9525" marT="9525" marB="0"/>
-                </a:tc>
-                <a:tc>
-                  <a:txBody>
-                    <a:bodyPr/>
-                    <a:lstStyle/>
-                    <a:p>
-                      <a:pPr algn="r" fontAlgn="b"/>
-                      <a:r>
-                        <a:rPr lang="ru-RU" sz="1100" u="none" strike="noStrike">
-                          <a:effectLst/>
-                        </a:rPr>
-                        <a:t>301731</a:t>
-                      </a:r>
-                      <a:endParaRPr lang="ru-RU" sz="1100" b="0" i="0" u="none" strike="noStrike">
-                        <a:solidFill>
-                          <a:srgbClr val="000000"/>
-                        </a:solidFill>
-                        <a:effectLst/>
-                        <a:latin typeface="Calibri" panose="020F0502020204030204" pitchFamily="34" charset="0"/>
-                      </a:endParaRPr>
-                    </a:p>
-                  </a:txBody>
-                  <a:tcPr marL="9525" marR="9525" marT="9525" marB="0" anchor="b"/>
+                  <a:tcPr marL="9525" marR="9525" marT="9525" marB="0" anchor="ctr"/>
                 </a:tc>
                 <a:extLst>
                   <a:ext uri="{0D108BD9-81ED-4DB2-BD59-A6C34878D82A}">
@@ -7030,12 +6949,12 @@
                     <a:p>
                       <a:pPr algn="r" fontAlgn="b"/>
                       <a:r>
-                        <a:rPr lang="ru-RU" sz="1100" u="none" strike="noStrike">
+                        <a:rPr lang="ru-RU" sz="1100" u="none" strike="noStrike" dirty="0">
                           <a:effectLst/>
                         </a:rPr>
                         <a:t>281687,3</a:t>
                       </a:r>
-                      <a:endParaRPr lang="ru-RU" sz="1100" b="0" i="0" u="none" strike="noStrike">
+                      <a:endParaRPr lang="ru-RU" sz="1100" b="0" i="0" u="none" strike="noStrike" dirty="0">
                         <a:solidFill>
                           <a:srgbClr val="000000"/>
                         </a:solidFill>
@@ -7044,7 +6963,7 @@
                       </a:endParaRPr>
                     </a:p>
                   </a:txBody>
-                  <a:tcPr marL="9525" marR="9525" marT="9525" marB="0" anchor="b"/>
+                  <a:tcPr marL="9525" marR="9525" marT="9525" marB="0" anchor="ctr"/>
                 </a:tc>
                 <a:extLst>
                   <a:ext uri="{0D108BD9-81ED-4DB2-BD59-A6C34878D82A}">
@@ -7083,12 +7002,12 @@
                     <a:p>
                       <a:pPr algn="r" fontAlgn="b"/>
                       <a:r>
-                        <a:rPr lang="ru-RU" sz="1100" u="none" strike="noStrike">
+                        <a:rPr lang="ru-RU" sz="1100" u="none" strike="noStrike" dirty="0">
                           <a:effectLst/>
                         </a:rPr>
                         <a:t>271800</a:t>
                       </a:r>
-                      <a:endParaRPr lang="ru-RU" sz="1100" b="0" i="0" u="none" strike="noStrike">
+                      <a:endParaRPr lang="ru-RU" sz="1100" b="0" i="0" u="none" strike="noStrike" dirty="0">
                         <a:solidFill>
                           <a:srgbClr val="000000"/>
                         </a:solidFill>
@@ -7097,7 +7016,7 @@
                       </a:endParaRPr>
                     </a:p>
                   </a:txBody>
-                  <a:tcPr marL="9525" marR="9525" marT="9525" marB="0" anchor="b"/>
+                  <a:tcPr marL="9525" marR="9525" marT="9525" marB="0" anchor="ctr"/>
                 </a:tc>
                 <a:extLst>
                   <a:ext uri="{0D108BD9-81ED-4DB2-BD59-A6C34878D82A}">
@@ -7136,12 +7055,12 @@
                     <a:p>
                       <a:pPr algn="r" fontAlgn="b"/>
                       <a:r>
-                        <a:rPr lang="ru-RU" sz="1100" u="none" strike="noStrike">
+                        <a:rPr lang="ru-RU" sz="1100" u="none" strike="noStrike" dirty="0">
                           <a:effectLst/>
                         </a:rPr>
                         <a:t>265734</a:t>
                       </a:r>
-                      <a:endParaRPr lang="ru-RU" sz="1100" b="0" i="0" u="none" strike="noStrike">
+                      <a:endParaRPr lang="ru-RU" sz="1100" b="0" i="0" u="none" strike="noStrike" dirty="0">
                         <a:solidFill>
                           <a:srgbClr val="000000"/>
                         </a:solidFill>
@@ -7150,7 +7069,7 @@
                       </a:endParaRPr>
                     </a:p>
                   </a:txBody>
-                  <a:tcPr marL="9525" marR="9525" marT="9525" marB="0" anchor="b"/>
+                  <a:tcPr marL="9525" marR="9525" marT="9525" marB="0" anchor="ctr"/>
                 </a:tc>
                 <a:extLst>
                   <a:ext uri="{0D108BD9-81ED-4DB2-BD59-A6C34878D82A}">
@@ -7189,12 +7108,12 @@
                     <a:p>
                       <a:pPr algn="r" fontAlgn="b"/>
                       <a:r>
-                        <a:rPr lang="ru-RU" sz="1100" u="none" strike="noStrike">
+                        <a:rPr lang="ru-RU" sz="1100" u="none" strike="noStrike" dirty="0">
                           <a:effectLst/>
                         </a:rPr>
                         <a:t>250000</a:t>
                       </a:r>
-                      <a:endParaRPr lang="ru-RU" sz="1100" b="0" i="0" u="none" strike="noStrike">
+                      <a:endParaRPr lang="ru-RU" sz="1100" b="0" i="0" u="none" strike="noStrike" dirty="0">
                         <a:solidFill>
                           <a:srgbClr val="000000"/>
                         </a:solidFill>
@@ -7203,7 +7122,7 @@
                       </a:endParaRPr>
                     </a:p>
                   </a:txBody>
-                  <a:tcPr marL="9525" marR="9525" marT="9525" marB="0" anchor="b"/>
+                  <a:tcPr marL="9525" marR="9525" marT="9525" marB="0" anchor="ctr"/>
                 </a:tc>
                 <a:extLst>
                   <a:ext uri="{0D108BD9-81ED-4DB2-BD59-A6C34878D82A}">
@@ -7242,12 +7161,12 @@
                     <a:p>
                       <a:pPr algn="r" fontAlgn="b"/>
                       <a:r>
-                        <a:rPr lang="ru-RU" sz="1100" u="none" strike="noStrike">
+                        <a:rPr lang="ru-RU" sz="1100" u="none" strike="noStrike" dirty="0">
                           <a:effectLst/>
                         </a:rPr>
                         <a:t>217106,2</a:t>
                       </a:r>
-                      <a:endParaRPr lang="ru-RU" sz="1100" b="0" i="0" u="none" strike="noStrike">
+                      <a:endParaRPr lang="ru-RU" sz="1100" b="0" i="0" u="none" strike="noStrike" dirty="0">
                         <a:solidFill>
                           <a:srgbClr val="000000"/>
                         </a:solidFill>
@@ -7256,7 +7175,7 @@
                       </a:endParaRPr>
                     </a:p>
                   </a:txBody>
-                  <a:tcPr marL="9525" marR="9525" marT="9525" marB="0" anchor="b"/>
+                  <a:tcPr marL="9525" marR="9525" marT="9525" marB="0" anchor="ctr"/>
                 </a:tc>
                 <a:extLst>
                   <a:ext uri="{0D108BD9-81ED-4DB2-BD59-A6C34878D82A}">
@@ -7295,12 +7214,12 @@
                     <a:p>
                       <a:pPr algn="r" fontAlgn="b"/>
                       <a:r>
-                        <a:rPr lang="ru-RU" sz="1100" u="none" strike="noStrike">
+                        <a:rPr lang="ru-RU" sz="1100" u="none" strike="noStrike" dirty="0">
                           <a:effectLst/>
                         </a:rPr>
                         <a:t>213313,3</a:t>
                       </a:r>
-                      <a:endParaRPr lang="ru-RU" sz="1100" b="0" i="0" u="none" strike="noStrike">
+                      <a:endParaRPr lang="ru-RU" sz="1100" b="0" i="0" u="none" strike="noStrike" dirty="0">
                         <a:solidFill>
                           <a:srgbClr val="000000"/>
                         </a:solidFill>
@@ -7309,7 +7228,7 @@
                       </a:endParaRPr>
                     </a:p>
                   </a:txBody>
-                  <a:tcPr marL="9525" marR="9525" marT="9525" marB="0" anchor="b"/>
+                  <a:tcPr marL="9525" marR="9525" marT="9525" marB="0" anchor="ctr"/>
                 </a:tc>
                 <a:extLst>
                   <a:ext uri="{0D108BD9-81ED-4DB2-BD59-A6C34878D82A}">
@@ -7348,12 +7267,12 @@
                     <a:p>
                       <a:pPr algn="r" fontAlgn="b"/>
                       <a:r>
-                        <a:rPr lang="ru-RU" sz="1100" u="none" strike="noStrike">
+                        <a:rPr lang="ru-RU" sz="1100" u="none" strike="noStrike" dirty="0">
                           <a:effectLst/>
                         </a:rPr>
                         <a:t>192380</a:t>
                       </a:r>
-                      <a:endParaRPr lang="ru-RU" sz="1100" b="0" i="0" u="none" strike="noStrike">
+                      <a:endParaRPr lang="ru-RU" sz="1100" b="0" i="0" u="none" strike="noStrike" dirty="0">
                         <a:solidFill>
                           <a:srgbClr val="000000"/>
                         </a:solidFill>
@@ -7362,7 +7281,7 @@
                       </a:endParaRPr>
                     </a:p>
                   </a:txBody>
-                  <a:tcPr marL="9525" marR="9525" marT="9525" marB="0" anchor="b"/>
+                  <a:tcPr marL="9525" marR="9525" marT="9525" marB="0" anchor="ctr"/>
                 </a:tc>
                 <a:extLst>
                   <a:ext uri="{0D108BD9-81ED-4DB2-BD59-A6C34878D82A}">
@@ -7401,12 +7320,12 @@
                     <a:p>
                       <a:pPr algn="r" fontAlgn="b"/>
                       <a:r>
-                        <a:rPr lang="ru-RU" sz="1100" u="none" strike="noStrike">
+                        <a:rPr lang="ru-RU" sz="1100" u="none" strike="noStrike" dirty="0">
                           <a:effectLst/>
                         </a:rPr>
                         <a:t>186740,7</a:t>
                       </a:r>
-                      <a:endParaRPr lang="ru-RU" sz="1100" b="0" i="0" u="none" strike="noStrike">
+                      <a:endParaRPr lang="ru-RU" sz="1100" b="0" i="0" u="none" strike="noStrike" dirty="0">
                         <a:solidFill>
                           <a:srgbClr val="000000"/>
                         </a:solidFill>
@@ -7415,7 +7334,7 @@
                       </a:endParaRPr>
                     </a:p>
                   </a:txBody>
-                  <a:tcPr marL="9525" marR="9525" marT="9525" marB="0" anchor="b"/>
+                  <a:tcPr marL="9525" marR="9525" marT="9525" marB="0" anchor="ctr"/>
                 </a:tc>
                 <a:extLst>
                   <a:ext uri="{0D108BD9-81ED-4DB2-BD59-A6C34878D82A}">
@@ -7454,12 +7373,12 @@
                     <a:p>
                       <a:pPr algn="r" fontAlgn="b"/>
                       <a:r>
-                        <a:rPr lang="ru-RU" sz="1100" u="none" strike="noStrike">
+                        <a:rPr lang="ru-RU" sz="1100" u="none" strike="noStrike" dirty="0">
                           <a:effectLst/>
                         </a:rPr>
                         <a:t>159371,4</a:t>
                       </a:r>
-                      <a:endParaRPr lang="ru-RU" sz="1100" b="0" i="0" u="none" strike="noStrike">
+                      <a:endParaRPr lang="ru-RU" sz="1100" b="0" i="0" u="none" strike="noStrike" dirty="0">
                         <a:solidFill>
                           <a:srgbClr val="000000"/>
                         </a:solidFill>
@@ -7468,7 +7387,7 @@
                       </a:endParaRPr>
                     </a:p>
                   </a:txBody>
-                  <a:tcPr marL="9525" marR="9525" marT="9525" marB="0" anchor="b"/>
+                  <a:tcPr marL="9525" marR="9525" marT="9525" marB="0" anchor="ctr"/>
                 </a:tc>
                 <a:extLst>
                   <a:ext uri="{0D108BD9-81ED-4DB2-BD59-A6C34878D82A}">
@@ -7507,12 +7426,12 @@
                     <a:p>
                       <a:pPr algn="r" fontAlgn="b"/>
                       <a:r>
-                        <a:rPr lang="ru-RU" sz="1100" u="none" strike="noStrike">
+                        <a:rPr lang="ru-RU" sz="1100" u="none" strike="noStrike" dirty="0">
                           <a:effectLst/>
                         </a:rPr>
                         <a:t>146428,6</a:t>
                       </a:r>
-                      <a:endParaRPr lang="ru-RU" sz="1100" b="0" i="0" u="none" strike="noStrike">
+                      <a:endParaRPr lang="ru-RU" sz="1100" b="0" i="0" u="none" strike="noStrike" dirty="0">
                         <a:solidFill>
                           <a:srgbClr val="000000"/>
                         </a:solidFill>
@@ -7521,7 +7440,7 @@
                       </a:endParaRPr>
                     </a:p>
                   </a:txBody>
-                  <a:tcPr marL="9525" marR="9525" marT="9525" marB="0" anchor="b"/>
+                  <a:tcPr marL="9525" marR="9525" marT="9525" marB="0" anchor="ctr"/>
                 </a:tc>
                 <a:extLst>
                   <a:ext uri="{0D108BD9-81ED-4DB2-BD59-A6C34878D82A}">
@@ -7560,12 +7479,12 @@
                     <a:p>
                       <a:pPr algn="r" fontAlgn="b"/>
                       <a:r>
-                        <a:rPr lang="ru-RU" sz="1100" u="none" strike="noStrike">
+                        <a:rPr lang="ru-RU" sz="1100" u="none" strike="noStrike" dirty="0">
                           <a:effectLst/>
                         </a:rPr>
                         <a:t>142000</a:t>
                       </a:r>
-                      <a:endParaRPr lang="ru-RU" sz="1100" b="0" i="0" u="none" strike="noStrike">
+                      <a:endParaRPr lang="ru-RU" sz="1100" b="0" i="0" u="none" strike="noStrike" dirty="0">
                         <a:solidFill>
                           <a:srgbClr val="000000"/>
                         </a:solidFill>
@@ -7574,7 +7493,7 @@
                       </a:endParaRPr>
                     </a:p>
                   </a:txBody>
-                  <a:tcPr marL="9525" marR="9525" marT="9525" marB="0" anchor="b"/>
+                  <a:tcPr marL="9525" marR="9525" marT="9525" marB="0" anchor="ctr"/>
                 </a:tc>
                 <a:extLst>
                   <a:ext uri="{0D108BD9-81ED-4DB2-BD59-A6C34878D82A}">
@@ -7613,12 +7532,12 @@
                     <a:p>
                       <a:pPr algn="r" fontAlgn="b"/>
                       <a:r>
-                        <a:rPr lang="ru-RU" sz="1100" u="none" strike="noStrike">
+                        <a:rPr lang="ru-RU" sz="1100" u="none" strike="noStrike" dirty="0">
                           <a:effectLst/>
                         </a:rPr>
                         <a:t>83213,89</a:t>
                       </a:r>
-                      <a:endParaRPr lang="ru-RU" sz="1100" b="0" i="0" u="none" strike="noStrike">
+                      <a:endParaRPr lang="ru-RU" sz="1100" b="0" i="0" u="none" strike="noStrike" dirty="0">
                         <a:solidFill>
                           <a:srgbClr val="000000"/>
                         </a:solidFill>
@@ -7627,7 +7546,7 @@
                       </a:endParaRPr>
                     </a:p>
                   </a:txBody>
-                  <a:tcPr marL="9525" marR="9525" marT="9525" marB="0" anchor="b"/>
+                  <a:tcPr marL="9525" marR="9525" marT="9525" marB="0" anchor="ctr"/>
                 </a:tc>
                 <a:extLst>
                   <a:ext uri="{0D108BD9-81ED-4DB2-BD59-A6C34878D82A}">
@@ -7666,12 +7585,12 @@
                     <a:p>
                       <a:pPr algn="r" fontAlgn="b"/>
                       <a:r>
-                        <a:rPr lang="ru-RU" sz="1100" u="none" strike="noStrike">
+                        <a:rPr lang="ru-RU" sz="1100" u="none" strike="noStrike" dirty="0">
                           <a:effectLst/>
                         </a:rPr>
                         <a:t>65000</a:t>
                       </a:r>
-                      <a:endParaRPr lang="ru-RU" sz="1100" b="0" i="0" u="none" strike="noStrike">
+                      <a:endParaRPr lang="ru-RU" sz="1100" b="0" i="0" u="none" strike="noStrike" dirty="0">
                         <a:solidFill>
                           <a:srgbClr val="000000"/>
                         </a:solidFill>
@@ -7680,7 +7599,7 @@
                       </a:endParaRPr>
                     </a:p>
                   </a:txBody>
-                  <a:tcPr marL="9525" marR="9525" marT="9525" marB="0" anchor="b"/>
+                  <a:tcPr marL="9525" marR="9525" marT="9525" marB="0" anchor="ctr"/>
                 </a:tc>
                 <a:extLst>
                   <a:ext uri="{0D108BD9-81ED-4DB2-BD59-A6C34878D82A}">
@@ -7733,7 +7652,7 @@
                       </a:endParaRPr>
                     </a:p>
                   </a:txBody>
-                  <a:tcPr marL="9525" marR="9525" marT="9525" marB="0" anchor="b"/>
+                  <a:tcPr marL="9525" marR="9525" marT="9525" marB="0" anchor="ctr"/>
                 </a:tc>
                 <a:extLst>
                   <a:ext uri="{0D108BD9-81ED-4DB2-BD59-A6C34878D82A}">
